--- a/project_presentation.pptx
+++ b/project_presentation.pptx
@@ -5,45 +5,49 @@
     <p:sldMasterId id="2147483648" r:id="rId1"/>
   </p:sldMasterIdLst>
   <p:notesMasterIdLst>
-    <p:notesMasterId r:id="rId38"/>
+    <p:notesMasterId r:id="rId42"/>
   </p:notesMasterIdLst>
   <p:sldIdLst>
     <p:sldId id="256" r:id="rId2"/>
     <p:sldId id="257" r:id="rId3"/>
-    <p:sldId id="258" r:id="rId4"/>
-    <p:sldId id="274" r:id="rId5"/>
-    <p:sldId id="270" r:id="rId6"/>
-    <p:sldId id="272" r:id="rId7"/>
-    <p:sldId id="273" r:id="rId8"/>
-    <p:sldId id="275" r:id="rId9"/>
-    <p:sldId id="261" r:id="rId10"/>
-    <p:sldId id="276" r:id="rId11"/>
-    <p:sldId id="295" r:id="rId12"/>
-    <p:sldId id="297" r:id="rId13"/>
-    <p:sldId id="298" r:id="rId14"/>
-    <p:sldId id="300" r:id="rId15"/>
-    <p:sldId id="320" r:id="rId16"/>
-    <p:sldId id="301" r:id="rId17"/>
-    <p:sldId id="302" r:id="rId18"/>
-    <p:sldId id="304" r:id="rId19"/>
-    <p:sldId id="293" r:id="rId20"/>
-    <p:sldId id="314" r:id="rId21"/>
-    <p:sldId id="315" r:id="rId22"/>
-    <p:sldId id="299" r:id="rId23"/>
-    <p:sldId id="316" r:id="rId24"/>
-    <p:sldId id="305" r:id="rId25"/>
-    <p:sldId id="306" r:id="rId26"/>
-    <p:sldId id="317" r:id="rId27"/>
-    <p:sldId id="307" r:id="rId28"/>
-    <p:sldId id="308" r:id="rId29"/>
-    <p:sldId id="311" r:id="rId30"/>
-    <p:sldId id="312" r:id="rId31"/>
-    <p:sldId id="318" r:id="rId32"/>
-    <p:sldId id="319" r:id="rId33"/>
-    <p:sldId id="313" r:id="rId34"/>
-    <p:sldId id="264" r:id="rId35"/>
-    <p:sldId id="265" r:id="rId36"/>
-    <p:sldId id="267" r:id="rId37"/>
+    <p:sldId id="274" r:id="rId4"/>
+    <p:sldId id="321" r:id="rId5"/>
+    <p:sldId id="258" r:id="rId6"/>
+    <p:sldId id="270" r:id="rId7"/>
+    <p:sldId id="272" r:id="rId8"/>
+    <p:sldId id="273" r:id="rId9"/>
+    <p:sldId id="275" r:id="rId10"/>
+    <p:sldId id="261" r:id="rId11"/>
+    <p:sldId id="276" r:id="rId12"/>
+    <p:sldId id="305" r:id="rId13"/>
+    <p:sldId id="306" r:id="rId14"/>
+    <p:sldId id="317" r:id="rId15"/>
+    <p:sldId id="307" r:id="rId16"/>
+    <p:sldId id="295" r:id="rId17"/>
+    <p:sldId id="297" r:id="rId18"/>
+    <p:sldId id="298" r:id="rId19"/>
+    <p:sldId id="300" r:id="rId20"/>
+    <p:sldId id="320" r:id="rId21"/>
+    <p:sldId id="301" r:id="rId22"/>
+    <p:sldId id="302" r:id="rId23"/>
+    <p:sldId id="304" r:id="rId24"/>
+    <p:sldId id="293" r:id="rId25"/>
+    <p:sldId id="314" r:id="rId26"/>
+    <p:sldId id="315" r:id="rId27"/>
+    <p:sldId id="299" r:id="rId28"/>
+    <p:sldId id="322" r:id="rId29"/>
+    <p:sldId id="323" r:id="rId30"/>
+    <p:sldId id="326" r:id="rId31"/>
+    <p:sldId id="308" r:id="rId32"/>
+    <p:sldId id="311" r:id="rId33"/>
+    <p:sldId id="312" r:id="rId34"/>
+    <p:sldId id="318" r:id="rId35"/>
+    <p:sldId id="319" r:id="rId36"/>
+    <p:sldId id="313" r:id="rId37"/>
+    <p:sldId id="325" r:id="rId38"/>
+    <p:sldId id="264" r:id="rId39"/>
+    <p:sldId id="265" r:id="rId40"/>
+    <p:sldId id="267" r:id="rId41"/>
   </p:sldIdLst>
   <p:sldSz cx="12192000" cy="6858000"/>
   <p:notesSz cx="6858000" cy="9144000"/>
@@ -232,7 +236,7 @@
           <a:p>
             <a:fld id="{A697008E-CDF6-4114-9BA0-C63EBAD6D546}" type="datetimeFigureOut">
               <a:rPr lang="en-US" smtClean="0"/>
-              <a:t>3/19/2019</a:t>
+              <a:t>2019-03-20</a:t>
             </a:fld>
             <a:endParaRPr lang="en-US"/>
           </a:p>
@@ -713,7 +717,7 @@
             <a:fld id="{B61BEF0D-F0BB-DE4B-95CE-6DB70DBA9567}" type="datetimeFigureOut">
               <a:rPr lang="en-US" dirty="0"/>
               <a:pPr/>
-              <a:t>3/19/2019</a:t>
+              <a:t>2019-03-20</a:t>
             </a:fld>
             <a:endParaRPr lang="en-US" dirty="0"/>
           </a:p>
@@ -1001,7 +1005,7 @@
             <a:fld id="{B61BEF0D-F0BB-DE4B-95CE-6DB70DBA9567}" type="datetimeFigureOut">
               <a:rPr lang="en-US" dirty="0"/>
               <a:pPr/>
-              <a:t>3/19/2019</a:t>
+              <a:t>2019-03-20</a:t>
             </a:fld>
             <a:endParaRPr lang="en-US" dirty="0"/>
           </a:p>
@@ -1257,7 +1261,7 @@
             <a:fld id="{B61BEF0D-F0BB-DE4B-95CE-6DB70DBA9567}" type="datetimeFigureOut">
               <a:rPr lang="en-US" dirty="0"/>
               <a:pPr/>
-              <a:t>3/19/2019</a:t>
+              <a:t>2019-03-20</a:t>
             </a:fld>
             <a:endParaRPr lang="en-US" dirty="0"/>
           </a:p>
@@ -1723,7 +1727,7 @@
             <a:fld id="{B61BEF0D-F0BB-DE4B-95CE-6DB70DBA9567}" type="datetimeFigureOut">
               <a:rPr lang="en-US" dirty="0"/>
               <a:pPr/>
-              <a:t>3/19/2019</a:t>
+              <a:t>2019-03-20</a:t>
             </a:fld>
             <a:endParaRPr lang="en-US" dirty="0"/>
           </a:p>
@@ -1900,7 +1904,7 @@
             <a:fld id="{B61BEF0D-F0BB-DE4B-95CE-6DB70DBA9567}" type="datetimeFigureOut">
               <a:rPr lang="en-US" dirty="0"/>
               <a:pPr/>
-              <a:t>3/19/2019</a:t>
+              <a:t>2019-03-20</a:t>
             </a:fld>
             <a:endParaRPr lang="en-US" dirty="0"/>
           </a:p>
@@ -2473,7 +2477,7 @@
             <a:fld id="{B61BEF0D-F0BB-DE4B-95CE-6DB70DBA9567}" type="datetimeFigureOut">
               <a:rPr lang="en-US" dirty="0"/>
               <a:pPr/>
-              <a:t>3/19/2019</a:t>
+              <a:t>2019-03-20</a:t>
             </a:fld>
             <a:endParaRPr lang="en-US" dirty="0"/>
           </a:p>
@@ -2802,7 +2806,7 @@
             <a:fld id="{B61BEF0D-F0BB-DE4B-95CE-6DB70DBA9567}" type="datetimeFigureOut">
               <a:rPr lang="en-US" dirty="0"/>
               <a:pPr/>
-              <a:t>3/19/2019</a:t>
+              <a:t>2019-03-20</a:t>
             </a:fld>
             <a:endParaRPr lang="en-US" dirty="0"/>
           </a:p>
@@ -2974,7 +2978,7 @@
             <a:fld id="{B61BEF0D-F0BB-DE4B-95CE-6DB70DBA9567}" type="datetimeFigureOut">
               <a:rPr lang="en-US" dirty="0"/>
               <a:pPr/>
-              <a:t>3/19/2019</a:t>
+              <a:t>2019-03-20</a:t>
             </a:fld>
             <a:endParaRPr lang="en-US" dirty="0"/>
           </a:p>
@@ -3151,7 +3155,7 @@
             <a:fld id="{B61BEF0D-F0BB-DE4B-95CE-6DB70DBA9567}" type="datetimeFigureOut">
               <a:rPr lang="en-US" dirty="0"/>
               <a:pPr/>
-              <a:t>3/19/2019</a:t>
+              <a:t>2019-03-20</a:t>
             </a:fld>
             <a:endParaRPr lang="en-US" dirty="0"/>
           </a:p>
@@ -3318,7 +3322,7 @@
             <a:fld id="{B61BEF0D-F0BB-DE4B-95CE-6DB70DBA9567}" type="datetimeFigureOut">
               <a:rPr lang="en-US" dirty="0"/>
               <a:pPr/>
-              <a:t>3/19/2019</a:t>
+              <a:t>2019-03-20</a:t>
             </a:fld>
             <a:endParaRPr lang="en-US" dirty="0"/>
           </a:p>
@@ -3572,7 +3576,7 @@
             <a:fld id="{B61BEF0D-F0BB-DE4B-95CE-6DB70DBA9567}" type="datetimeFigureOut">
               <a:rPr lang="en-US" dirty="0"/>
               <a:pPr/>
-              <a:t>3/19/2019</a:t>
+              <a:t>2019-03-20</a:t>
             </a:fld>
             <a:endParaRPr lang="en-US" dirty="0"/>
           </a:p>
@@ -3861,7 +3865,7 @@
             <a:fld id="{B61BEF0D-F0BB-DE4B-95CE-6DB70DBA9567}" type="datetimeFigureOut">
               <a:rPr lang="en-US" dirty="0"/>
               <a:pPr/>
-              <a:t>3/19/2019</a:t>
+              <a:t>2019-03-20</a:t>
             </a:fld>
             <a:endParaRPr lang="en-US" dirty="0"/>
           </a:p>
@@ -4288,7 +4292,7 @@
             <a:fld id="{B61BEF0D-F0BB-DE4B-95CE-6DB70DBA9567}" type="datetimeFigureOut">
               <a:rPr lang="en-US" dirty="0"/>
               <a:pPr/>
-              <a:t>3/19/2019</a:t>
+              <a:t>2019-03-20</a:t>
             </a:fld>
             <a:endParaRPr lang="en-US" dirty="0"/>
           </a:p>
@@ -4403,7 +4407,7 @@
             <a:fld id="{B61BEF0D-F0BB-DE4B-95CE-6DB70DBA9567}" type="datetimeFigureOut">
               <a:rPr lang="en-US" dirty="0"/>
               <a:pPr/>
-              <a:t>3/19/2019</a:t>
+              <a:t>2019-03-20</a:t>
             </a:fld>
             <a:endParaRPr lang="en-US" dirty="0"/>
           </a:p>
@@ -4495,7 +4499,7 @@
             <a:fld id="{B61BEF0D-F0BB-DE4B-95CE-6DB70DBA9567}" type="datetimeFigureOut">
               <a:rPr lang="en-US" dirty="0"/>
               <a:pPr/>
-              <a:t>3/19/2019</a:t>
+              <a:t>2019-03-20</a:t>
             </a:fld>
             <a:endParaRPr lang="en-US" dirty="0"/>
           </a:p>
@@ -4775,7 +4779,7 @@
             <a:fld id="{B61BEF0D-F0BB-DE4B-95CE-6DB70DBA9567}" type="datetimeFigureOut">
               <a:rPr lang="en-US" dirty="0"/>
               <a:pPr/>
-              <a:t>3/19/2019</a:t>
+              <a:t>2019-03-20</a:t>
             </a:fld>
             <a:endParaRPr lang="en-US" dirty="0"/>
           </a:p>
@@ -5063,7 +5067,7 @@
             <a:fld id="{B61BEF0D-F0BB-DE4B-95CE-6DB70DBA9567}" type="datetimeFigureOut">
               <a:rPr lang="en-US" dirty="0"/>
               <a:pPr/>
-              <a:t>3/19/2019</a:t>
+              <a:t>2019-03-20</a:t>
             </a:fld>
             <a:endParaRPr lang="en-US" dirty="0"/>
           </a:p>
@@ -5291,7 +5295,7 @@
             <a:fld id="{B61BEF0D-F0BB-DE4B-95CE-6DB70DBA9567}" type="datetimeFigureOut">
               <a:rPr lang="en-US" dirty="0"/>
               <a:pPr/>
-              <a:t>3/19/2019</a:t>
+              <a:t>2019-03-20</a:t>
             </a:fld>
             <a:endParaRPr lang="en-US" dirty="0"/>
           </a:p>
@@ -6179,6 +6183,102 @@
           <p:cNvPr id="2" name="Title 1">
             <a:extLst>
               <a:ext uri="{FF2B5EF4-FFF2-40B4-BE49-F238E27FC236}">
+                <a16:creationId xmlns:a16="http://schemas.microsoft.com/office/drawing/2014/main" id="{48794AAE-D738-4DE7-84FD-EFF817FFB8CA}"/>
+              </a:ext>
+            </a:extLst>
+          </p:cNvPr>
+          <p:cNvSpPr>
+            <a:spLocks noGrp="1"/>
+          </p:cNvSpPr>
+          <p:nvPr>
+            <p:ph type="title"/>
+          </p:nvPr>
+        </p:nvSpPr>
+        <p:spPr>
+          <a:xfrm>
+            <a:off x="1618741" y="1836339"/>
+            <a:ext cx="8686800" cy="1468800"/>
+          </a:xfrm>
+        </p:spPr>
+        <p:txBody>
+          <a:bodyPr/>
+          <a:lstStyle/>
+          <a:p>
+            <a:pPr algn="ctr"/>
+            <a:r>
+              <a:rPr lang="en-US" dirty="0"/>
+              <a:t>Machine learning modules</a:t>
+            </a:r>
+          </a:p>
+        </p:txBody>
+      </p:sp>
+      <p:sp>
+        <p:nvSpPr>
+          <p:cNvPr id="3" name="Text Placeholder 2">
+            <a:extLst>
+              <a:ext uri="{FF2B5EF4-FFF2-40B4-BE49-F238E27FC236}">
+                <a16:creationId xmlns:a16="http://schemas.microsoft.com/office/drawing/2014/main" id="{07284521-E2A4-4D0F-A279-8AE1889490B9}"/>
+              </a:ext>
+            </a:extLst>
+          </p:cNvPr>
+          <p:cNvSpPr>
+            <a:spLocks noGrp="1"/>
+          </p:cNvSpPr>
+          <p:nvPr>
+            <p:ph type="body" idx="1"/>
+          </p:nvPr>
+        </p:nvSpPr>
+        <p:spPr>
+          <a:xfrm>
+            <a:off x="1371449" y="3305139"/>
+            <a:ext cx="8686801" cy="860400"/>
+          </a:xfrm>
+        </p:spPr>
+        <p:txBody>
+          <a:bodyPr>
+            <a:normAutofit/>
+          </a:bodyPr>
+          <a:lstStyle/>
+          <a:p>
+            <a:endParaRPr lang="en-US" dirty="0"/>
+          </a:p>
+        </p:txBody>
+      </p:sp>
+    </p:spTree>
+    <p:extLst>
+      <p:ext uri="{BB962C8B-B14F-4D97-AF65-F5344CB8AC3E}">
+        <p14:creationId xmlns:p14="http://schemas.microsoft.com/office/powerpoint/2010/main" val="1782971691"/>
+      </p:ext>
+    </p:extLst>
+  </p:cSld>
+  <p:clrMapOvr>
+    <a:masterClrMapping/>
+  </p:clrMapOvr>
+</p:sld>
+</file>
+
+<file path=ppt/slides/slide11.xml><?xml version="1.0" encoding="utf-8"?>
+<p:sld xmlns:a="http://schemas.openxmlformats.org/drawingml/2006/main" xmlns:r="http://schemas.openxmlformats.org/officeDocument/2006/relationships" xmlns:p="http://schemas.openxmlformats.org/presentationml/2006/main">
+  <p:cSld>
+    <p:spTree>
+      <p:nvGrpSpPr>
+        <p:cNvPr id="1" name=""/>
+        <p:cNvGrpSpPr/>
+        <p:nvPr/>
+      </p:nvGrpSpPr>
+      <p:grpSpPr>
+        <a:xfrm>
+          <a:off x="0" y="0"/>
+          <a:ext cx="0" cy="0"/>
+          <a:chOff x="0" y="0"/>
+          <a:chExt cx="0" cy="0"/>
+        </a:xfrm>
+      </p:grpSpPr>
+      <p:sp>
+        <p:nvSpPr>
+          <p:cNvPr id="2" name="Title 1">
+            <a:extLst>
+              <a:ext uri="{FF2B5EF4-FFF2-40B4-BE49-F238E27FC236}">
                 <a16:creationId xmlns:a16="http://schemas.microsoft.com/office/drawing/2014/main" id="{D20BD9DC-A608-4FCA-9881-58C743733FD9}"/>
               </a:ext>
             </a:extLst>
@@ -6230,8 +6330,16 @@
           </a:xfrm>
         </p:spPr>
         <p:txBody>
-          <a:bodyPr/>
-          <a:lstStyle/>
+          <a:bodyPr>
+            <a:normAutofit/>
+          </a:bodyPr>
+          <a:lstStyle/>
+          <a:p>
+            <a:r>
+              <a:rPr lang="en-US" sz="2400" dirty="0"/>
+              <a:t>Source vector Classification</a:t>
+            </a:r>
+          </a:p>
           <a:p>
             <a:r>
               <a:rPr lang="en-US" sz="2400" dirty="0"/>
@@ -6241,31 +6349,25 @@
           <a:p>
             <a:r>
               <a:rPr lang="en-US" sz="2400" dirty="0"/>
+              <a:t>K-nearest neighbor</a:t>
+            </a:r>
+          </a:p>
+          <a:p>
+            <a:r>
+              <a:rPr lang="en-US" sz="2400" dirty="0"/>
               <a:t>Logistic regression</a:t>
             </a:r>
           </a:p>
           <a:p>
             <a:r>
               <a:rPr lang="en-US" sz="2400" dirty="0"/>
-              <a:t>Source vector machine</a:t>
-            </a:r>
-          </a:p>
-          <a:p>
-            <a:r>
-              <a:rPr lang="en-US" sz="2400" dirty="0"/>
-              <a:t>K-nearest neighbor</a:t>
+              <a:t>Neural network</a:t>
             </a:r>
           </a:p>
           <a:p>
             <a:r>
               <a:rPr lang="en-US" sz="2400" dirty="0"/>
               <a:t>XG Boost </a:t>
-            </a:r>
-          </a:p>
-          <a:p>
-            <a:r>
-              <a:rPr lang="en-US" sz="2400" dirty="0"/>
-              <a:t>Neural Network </a:t>
             </a:r>
           </a:p>
           <a:p>
@@ -6292,7 +6394,7 @@
         <p:spPr>
           <a:xfrm>
             <a:off x="6584682" y="2005642"/>
-            <a:ext cx="4876800" cy="3124200"/>
+            <a:ext cx="5193250" cy="3124200"/>
           </a:xfrm>
         </p:spPr>
         <p:txBody>
@@ -6313,7 +6415,15 @@
             </a:r>
             <a:r>
               <a:rPr lang="en-US" sz="2800" dirty="0"/>
-              <a:t> </a:t>
+              <a:t> (In both </a:t>
+            </a:r>
+            <a:r>
+              <a:rPr lang="en-US" sz="2800" dirty="0" err="1"/>
+              <a:t>pyton</a:t>
+            </a:r>
+            <a:r>
+              <a:rPr lang="en-US" sz="2800" dirty="0"/>
+              <a:t> and r)</a:t>
             </a:r>
           </a:p>
         </p:txBody>
@@ -6466,95 +6576,6 @@
 </p:sld>
 </file>
 
-<file path=ppt/slides/slide11.xml><?xml version="1.0" encoding="utf-8"?>
-<p:sld xmlns:a="http://schemas.openxmlformats.org/drawingml/2006/main" xmlns:r="http://schemas.openxmlformats.org/officeDocument/2006/relationships" xmlns:p="http://schemas.openxmlformats.org/presentationml/2006/main">
-  <p:cSld>
-    <p:spTree>
-      <p:nvGrpSpPr>
-        <p:cNvPr id="1" name=""/>
-        <p:cNvGrpSpPr/>
-        <p:nvPr/>
-      </p:nvGrpSpPr>
-      <p:grpSpPr>
-        <a:xfrm>
-          <a:off x="0" y="0"/>
-          <a:ext cx="0" cy="0"/>
-          <a:chOff x="0" y="0"/>
-          <a:chExt cx="0" cy="0"/>
-        </a:xfrm>
-      </p:grpSpPr>
-      <p:sp>
-        <p:nvSpPr>
-          <p:cNvPr id="4" name="Title 3">
-            <a:extLst>
-              <a:ext uri="{FF2B5EF4-FFF2-40B4-BE49-F238E27FC236}">
-                <a16:creationId xmlns:a16="http://schemas.microsoft.com/office/drawing/2014/main" id="{88B45A74-BEED-4787-B4CC-8ED714BE9EEB}"/>
-              </a:ext>
-            </a:extLst>
-          </p:cNvPr>
-          <p:cNvSpPr>
-            <a:spLocks noGrp="1"/>
-          </p:cNvSpPr>
-          <p:nvPr>
-            <p:ph type="title"/>
-          </p:nvPr>
-        </p:nvSpPr>
-        <p:spPr>
-          <a:xfrm>
-            <a:off x="1751011" y="2480445"/>
-            <a:ext cx="8686800" cy="1468800"/>
-          </a:xfrm>
-        </p:spPr>
-        <p:txBody>
-          <a:bodyPr/>
-          <a:lstStyle/>
-          <a:p>
-            <a:pPr algn="ctr"/>
-            <a:r>
-              <a:rPr lang="en-US" dirty="0"/>
-              <a:t>Random forest</a:t>
-            </a:r>
-          </a:p>
-        </p:txBody>
-      </p:sp>
-      <p:sp>
-        <p:nvSpPr>
-          <p:cNvPr id="5" name="Text Placeholder 4">
-            <a:extLst>
-              <a:ext uri="{FF2B5EF4-FFF2-40B4-BE49-F238E27FC236}">
-                <a16:creationId xmlns:a16="http://schemas.microsoft.com/office/drawing/2014/main" id="{68020A51-56DE-493C-AC6F-D5BAD02D3DB8}"/>
-              </a:ext>
-            </a:extLst>
-          </p:cNvPr>
-          <p:cNvSpPr>
-            <a:spLocks noGrp="1"/>
-          </p:cNvSpPr>
-          <p:nvPr>
-            <p:ph type="body" idx="1"/>
-          </p:nvPr>
-        </p:nvSpPr>
-        <p:spPr/>
-        <p:txBody>
-          <a:bodyPr/>
-          <a:lstStyle/>
-          <a:p>
-            <a:endParaRPr lang="en-US"/>
-          </a:p>
-        </p:txBody>
-      </p:sp>
-    </p:spTree>
-    <p:extLst>
-      <p:ext uri="{BB962C8B-B14F-4D97-AF65-F5344CB8AC3E}">
-        <p14:creationId xmlns:p14="http://schemas.microsoft.com/office/powerpoint/2010/main" val="1465304903"/>
-      </p:ext>
-    </p:extLst>
-  </p:cSld>
-  <p:clrMapOvr>
-    <a:masterClrMapping/>
-  </p:clrMapOvr>
-</p:sld>
-</file>
-
 <file path=ppt/slides/slide12.xml><?xml version="1.0" encoding="utf-8"?>
 <p:sld xmlns:a="http://schemas.openxmlformats.org/drawingml/2006/main" xmlns:r="http://schemas.openxmlformats.org/officeDocument/2006/relationships" xmlns:p="http://schemas.openxmlformats.org/presentationml/2006/main">
   <p:cSld>
@@ -6574,10 +6595,10 @@
       </p:grpSpPr>
       <p:sp>
         <p:nvSpPr>
-          <p:cNvPr id="2" name="Title 1">
+          <p:cNvPr id="4" name="Title 3">
             <a:extLst>
               <a:ext uri="{FF2B5EF4-FFF2-40B4-BE49-F238E27FC236}">
-                <a16:creationId xmlns:a16="http://schemas.microsoft.com/office/drawing/2014/main" id="{6955D7D8-6AA8-4644-9876-85EBC9DC53F6}"/>
+                <a16:creationId xmlns:a16="http://schemas.microsoft.com/office/drawing/2014/main" id="{88B45A74-BEED-4787-B4CC-8ED714BE9EEB}"/>
               </a:ext>
             </a:extLst>
           </p:cNvPr>
@@ -6590,102 +6611,51 @@
         </p:nvSpPr>
         <p:spPr>
           <a:xfrm>
-            <a:off x="0" y="75213"/>
-            <a:ext cx="10754113" cy="942218"/>
+            <a:off x="1751011" y="2480445"/>
+            <a:ext cx="8686800" cy="1468800"/>
           </a:xfrm>
         </p:spPr>
         <p:txBody>
           <a:bodyPr/>
           <a:lstStyle/>
           <a:p>
+            <a:pPr algn="ctr"/>
             <a:r>
               <a:rPr lang="en-US" dirty="0"/>
-              <a:t>Code and measurements</a:t>
-            </a:r>
-          </a:p>
-        </p:txBody>
-      </p:sp>
-      <p:pic>
-        <p:nvPicPr>
-          <p:cNvPr id="3" name="Content Placeholder 2"/>
-          <p:cNvPicPr>
-            <a:picLocks noGrp="1" noChangeAspect="1"/>
-          </p:cNvPicPr>
-          <p:nvPr>
-            <p:ph idx="1"/>
-          </p:nvPr>
-        </p:nvPicPr>
-        <p:blipFill>
-          <a:blip r:embed="rId2">
+              <a:t>Source vector machine</a:t>
+            </a:r>
+          </a:p>
+        </p:txBody>
+      </p:sp>
+      <p:sp>
+        <p:nvSpPr>
+          <p:cNvPr id="5" name="Text Placeholder 4">
             <a:extLst>
-              <a:ext uri="{28A0092B-C50C-407E-A947-70E740481C1C}">
-                <a14:useLocalDpi xmlns:a14="http://schemas.microsoft.com/office/drawing/2010/main" val="0"/>
+              <a:ext uri="{FF2B5EF4-FFF2-40B4-BE49-F238E27FC236}">
+                <a16:creationId xmlns:a16="http://schemas.microsoft.com/office/drawing/2014/main" id="{68020A51-56DE-493C-AC6F-D5BAD02D3DB8}"/>
               </a:ext>
             </a:extLst>
-          </a:blip>
-          <a:stretch>
-            <a:fillRect/>
-          </a:stretch>
-        </p:blipFill>
-        <p:spPr>
-          <a:xfrm>
-            <a:off x="0" y="793606"/>
-            <a:ext cx="6743084" cy="4611227"/>
-          </a:xfrm>
-        </p:spPr>
-      </p:pic>
-      <p:pic>
-        <p:nvPicPr>
-          <p:cNvPr id="5" name="Picture 4"/>
-          <p:cNvPicPr>
-            <a:picLocks noChangeAspect="1"/>
-          </p:cNvPicPr>
-          <p:nvPr/>
-        </p:nvPicPr>
-        <p:blipFill>
-          <a:blip r:embed="rId3"/>
-          <a:stretch>
-            <a:fillRect/>
-          </a:stretch>
-        </p:blipFill>
-        <p:spPr>
-          <a:xfrm>
-            <a:off x="5448916" y="793606"/>
-            <a:ext cx="6743084" cy="2626394"/>
-          </a:xfrm>
-          <a:prstGeom prst="rect">
-            <a:avLst/>
-          </a:prstGeom>
-        </p:spPr>
-      </p:pic>
-      <p:pic>
-        <p:nvPicPr>
-          <p:cNvPr id="6" name="Picture 5"/>
-          <p:cNvPicPr>
-            <a:picLocks noChangeAspect="1"/>
-          </p:cNvPicPr>
-          <p:nvPr/>
-        </p:nvPicPr>
-        <p:blipFill>
-          <a:blip r:embed="rId4"/>
-          <a:stretch>
-            <a:fillRect/>
-          </a:stretch>
-        </p:blipFill>
-        <p:spPr>
-          <a:xfrm>
-            <a:off x="6467475" y="2419350"/>
-            <a:ext cx="5724525" cy="4438650"/>
-          </a:xfrm>
-          <a:prstGeom prst="rect">
-            <a:avLst/>
-          </a:prstGeom>
-        </p:spPr>
-      </p:pic>
+          </p:cNvPr>
+          <p:cNvSpPr>
+            <a:spLocks noGrp="1"/>
+          </p:cNvSpPr>
+          <p:nvPr>
+            <p:ph type="body" idx="1"/>
+          </p:nvPr>
+        </p:nvSpPr>
+        <p:spPr/>
+        <p:txBody>
+          <a:bodyPr/>
+          <a:lstStyle/>
+          <a:p>
+            <a:endParaRPr lang="en-US"/>
+          </a:p>
+        </p:txBody>
+      </p:sp>
     </p:spTree>
     <p:extLst>
       <p:ext uri="{BB962C8B-B14F-4D97-AF65-F5344CB8AC3E}">
-        <p14:creationId xmlns:p14="http://schemas.microsoft.com/office/powerpoint/2010/main" val="1221663312"/>
+        <p14:creationId xmlns:p14="http://schemas.microsoft.com/office/powerpoint/2010/main" val="4162404068"/>
       </p:ext>
     </p:extLst>
   </p:cSld>
@@ -6717,7 +6687,7 @@
           <p:cNvPr id="2" name="Title 1">
             <a:extLst>
               <a:ext uri="{FF2B5EF4-FFF2-40B4-BE49-F238E27FC236}">
-                <a16:creationId xmlns:a16="http://schemas.microsoft.com/office/drawing/2014/main" id="{53DB9E70-7534-465E-BAF8-A321263C1561}"/>
+                <a16:creationId xmlns:a16="http://schemas.microsoft.com/office/drawing/2014/main" id="{6955D7D8-6AA8-4644-9876-85EBC9DC53F6}"/>
               </a:ext>
             </a:extLst>
           </p:cNvPr>
@@ -6730,7 +6700,7 @@
         </p:nvSpPr>
         <p:spPr>
           <a:xfrm>
-            <a:off x="1065213" y="155276"/>
+            <a:off x="0" y="-528638"/>
             <a:ext cx="9905998" cy="1905000"/>
           </a:xfrm>
         </p:spPr>
@@ -6740,17 +6710,17 @@
           <a:p>
             <a:r>
               <a:rPr lang="en-US" dirty="0"/>
-              <a:t>analysis</a:t>
-            </a:r>
-          </a:p>
-        </p:txBody>
-      </p:sp>
-      <p:sp>
-        <p:nvSpPr>
-          <p:cNvPr id="3" name="Content Placeholder 2">
+              <a:t>Code and measurements</a:t>
+            </a:r>
+          </a:p>
+        </p:txBody>
+      </p:sp>
+      <p:sp>
+        <p:nvSpPr>
+          <p:cNvPr id="4" name="Content Placeholder 3">
             <a:extLst>
               <a:ext uri="{FF2B5EF4-FFF2-40B4-BE49-F238E27FC236}">
-                <a16:creationId xmlns:a16="http://schemas.microsoft.com/office/drawing/2014/main" id="{36BDD74D-3CFC-4224-A745-A2E733DAF6F5}"/>
+                <a16:creationId xmlns:a16="http://schemas.microsoft.com/office/drawing/2014/main" id="{DE47F88E-0C68-45CD-B55D-005A58294741}"/>
               </a:ext>
             </a:extLst>
           </p:cNvPr>
@@ -6758,56 +6728,21 @@
             <a:spLocks noGrp="1"/>
           </p:cNvSpPr>
           <p:nvPr>
-            <p:ph sz="half" idx="1"/>
-          </p:nvPr>
-        </p:nvSpPr>
-        <p:spPr>
-          <a:xfrm>
-            <a:off x="537563" y="1765539"/>
-            <a:ext cx="5480648" cy="3511041"/>
-          </a:xfrm>
-        </p:spPr>
+            <p:ph idx="1"/>
+          </p:nvPr>
+        </p:nvSpPr>
+        <p:spPr/>
         <p:txBody>
           <a:bodyPr/>
           <a:lstStyle/>
           <a:p>
             <a:endParaRPr lang="en-US" dirty="0"/>
-          </a:p>
-        </p:txBody>
-      </p:sp>
-      <p:sp>
-        <p:nvSpPr>
-          <p:cNvPr id="6" name="Content Placeholder 5">
-            <a:extLst>
-              <a:ext uri="{FF2B5EF4-FFF2-40B4-BE49-F238E27FC236}">
-                <a16:creationId xmlns:a16="http://schemas.microsoft.com/office/drawing/2014/main" id="{75E123FD-088F-4DC7-8CAF-79B91E16E623}"/>
-              </a:ext>
-            </a:extLst>
-          </p:cNvPr>
-          <p:cNvSpPr>
-            <a:spLocks noGrp="1"/>
-          </p:cNvSpPr>
-          <p:nvPr>
-            <p:ph sz="half" idx="2"/>
-          </p:nvPr>
-        </p:nvSpPr>
-        <p:spPr>
-          <a:xfrm>
-            <a:off x="6249986" y="1765538"/>
-            <a:ext cx="5332413" cy="3511041"/>
-          </a:xfrm>
-        </p:spPr>
-        <p:txBody>
-          <a:bodyPr/>
-          <a:lstStyle/>
-          <a:p>
-            <a:endParaRPr lang="en-US"/>
           </a:p>
         </p:txBody>
       </p:sp>
       <p:pic>
         <p:nvPicPr>
-          <p:cNvPr id="4" name="Picture 3"/>
+          <p:cNvPr id="3" name="Picture 2"/>
           <p:cNvPicPr>
             <a:picLocks noChangeAspect="1"/>
           </p:cNvPicPr>
@@ -6821,8 +6756,8 @@
         </p:blipFill>
         <p:spPr>
           <a:xfrm>
-            <a:off x="0" y="1847850"/>
-            <a:ext cx="7172325" cy="5010150"/>
+            <a:off x="7124700" y="-19544"/>
+            <a:ext cx="5067300" cy="1562100"/>
           </a:xfrm>
           <a:prstGeom prst="rect">
             <a:avLst/>
@@ -6845,8 +6780,8 @@
         </p:blipFill>
         <p:spPr>
           <a:xfrm>
-            <a:off x="7172325" y="1847850"/>
-            <a:ext cx="1209675" cy="4410075"/>
+            <a:off x="-3176" y="1542556"/>
+            <a:ext cx="9591675" cy="3838575"/>
           </a:xfrm>
           <a:prstGeom prst="rect">
             <a:avLst/>
@@ -6855,94 +6790,21 @@
       </p:pic>
       <p:pic>
         <p:nvPicPr>
-          <p:cNvPr id="7" name="Picture 6"/>
+          <p:cNvPr id="6" name="Picture 5"/>
           <p:cNvPicPr>
             <a:picLocks noChangeAspect="1"/>
           </p:cNvPicPr>
           <p:nvPr/>
         </p:nvPicPr>
-        <p:blipFill>
+        <p:blipFill rotWithShape="1">
           <a:blip r:embed="rId4"/>
-          <a:stretch>
-            <a:fillRect/>
-          </a:stretch>
+          <a:srcRect r="26382" b="36334"/>
+          <a:stretch/>
         </p:blipFill>
         <p:spPr>
           <a:xfrm>
-            <a:off x="8382000" y="1838325"/>
-            <a:ext cx="1228725" cy="4419600"/>
-          </a:xfrm>
-          <a:prstGeom prst="rect">
-            <a:avLst/>
-          </a:prstGeom>
-        </p:spPr>
-      </p:pic>
-      <p:pic>
-        <p:nvPicPr>
-          <p:cNvPr id="8" name="Picture 7"/>
-          <p:cNvPicPr>
-            <a:picLocks noChangeAspect="1"/>
-          </p:cNvPicPr>
-          <p:nvPr/>
-        </p:nvPicPr>
-        <p:blipFill>
-          <a:blip r:embed="rId5"/>
-          <a:stretch>
-            <a:fillRect/>
-          </a:stretch>
-        </p:blipFill>
-        <p:spPr>
-          <a:xfrm>
-            <a:off x="9591675" y="1847850"/>
-            <a:ext cx="1247775" cy="4438650"/>
-          </a:xfrm>
-          <a:prstGeom prst="rect">
-            <a:avLst/>
-          </a:prstGeom>
-        </p:spPr>
-      </p:pic>
-      <p:pic>
-        <p:nvPicPr>
-          <p:cNvPr id="9" name="Picture 8"/>
-          <p:cNvPicPr>
-            <a:picLocks noChangeAspect="1"/>
-          </p:cNvPicPr>
-          <p:nvPr/>
-        </p:nvPicPr>
-        <p:blipFill>
-          <a:blip r:embed="rId6"/>
-          <a:stretch>
-            <a:fillRect/>
-          </a:stretch>
-        </p:blipFill>
-        <p:spPr>
-          <a:xfrm>
-            <a:off x="10839450" y="1834837"/>
-            <a:ext cx="1209675" cy="4381500"/>
-          </a:xfrm>
-          <a:prstGeom prst="rect">
-            <a:avLst/>
-          </a:prstGeom>
-        </p:spPr>
-      </p:pic>
-      <p:pic>
-        <p:nvPicPr>
-          <p:cNvPr id="10" name="Picture 9"/>
-          <p:cNvPicPr>
-            <a:picLocks noChangeAspect="1"/>
-          </p:cNvPicPr>
-          <p:nvPr/>
-        </p:nvPicPr>
-        <p:blipFill>
-          <a:blip r:embed="rId7"/>
-          <a:stretch>
-            <a:fillRect/>
-          </a:stretch>
-        </p:blipFill>
-        <p:spPr>
-          <a:xfrm>
-            <a:off x="6772135" y="1410891"/>
-            <a:ext cx="5364480" cy="419100"/>
+            <a:off x="5116772" y="4765861"/>
+            <a:ext cx="7075228" cy="2092139"/>
           </a:xfrm>
           <a:prstGeom prst="rect">
             <a:avLst/>
@@ -6952,7 +6814,7 @@
     </p:spTree>
     <p:extLst>
       <p:ext uri="{BB962C8B-B14F-4D97-AF65-F5344CB8AC3E}">
-        <p14:creationId xmlns:p14="http://schemas.microsoft.com/office/powerpoint/2010/main" val="2297632363"/>
+        <p14:creationId xmlns:p14="http://schemas.microsoft.com/office/powerpoint/2010/main" val="3599934557"/>
       </p:ext>
     </p:extLst>
   </p:cSld>
@@ -6981,13 +6843,7 @@
       </p:grpSpPr>
       <p:sp>
         <p:nvSpPr>
-          <p:cNvPr id="2" name="Title 1">
-            <a:extLst>
-              <a:ext uri="{FF2B5EF4-FFF2-40B4-BE49-F238E27FC236}">
-                <a16:creationId xmlns:a16="http://schemas.microsoft.com/office/drawing/2014/main" id="{6955D7D8-6AA8-4644-9876-85EBC9DC53F6}"/>
-              </a:ext>
-            </a:extLst>
-          </p:cNvPr>
+          <p:cNvPr id="2" name="Title 1"/>
           <p:cNvSpPr>
             <a:spLocks noGrp="1"/>
           </p:cNvSpPr>
@@ -6995,48 +6851,51 @@
             <p:ph type="title"/>
           </p:nvPr>
         </p:nvSpPr>
-        <p:spPr>
-          <a:xfrm>
-            <a:off x="249381" y="75213"/>
-            <a:ext cx="9964404" cy="866896"/>
-          </a:xfrm>
-        </p:spPr>
+        <p:spPr/>
         <p:txBody>
           <a:bodyPr/>
           <a:lstStyle/>
           <a:p>
-            <a:pPr algn="ctr"/>
-            <a:r>
-              <a:rPr lang="en-US" dirty="0"/>
-              <a:t>Classifications</a:t>
-            </a:r>
+            <a:endParaRPr lang="en-US"/>
+          </a:p>
+        </p:txBody>
+      </p:sp>
+      <p:sp>
+        <p:nvSpPr>
+          <p:cNvPr id="3" name="Content Placeholder 2"/>
+          <p:cNvSpPr>
+            <a:spLocks noGrp="1"/>
+          </p:cNvSpPr>
+          <p:nvPr>
+            <p:ph idx="1"/>
+          </p:nvPr>
+        </p:nvSpPr>
+        <p:spPr/>
+        <p:txBody>
+          <a:bodyPr/>
+          <a:lstStyle/>
+          <a:p>
+            <a:endParaRPr lang="en-US" dirty="0"/>
           </a:p>
         </p:txBody>
       </p:sp>
       <p:pic>
         <p:nvPicPr>
-          <p:cNvPr id="3" name="Picture 2">
-            <a:extLst>
-              <a:ext uri="{FF2B5EF4-FFF2-40B4-BE49-F238E27FC236}">
-                <a16:creationId xmlns:a16="http://schemas.microsoft.com/office/drawing/2014/main" id="{2600A454-3690-4EC8-815D-A8090C8B901D}"/>
-              </a:ext>
-            </a:extLst>
-          </p:cNvPr>
+          <p:cNvPr id="4" name="Picture 3"/>
           <p:cNvPicPr>
             <a:picLocks noChangeAspect="1"/>
           </p:cNvPicPr>
           <p:nvPr/>
         </p:nvPicPr>
-        <p:blipFill>
+        <p:blipFill rotWithShape="1">
           <a:blip r:embed="rId2"/>
-          <a:stretch>
-            <a:fillRect/>
-          </a:stretch>
+          <a:srcRect b="4200"/>
+          <a:stretch/>
         </p:blipFill>
         <p:spPr>
           <a:xfrm>
-            <a:off x="5293360" y="828675"/>
-            <a:ext cx="6981768" cy="6029325"/>
+            <a:off x="1308099" y="0"/>
+            <a:ext cx="9572625" cy="4069724"/>
           </a:xfrm>
           <a:prstGeom prst="rect">
             <a:avLst/>
@@ -7045,19 +6904,11 @@
       </p:pic>
       <p:pic>
         <p:nvPicPr>
-          <p:cNvPr id="5" name="Content Placeholder 2">
-            <a:extLst>
-              <a:ext uri="{FF2B5EF4-FFF2-40B4-BE49-F238E27FC236}">
-                <a16:creationId xmlns:a16="http://schemas.microsoft.com/office/drawing/2014/main" id="{1FF940D8-8D2D-4718-ABA0-CE3B7E286D95}"/>
-              </a:ext>
-            </a:extLst>
-          </p:cNvPr>
+          <p:cNvPr id="6" name="Picture 5"/>
           <p:cNvPicPr>
-            <a:picLocks noGrp="1" noChangeAspect="1"/>
+            <a:picLocks noChangeAspect="1"/>
           </p:cNvPicPr>
-          <p:nvPr>
-            <p:ph idx="1"/>
-          </p:nvPr>
+          <p:nvPr/>
         </p:nvPicPr>
         <p:blipFill>
           <a:blip r:embed="rId3"/>
@@ -7067,8 +6918,32 @@
         </p:blipFill>
         <p:spPr>
           <a:xfrm>
-            <a:off x="249381" y="3582150"/>
-            <a:ext cx="4942379" cy="2767850"/>
+            <a:off x="1308099" y="4546242"/>
+            <a:ext cx="5657850" cy="2038350"/>
+          </a:xfrm>
+          <a:prstGeom prst="rect">
+            <a:avLst/>
+          </a:prstGeom>
+        </p:spPr>
+      </p:pic>
+      <p:pic>
+        <p:nvPicPr>
+          <p:cNvPr id="7" name="Picture 6"/>
+          <p:cNvPicPr>
+            <a:picLocks noChangeAspect="1"/>
+          </p:cNvPicPr>
+          <p:nvPr/>
+        </p:nvPicPr>
+        <p:blipFill>
+          <a:blip r:embed="rId4"/>
+          <a:stretch>
+            <a:fillRect/>
+          </a:stretch>
+        </p:blipFill>
+        <p:spPr>
+          <a:xfrm>
+            <a:off x="1308099" y="4069724"/>
+            <a:ext cx="1425787" cy="504824"/>
           </a:xfrm>
           <a:prstGeom prst="rect">
             <a:avLst/>
@@ -7078,7 +6953,7 @@
     </p:spTree>
     <p:extLst>
       <p:ext uri="{BB962C8B-B14F-4D97-AF65-F5344CB8AC3E}">
-        <p14:creationId xmlns:p14="http://schemas.microsoft.com/office/powerpoint/2010/main" val="1328013132"/>
+        <p14:creationId xmlns:p14="http://schemas.microsoft.com/office/powerpoint/2010/main" val="1832281831"/>
       </p:ext>
     </p:extLst>
   </p:cSld>
@@ -7107,10 +6982,10 @@
       </p:grpSpPr>
       <p:sp>
         <p:nvSpPr>
-          <p:cNvPr id="4" name="Title 3">
+          <p:cNvPr id="2" name="Title 1">
             <a:extLst>
               <a:ext uri="{FF2B5EF4-FFF2-40B4-BE49-F238E27FC236}">
-                <a16:creationId xmlns:a16="http://schemas.microsoft.com/office/drawing/2014/main" id="{88B45A74-BEED-4787-B4CC-8ED714BE9EEB}"/>
+                <a16:creationId xmlns:a16="http://schemas.microsoft.com/office/drawing/2014/main" id="{53DB9E70-7534-465E-BAF8-A321263C1561}"/>
               </a:ext>
             </a:extLst>
           </p:cNvPr>
@@ -7123,26 +6998,85 @@
         </p:nvSpPr>
         <p:spPr>
           <a:xfrm>
-            <a:off x="1751011" y="2480445"/>
-            <a:ext cx="8686800" cy="1468800"/>
+            <a:off x="1065213" y="155276"/>
+            <a:ext cx="9905998" cy="1905000"/>
           </a:xfrm>
         </p:spPr>
         <p:txBody>
           <a:bodyPr/>
           <a:lstStyle/>
           <a:p>
-            <a:pPr algn="ctr"/>
             <a:r>
               <a:rPr lang="en-US" dirty="0"/>
-              <a:t>Classifications</a:t>
-            </a:r>
+              <a:t>analysis</a:t>
+            </a:r>
+          </a:p>
+        </p:txBody>
+      </p:sp>
+      <p:sp>
+        <p:nvSpPr>
+          <p:cNvPr id="3" name="Content Placeholder 2">
+            <a:extLst>
+              <a:ext uri="{FF2B5EF4-FFF2-40B4-BE49-F238E27FC236}">
+                <a16:creationId xmlns:a16="http://schemas.microsoft.com/office/drawing/2014/main" id="{36BDD74D-3CFC-4224-A745-A2E733DAF6F5}"/>
+              </a:ext>
+            </a:extLst>
+          </p:cNvPr>
+          <p:cNvSpPr>
+            <a:spLocks noGrp="1"/>
+          </p:cNvSpPr>
+          <p:nvPr>
+            <p:ph sz="half" idx="1"/>
+          </p:nvPr>
+        </p:nvSpPr>
+        <p:spPr>
+          <a:xfrm>
+            <a:off x="537563" y="1765539"/>
+            <a:ext cx="5480648" cy="3511041"/>
+          </a:xfrm>
+        </p:spPr>
+        <p:txBody>
+          <a:bodyPr/>
+          <a:lstStyle/>
+          <a:p>
+            <a:endParaRPr lang="en-US" dirty="0"/>
+          </a:p>
+        </p:txBody>
+      </p:sp>
+      <p:sp>
+        <p:nvSpPr>
+          <p:cNvPr id="6" name="Content Placeholder 5">
+            <a:extLst>
+              <a:ext uri="{FF2B5EF4-FFF2-40B4-BE49-F238E27FC236}">
+                <a16:creationId xmlns:a16="http://schemas.microsoft.com/office/drawing/2014/main" id="{75E123FD-088F-4DC7-8CAF-79B91E16E623}"/>
+              </a:ext>
+            </a:extLst>
+          </p:cNvPr>
+          <p:cNvSpPr>
+            <a:spLocks noGrp="1"/>
+          </p:cNvSpPr>
+          <p:nvPr>
+            <p:ph sz="half" idx="2"/>
+          </p:nvPr>
+        </p:nvSpPr>
+        <p:spPr>
+          <a:xfrm>
+            <a:off x="6249986" y="1765538"/>
+            <a:ext cx="5332413" cy="3511041"/>
+          </a:xfrm>
+        </p:spPr>
+        <p:txBody>
+          <a:bodyPr/>
+          <a:lstStyle/>
+          <a:p>
+            <a:endParaRPr lang="en-US"/>
           </a:p>
         </p:txBody>
       </p:sp>
     </p:spTree>
     <p:extLst>
       <p:ext uri="{BB962C8B-B14F-4D97-AF65-F5344CB8AC3E}">
-        <p14:creationId xmlns:p14="http://schemas.microsoft.com/office/powerpoint/2010/main" val="2300908125"/>
+        <p14:creationId xmlns:p14="http://schemas.microsoft.com/office/powerpoint/2010/main" val="1520695079"/>
       </p:ext>
     </p:extLst>
   </p:cSld>
@@ -7171,6 +7105,808 @@
       </p:grpSpPr>
       <p:sp>
         <p:nvSpPr>
+          <p:cNvPr id="4" name="Title 3">
+            <a:extLst>
+              <a:ext uri="{FF2B5EF4-FFF2-40B4-BE49-F238E27FC236}">
+                <a16:creationId xmlns:a16="http://schemas.microsoft.com/office/drawing/2014/main" id="{88B45A74-BEED-4787-B4CC-8ED714BE9EEB}"/>
+              </a:ext>
+            </a:extLst>
+          </p:cNvPr>
+          <p:cNvSpPr>
+            <a:spLocks noGrp="1"/>
+          </p:cNvSpPr>
+          <p:nvPr>
+            <p:ph type="title"/>
+          </p:nvPr>
+        </p:nvSpPr>
+        <p:spPr>
+          <a:xfrm>
+            <a:off x="1751011" y="2480445"/>
+            <a:ext cx="8686800" cy="1468800"/>
+          </a:xfrm>
+        </p:spPr>
+        <p:txBody>
+          <a:bodyPr/>
+          <a:lstStyle/>
+          <a:p>
+            <a:pPr algn="ctr"/>
+            <a:r>
+              <a:rPr lang="en-US" dirty="0"/>
+              <a:t>Random forest</a:t>
+            </a:r>
+          </a:p>
+        </p:txBody>
+      </p:sp>
+      <p:sp>
+        <p:nvSpPr>
+          <p:cNvPr id="5" name="Text Placeholder 4">
+            <a:extLst>
+              <a:ext uri="{FF2B5EF4-FFF2-40B4-BE49-F238E27FC236}">
+                <a16:creationId xmlns:a16="http://schemas.microsoft.com/office/drawing/2014/main" id="{68020A51-56DE-493C-AC6F-D5BAD02D3DB8}"/>
+              </a:ext>
+            </a:extLst>
+          </p:cNvPr>
+          <p:cNvSpPr>
+            <a:spLocks noGrp="1"/>
+          </p:cNvSpPr>
+          <p:nvPr>
+            <p:ph type="body" idx="1"/>
+          </p:nvPr>
+        </p:nvSpPr>
+        <p:spPr/>
+        <p:txBody>
+          <a:bodyPr/>
+          <a:lstStyle/>
+          <a:p>
+            <a:endParaRPr lang="en-US"/>
+          </a:p>
+        </p:txBody>
+      </p:sp>
+    </p:spTree>
+    <p:extLst>
+      <p:ext uri="{BB962C8B-B14F-4D97-AF65-F5344CB8AC3E}">
+        <p14:creationId xmlns:p14="http://schemas.microsoft.com/office/powerpoint/2010/main" val="1465304903"/>
+      </p:ext>
+    </p:extLst>
+  </p:cSld>
+  <p:clrMapOvr>
+    <a:masterClrMapping/>
+  </p:clrMapOvr>
+</p:sld>
+</file>
+
+<file path=ppt/slides/slide17.xml><?xml version="1.0" encoding="utf-8"?>
+<p:sld xmlns:a="http://schemas.openxmlformats.org/drawingml/2006/main" xmlns:r="http://schemas.openxmlformats.org/officeDocument/2006/relationships" xmlns:p="http://schemas.openxmlformats.org/presentationml/2006/main">
+  <p:cSld>
+    <p:spTree>
+      <p:nvGrpSpPr>
+        <p:cNvPr id="1" name=""/>
+        <p:cNvGrpSpPr/>
+        <p:nvPr/>
+      </p:nvGrpSpPr>
+      <p:grpSpPr>
+        <a:xfrm>
+          <a:off x="0" y="0"/>
+          <a:ext cx="0" cy="0"/>
+          <a:chOff x="0" y="0"/>
+          <a:chExt cx="0" cy="0"/>
+        </a:xfrm>
+      </p:grpSpPr>
+      <p:sp>
+        <p:nvSpPr>
+          <p:cNvPr id="2" name="Title 1">
+            <a:extLst>
+              <a:ext uri="{FF2B5EF4-FFF2-40B4-BE49-F238E27FC236}">
+                <a16:creationId xmlns:a16="http://schemas.microsoft.com/office/drawing/2014/main" id="{6955D7D8-6AA8-4644-9876-85EBC9DC53F6}"/>
+              </a:ext>
+            </a:extLst>
+          </p:cNvPr>
+          <p:cNvSpPr>
+            <a:spLocks noGrp="1"/>
+          </p:cNvSpPr>
+          <p:nvPr>
+            <p:ph type="title"/>
+          </p:nvPr>
+        </p:nvSpPr>
+        <p:spPr>
+          <a:xfrm>
+            <a:off x="0" y="75213"/>
+            <a:ext cx="10754113" cy="942218"/>
+          </a:xfrm>
+        </p:spPr>
+        <p:txBody>
+          <a:bodyPr/>
+          <a:lstStyle/>
+          <a:p>
+            <a:r>
+              <a:rPr lang="en-US" dirty="0"/>
+              <a:t>Code and measurements</a:t>
+            </a:r>
+          </a:p>
+        </p:txBody>
+      </p:sp>
+      <p:pic>
+        <p:nvPicPr>
+          <p:cNvPr id="3" name="Content Placeholder 2"/>
+          <p:cNvPicPr>
+            <a:picLocks noGrp="1" noChangeAspect="1"/>
+          </p:cNvPicPr>
+          <p:nvPr>
+            <p:ph idx="1"/>
+          </p:nvPr>
+        </p:nvPicPr>
+        <p:blipFill>
+          <a:blip r:embed="rId2">
+            <a:extLst>
+              <a:ext uri="{28A0092B-C50C-407E-A947-70E740481C1C}">
+                <a14:useLocalDpi xmlns:a14="http://schemas.microsoft.com/office/drawing/2010/main" val="0"/>
+              </a:ext>
+            </a:extLst>
+          </a:blip>
+          <a:stretch>
+            <a:fillRect/>
+          </a:stretch>
+        </p:blipFill>
+        <p:spPr>
+          <a:xfrm>
+            <a:off x="0" y="793606"/>
+            <a:ext cx="6743084" cy="4611227"/>
+          </a:xfrm>
+        </p:spPr>
+      </p:pic>
+      <p:pic>
+        <p:nvPicPr>
+          <p:cNvPr id="5" name="Picture 4"/>
+          <p:cNvPicPr>
+            <a:picLocks noChangeAspect="1"/>
+          </p:cNvPicPr>
+          <p:nvPr/>
+        </p:nvPicPr>
+        <p:blipFill>
+          <a:blip r:embed="rId3"/>
+          <a:stretch>
+            <a:fillRect/>
+          </a:stretch>
+        </p:blipFill>
+        <p:spPr>
+          <a:xfrm>
+            <a:off x="5448916" y="793606"/>
+            <a:ext cx="6743084" cy="2626394"/>
+          </a:xfrm>
+          <a:prstGeom prst="rect">
+            <a:avLst/>
+          </a:prstGeom>
+        </p:spPr>
+      </p:pic>
+      <p:pic>
+        <p:nvPicPr>
+          <p:cNvPr id="6" name="Picture 5"/>
+          <p:cNvPicPr>
+            <a:picLocks noChangeAspect="1"/>
+          </p:cNvPicPr>
+          <p:nvPr/>
+        </p:nvPicPr>
+        <p:blipFill>
+          <a:blip r:embed="rId4"/>
+          <a:stretch>
+            <a:fillRect/>
+          </a:stretch>
+        </p:blipFill>
+        <p:spPr>
+          <a:xfrm>
+            <a:off x="6467475" y="2419350"/>
+            <a:ext cx="5724525" cy="4438650"/>
+          </a:xfrm>
+          <a:prstGeom prst="rect">
+            <a:avLst/>
+          </a:prstGeom>
+        </p:spPr>
+      </p:pic>
+    </p:spTree>
+    <p:extLst>
+      <p:ext uri="{BB962C8B-B14F-4D97-AF65-F5344CB8AC3E}">
+        <p14:creationId xmlns:p14="http://schemas.microsoft.com/office/powerpoint/2010/main" val="1221663312"/>
+      </p:ext>
+    </p:extLst>
+  </p:cSld>
+  <p:clrMapOvr>
+    <a:masterClrMapping/>
+  </p:clrMapOvr>
+</p:sld>
+</file>
+
+<file path=ppt/slides/slide18.xml><?xml version="1.0" encoding="utf-8"?>
+<p:sld xmlns:a="http://schemas.openxmlformats.org/drawingml/2006/main" xmlns:r="http://schemas.openxmlformats.org/officeDocument/2006/relationships" xmlns:p="http://schemas.openxmlformats.org/presentationml/2006/main">
+  <p:cSld>
+    <p:spTree>
+      <p:nvGrpSpPr>
+        <p:cNvPr id="1" name=""/>
+        <p:cNvGrpSpPr/>
+        <p:nvPr/>
+      </p:nvGrpSpPr>
+      <p:grpSpPr>
+        <a:xfrm>
+          <a:off x="0" y="0"/>
+          <a:ext cx="0" cy="0"/>
+          <a:chOff x="0" y="0"/>
+          <a:chExt cx="0" cy="0"/>
+        </a:xfrm>
+      </p:grpSpPr>
+      <p:sp>
+        <p:nvSpPr>
+          <p:cNvPr id="2" name="Title 1">
+            <a:extLst>
+              <a:ext uri="{FF2B5EF4-FFF2-40B4-BE49-F238E27FC236}">
+                <a16:creationId xmlns:a16="http://schemas.microsoft.com/office/drawing/2014/main" id="{53DB9E70-7534-465E-BAF8-A321263C1561}"/>
+              </a:ext>
+            </a:extLst>
+          </p:cNvPr>
+          <p:cNvSpPr>
+            <a:spLocks noGrp="1"/>
+          </p:cNvSpPr>
+          <p:nvPr>
+            <p:ph type="title"/>
+          </p:nvPr>
+        </p:nvSpPr>
+        <p:spPr>
+          <a:xfrm>
+            <a:off x="1065213" y="155276"/>
+            <a:ext cx="9905998" cy="1905000"/>
+          </a:xfrm>
+        </p:spPr>
+        <p:txBody>
+          <a:bodyPr/>
+          <a:lstStyle/>
+          <a:p>
+            <a:r>
+              <a:rPr lang="en-US" dirty="0"/>
+              <a:t>analysis</a:t>
+            </a:r>
+          </a:p>
+        </p:txBody>
+      </p:sp>
+      <p:sp>
+        <p:nvSpPr>
+          <p:cNvPr id="3" name="Content Placeholder 2">
+            <a:extLst>
+              <a:ext uri="{FF2B5EF4-FFF2-40B4-BE49-F238E27FC236}">
+                <a16:creationId xmlns:a16="http://schemas.microsoft.com/office/drawing/2014/main" id="{36BDD74D-3CFC-4224-A745-A2E733DAF6F5}"/>
+              </a:ext>
+            </a:extLst>
+          </p:cNvPr>
+          <p:cNvSpPr>
+            <a:spLocks noGrp="1"/>
+          </p:cNvSpPr>
+          <p:nvPr>
+            <p:ph sz="half" idx="1"/>
+          </p:nvPr>
+        </p:nvSpPr>
+        <p:spPr>
+          <a:xfrm>
+            <a:off x="537563" y="1765539"/>
+            <a:ext cx="5480648" cy="3511041"/>
+          </a:xfrm>
+        </p:spPr>
+        <p:txBody>
+          <a:bodyPr/>
+          <a:lstStyle/>
+          <a:p>
+            <a:endParaRPr lang="en-US" dirty="0"/>
+          </a:p>
+        </p:txBody>
+      </p:sp>
+      <p:sp>
+        <p:nvSpPr>
+          <p:cNvPr id="6" name="Content Placeholder 5">
+            <a:extLst>
+              <a:ext uri="{FF2B5EF4-FFF2-40B4-BE49-F238E27FC236}">
+                <a16:creationId xmlns:a16="http://schemas.microsoft.com/office/drawing/2014/main" id="{75E123FD-088F-4DC7-8CAF-79B91E16E623}"/>
+              </a:ext>
+            </a:extLst>
+          </p:cNvPr>
+          <p:cNvSpPr>
+            <a:spLocks noGrp="1"/>
+          </p:cNvSpPr>
+          <p:nvPr>
+            <p:ph sz="half" idx="2"/>
+          </p:nvPr>
+        </p:nvSpPr>
+        <p:spPr>
+          <a:xfrm>
+            <a:off x="6249986" y="1765538"/>
+            <a:ext cx="5332413" cy="3511041"/>
+          </a:xfrm>
+        </p:spPr>
+        <p:txBody>
+          <a:bodyPr/>
+          <a:lstStyle/>
+          <a:p>
+            <a:endParaRPr lang="en-US"/>
+          </a:p>
+        </p:txBody>
+      </p:sp>
+      <p:pic>
+        <p:nvPicPr>
+          <p:cNvPr id="4" name="Picture 3"/>
+          <p:cNvPicPr>
+            <a:picLocks noChangeAspect="1"/>
+          </p:cNvPicPr>
+          <p:nvPr/>
+        </p:nvPicPr>
+        <p:blipFill>
+          <a:blip r:embed="rId2"/>
+          <a:stretch>
+            <a:fillRect/>
+          </a:stretch>
+        </p:blipFill>
+        <p:spPr>
+          <a:xfrm>
+            <a:off x="0" y="1847850"/>
+            <a:ext cx="7172325" cy="5010150"/>
+          </a:xfrm>
+          <a:prstGeom prst="rect">
+            <a:avLst/>
+          </a:prstGeom>
+        </p:spPr>
+      </p:pic>
+      <p:pic>
+        <p:nvPicPr>
+          <p:cNvPr id="5" name="Picture 4"/>
+          <p:cNvPicPr>
+            <a:picLocks noChangeAspect="1"/>
+          </p:cNvPicPr>
+          <p:nvPr/>
+        </p:nvPicPr>
+        <p:blipFill>
+          <a:blip r:embed="rId3"/>
+          <a:stretch>
+            <a:fillRect/>
+          </a:stretch>
+        </p:blipFill>
+        <p:spPr>
+          <a:xfrm>
+            <a:off x="7172325" y="1847850"/>
+            <a:ext cx="1209675" cy="4410075"/>
+          </a:xfrm>
+          <a:prstGeom prst="rect">
+            <a:avLst/>
+          </a:prstGeom>
+        </p:spPr>
+      </p:pic>
+      <p:pic>
+        <p:nvPicPr>
+          <p:cNvPr id="7" name="Picture 6"/>
+          <p:cNvPicPr>
+            <a:picLocks noChangeAspect="1"/>
+          </p:cNvPicPr>
+          <p:nvPr/>
+        </p:nvPicPr>
+        <p:blipFill>
+          <a:blip r:embed="rId4"/>
+          <a:stretch>
+            <a:fillRect/>
+          </a:stretch>
+        </p:blipFill>
+        <p:spPr>
+          <a:xfrm>
+            <a:off x="8382000" y="1838325"/>
+            <a:ext cx="1228725" cy="4419600"/>
+          </a:xfrm>
+          <a:prstGeom prst="rect">
+            <a:avLst/>
+          </a:prstGeom>
+        </p:spPr>
+      </p:pic>
+      <p:pic>
+        <p:nvPicPr>
+          <p:cNvPr id="8" name="Picture 7"/>
+          <p:cNvPicPr>
+            <a:picLocks noChangeAspect="1"/>
+          </p:cNvPicPr>
+          <p:nvPr/>
+        </p:nvPicPr>
+        <p:blipFill>
+          <a:blip r:embed="rId5"/>
+          <a:stretch>
+            <a:fillRect/>
+          </a:stretch>
+        </p:blipFill>
+        <p:spPr>
+          <a:xfrm>
+            <a:off x="9591675" y="1847850"/>
+            <a:ext cx="1247775" cy="4438650"/>
+          </a:xfrm>
+          <a:prstGeom prst="rect">
+            <a:avLst/>
+          </a:prstGeom>
+        </p:spPr>
+      </p:pic>
+      <p:pic>
+        <p:nvPicPr>
+          <p:cNvPr id="9" name="Picture 8"/>
+          <p:cNvPicPr>
+            <a:picLocks noChangeAspect="1"/>
+          </p:cNvPicPr>
+          <p:nvPr/>
+        </p:nvPicPr>
+        <p:blipFill>
+          <a:blip r:embed="rId6"/>
+          <a:stretch>
+            <a:fillRect/>
+          </a:stretch>
+        </p:blipFill>
+        <p:spPr>
+          <a:xfrm>
+            <a:off x="10839450" y="1834837"/>
+            <a:ext cx="1209675" cy="4381500"/>
+          </a:xfrm>
+          <a:prstGeom prst="rect">
+            <a:avLst/>
+          </a:prstGeom>
+        </p:spPr>
+      </p:pic>
+      <p:pic>
+        <p:nvPicPr>
+          <p:cNvPr id="10" name="Picture 9"/>
+          <p:cNvPicPr>
+            <a:picLocks noChangeAspect="1"/>
+          </p:cNvPicPr>
+          <p:nvPr/>
+        </p:nvPicPr>
+        <p:blipFill>
+          <a:blip r:embed="rId7"/>
+          <a:stretch>
+            <a:fillRect/>
+          </a:stretch>
+        </p:blipFill>
+        <p:spPr>
+          <a:xfrm>
+            <a:off x="6772135" y="1410891"/>
+            <a:ext cx="5364480" cy="419100"/>
+          </a:xfrm>
+          <a:prstGeom prst="rect">
+            <a:avLst/>
+          </a:prstGeom>
+        </p:spPr>
+      </p:pic>
+    </p:spTree>
+    <p:extLst>
+      <p:ext uri="{BB962C8B-B14F-4D97-AF65-F5344CB8AC3E}">
+        <p14:creationId xmlns:p14="http://schemas.microsoft.com/office/powerpoint/2010/main" val="2297632363"/>
+      </p:ext>
+    </p:extLst>
+  </p:cSld>
+  <p:clrMapOvr>
+    <a:masterClrMapping/>
+  </p:clrMapOvr>
+</p:sld>
+</file>
+
+<file path=ppt/slides/slide19.xml><?xml version="1.0" encoding="utf-8"?>
+<p:sld xmlns:a="http://schemas.openxmlformats.org/drawingml/2006/main" xmlns:r="http://schemas.openxmlformats.org/officeDocument/2006/relationships" xmlns:p="http://schemas.openxmlformats.org/presentationml/2006/main">
+  <p:cSld>
+    <p:spTree>
+      <p:nvGrpSpPr>
+        <p:cNvPr id="1" name=""/>
+        <p:cNvGrpSpPr/>
+        <p:nvPr/>
+      </p:nvGrpSpPr>
+      <p:grpSpPr>
+        <a:xfrm>
+          <a:off x="0" y="0"/>
+          <a:ext cx="0" cy="0"/>
+          <a:chOff x="0" y="0"/>
+          <a:chExt cx="0" cy="0"/>
+        </a:xfrm>
+      </p:grpSpPr>
+      <p:sp>
+        <p:nvSpPr>
+          <p:cNvPr id="2" name="Title 1">
+            <a:extLst>
+              <a:ext uri="{FF2B5EF4-FFF2-40B4-BE49-F238E27FC236}">
+                <a16:creationId xmlns:a16="http://schemas.microsoft.com/office/drawing/2014/main" id="{6955D7D8-6AA8-4644-9876-85EBC9DC53F6}"/>
+              </a:ext>
+            </a:extLst>
+          </p:cNvPr>
+          <p:cNvSpPr>
+            <a:spLocks noGrp="1"/>
+          </p:cNvSpPr>
+          <p:nvPr>
+            <p:ph type="title"/>
+          </p:nvPr>
+        </p:nvSpPr>
+        <p:spPr>
+          <a:xfrm>
+            <a:off x="249381" y="75213"/>
+            <a:ext cx="9964404" cy="866896"/>
+          </a:xfrm>
+        </p:spPr>
+        <p:txBody>
+          <a:bodyPr/>
+          <a:lstStyle/>
+          <a:p>
+            <a:pPr algn="ctr"/>
+            <a:r>
+              <a:rPr lang="en-US" dirty="0"/>
+              <a:t>Classifications</a:t>
+            </a:r>
+          </a:p>
+        </p:txBody>
+      </p:sp>
+      <p:pic>
+        <p:nvPicPr>
+          <p:cNvPr id="3" name="Picture 2">
+            <a:extLst>
+              <a:ext uri="{FF2B5EF4-FFF2-40B4-BE49-F238E27FC236}">
+                <a16:creationId xmlns:a16="http://schemas.microsoft.com/office/drawing/2014/main" id="{2600A454-3690-4EC8-815D-A8090C8B901D}"/>
+              </a:ext>
+            </a:extLst>
+          </p:cNvPr>
+          <p:cNvPicPr>
+            <a:picLocks noChangeAspect="1"/>
+          </p:cNvPicPr>
+          <p:nvPr/>
+        </p:nvPicPr>
+        <p:blipFill>
+          <a:blip r:embed="rId2"/>
+          <a:stretch>
+            <a:fillRect/>
+          </a:stretch>
+        </p:blipFill>
+        <p:spPr>
+          <a:xfrm>
+            <a:off x="5293360" y="828675"/>
+            <a:ext cx="6981768" cy="6029325"/>
+          </a:xfrm>
+          <a:prstGeom prst="rect">
+            <a:avLst/>
+          </a:prstGeom>
+        </p:spPr>
+      </p:pic>
+      <p:pic>
+        <p:nvPicPr>
+          <p:cNvPr id="5" name="Content Placeholder 2">
+            <a:extLst>
+              <a:ext uri="{FF2B5EF4-FFF2-40B4-BE49-F238E27FC236}">
+                <a16:creationId xmlns:a16="http://schemas.microsoft.com/office/drawing/2014/main" id="{1FF940D8-8D2D-4718-ABA0-CE3B7E286D95}"/>
+              </a:ext>
+            </a:extLst>
+          </p:cNvPr>
+          <p:cNvPicPr>
+            <a:picLocks noGrp="1" noChangeAspect="1"/>
+          </p:cNvPicPr>
+          <p:nvPr>
+            <p:ph idx="1"/>
+          </p:nvPr>
+        </p:nvPicPr>
+        <p:blipFill>
+          <a:blip r:embed="rId3"/>
+          <a:stretch>
+            <a:fillRect/>
+          </a:stretch>
+        </p:blipFill>
+        <p:spPr>
+          <a:xfrm>
+            <a:off x="249381" y="3582150"/>
+            <a:ext cx="4942379" cy="2767850"/>
+          </a:xfrm>
+          <a:prstGeom prst="rect">
+            <a:avLst/>
+          </a:prstGeom>
+        </p:spPr>
+      </p:pic>
+    </p:spTree>
+    <p:extLst>
+      <p:ext uri="{BB962C8B-B14F-4D97-AF65-F5344CB8AC3E}">
+        <p14:creationId xmlns:p14="http://schemas.microsoft.com/office/powerpoint/2010/main" val="1328013132"/>
+      </p:ext>
+    </p:extLst>
+  </p:cSld>
+  <p:clrMapOvr>
+    <a:masterClrMapping/>
+  </p:clrMapOvr>
+</p:sld>
+</file>
+
+<file path=ppt/slides/slide2.xml><?xml version="1.0" encoding="utf-8"?>
+<p:sld xmlns:a="http://schemas.openxmlformats.org/drawingml/2006/main" xmlns:r="http://schemas.openxmlformats.org/officeDocument/2006/relationships" xmlns:p="http://schemas.openxmlformats.org/presentationml/2006/main">
+  <p:cSld>
+    <p:spTree>
+      <p:nvGrpSpPr>
+        <p:cNvPr id="1" name=""/>
+        <p:cNvGrpSpPr/>
+        <p:nvPr/>
+      </p:nvGrpSpPr>
+      <p:grpSpPr>
+        <a:xfrm>
+          <a:off x="0" y="0"/>
+          <a:ext cx="0" cy="0"/>
+          <a:chOff x="0" y="0"/>
+          <a:chExt cx="0" cy="0"/>
+        </a:xfrm>
+      </p:grpSpPr>
+      <p:sp>
+        <p:nvSpPr>
+          <p:cNvPr id="2" name="Title 1">
+            <a:extLst>
+              <a:ext uri="{FF2B5EF4-FFF2-40B4-BE49-F238E27FC236}">
+                <a16:creationId xmlns:a16="http://schemas.microsoft.com/office/drawing/2014/main" id="{FD79F2AC-E951-4384-9EEF-9505EDA0671F}"/>
+              </a:ext>
+            </a:extLst>
+          </p:cNvPr>
+          <p:cNvSpPr>
+            <a:spLocks noGrp="1"/>
+          </p:cNvSpPr>
+          <p:nvPr>
+            <p:ph type="title"/>
+          </p:nvPr>
+        </p:nvSpPr>
+        <p:spPr>
+          <a:xfrm>
+            <a:off x="830862" y="-69012"/>
+            <a:ext cx="9905998" cy="1905000"/>
+          </a:xfrm>
+        </p:spPr>
+        <p:txBody>
+          <a:bodyPr/>
+          <a:lstStyle/>
+          <a:p>
+            <a:r>
+              <a:rPr lang="en-US" dirty="0"/>
+              <a:t>Project scope </a:t>
+            </a:r>
+          </a:p>
+        </p:txBody>
+      </p:sp>
+      <p:sp>
+        <p:nvSpPr>
+          <p:cNvPr id="3" name="Content Placeholder 2">
+            <a:extLst>
+              <a:ext uri="{FF2B5EF4-FFF2-40B4-BE49-F238E27FC236}">
+                <a16:creationId xmlns:a16="http://schemas.microsoft.com/office/drawing/2014/main" id="{5AD304ED-4AF1-4F82-8C05-53D6F89FA0C3}"/>
+              </a:ext>
+            </a:extLst>
+          </p:cNvPr>
+          <p:cNvSpPr>
+            <a:spLocks noGrp="1"/>
+          </p:cNvSpPr>
+          <p:nvPr>
+            <p:ph idx="1"/>
+          </p:nvPr>
+        </p:nvSpPr>
+        <p:spPr>
+          <a:xfrm>
+            <a:off x="830862" y="1938786"/>
+            <a:ext cx="9905998" cy="4682707"/>
+          </a:xfrm>
+        </p:spPr>
+        <p:txBody>
+          <a:bodyPr>
+            <a:noAutofit/>
+          </a:bodyPr>
+          <a:lstStyle/>
+          <a:p>
+            <a:r>
+              <a:rPr lang="en-US" sz="3200" dirty="0"/>
+              <a:t>Use machine learning models to analyze wine data to predict and classify wine quality (as judged by experts) based on twelve traits like acidity, residual sugar, and alcohol concentration</a:t>
+            </a:r>
+          </a:p>
+          <a:p>
+            <a:r>
+              <a:rPr lang="en-US" sz="3200" dirty="0"/>
+              <a:t>Compare the accuracies of various classification machine learning models</a:t>
+            </a:r>
+          </a:p>
+          <a:p>
+            <a:endParaRPr lang="en-US" sz="2800" dirty="0"/>
+          </a:p>
+          <a:p>
+            <a:endParaRPr lang="en-US" sz="2800" dirty="0"/>
+          </a:p>
+          <a:p>
+            <a:pPr marL="0" indent="0">
+              <a:buNone/>
+            </a:pPr>
+            <a:endParaRPr lang="en-US" sz="2800" dirty="0"/>
+          </a:p>
+        </p:txBody>
+      </p:sp>
+    </p:spTree>
+    <p:extLst>
+      <p:ext uri="{BB962C8B-B14F-4D97-AF65-F5344CB8AC3E}">
+        <p14:creationId xmlns:p14="http://schemas.microsoft.com/office/powerpoint/2010/main" val="1479932240"/>
+      </p:ext>
+    </p:extLst>
+  </p:cSld>
+  <p:clrMapOvr>
+    <a:masterClrMapping/>
+  </p:clrMapOvr>
+</p:sld>
+</file>
+
+<file path=ppt/slides/slide20.xml><?xml version="1.0" encoding="utf-8"?>
+<p:sld xmlns:a="http://schemas.openxmlformats.org/drawingml/2006/main" xmlns:r="http://schemas.openxmlformats.org/officeDocument/2006/relationships" xmlns:p="http://schemas.openxmlformats.org/presentationml/2006/main">
+  <p:cSld>
+    <p:spTree>
+      <p:nvGrpSpPr>
+        <p:cNvPr id="1" name=""/>
+        <p:cNvGrpSpPr/>
+        <p:nvPr/>
+      </p:nvGrpSpPr>
+      <p:grpSpPr>
+        <a:xfrm>
+          <a:off x="0" y="0"/>
+          <a:ext cx="0" cy="0"/>
+          <a:chOff x="0" y="0"/>
+          <a:chExt cx="0" cy="0"/>
+        </a:xfrm>
+      </p:grpSpPr>
+      <p:sp>
+        <p:nvSpPr>
+          <p:cNvPr id="4" name="Title 3">
+            <a:extLst>
+              <a:ext uri="{FF2B5EF4-FFF2-40B4-BE49-F238E27FC236}">
+                <a16:creationId xmlns:a16="http://schemas.microsoft.com/office/drawing/2014/main" id="{88B45A74-BEED-4787-B4CC-8ED714BE9EEB}"/>
+              </a:ext>
+            </a:extLst>
+          </p:cNvPr>
+          <p:cNvSpPr>
+            <a:spLocks noGrp="1"/>
+          </p:cNvSpPr>
+          <p:nvPr>
+            <p:ph type="title"/>
+          </p:nvPr>
+        </p:nvSpPr>
+        <p:spPr>
+          <a:xfrm>
+            <a:off x="1751011" y="2480445"/>
+            <a:ext cx="8686800" cy="1468800"/>
+          </a:xfrm>
+        </p:spPr>
+        <p:txBody>
+          <a:bodyPr/>
+          <a:lstStyle/>
+          <a:p>
+            <a:pPr algn="ctr"/>
+            <a:r>
+              <a:rPr lang="en-US" dirty="0"/>
+              <a:t>Classifications</a:t>
+            </a:r>
+          </a:p>
+        </p:txBody>
+      </p:sp>
+    </p:spTree>
+    <p:extLst>
+      <p:ext uri="{BB962C8B-B14F-4D97-AF65-F5344CB8AC3E}">
+        <p14:creationId xmlns:p14="http://schemas.microsoft.com/office/powerpoint/2010/main" val="2300908125"/>
+      </p:ext>
+    </p:extLst>
+  </p:cSld>
+  <p:clrMapOvr>
+    <a:masterClrMapping/>
+  </p:clrMapOvr>
+</p:sld>
+</file>
+
+<file path=ppt/slides/slide21.xml><?xml version="1.0" encoding="utf-8"?>
+<p:sld xmlns:a="http://schemas.openxmlformats.org/drawingml/2006/main" xmlns:r="http://schemas.openxmlformats.org/officeDocument/2006/relationships" xmlns:p="http://schemas.openxmlformats.org/presentationml/2006/main">
+  <p:cSld>
+    <p:spTree>
+      <p:nvGrpSpPr>
+        <p:cNvPr id="1" name=""/>
+        <p:cNvGrpSpPr/>
+        <p:nvPr/>
+      </p:nvGrpSpPr>
+      <p:grpSpPr>
+        <a:xfrm>
+          <a:off x="0" y="0"/>
+          <a:ext cx="0" cy="0"/>
+          <a:chOff x="0" y="0"/>
+          <a:chExt cx="0" cy="0"/>
+        </a:xfrm>
+      </p:grpSpPr>
+      <p:sp>
+        <p:nvSpPr>
           <p:cNvPr id="2" name="Title 1">
             <a:extLst>
               <a:ext uri="{FF2B5EF4-FFF2-40B4-BE49-F238E27FC236}">
@@ -7245,7 +7981,7 @@
 </p:sld>
 </file>
 
-<file path=ppt/slides/slide17.xml><?xml version="1.0" encoding="utf-8"?>
+<file path=ppt/slides/slide22.xml><?xml version="1.0" encoding="utf-8"?>
 <p:sld xmlns:a="http://schemas.openxmlformats.org/drawingml/2006/main" xmlns:r="http://schemas.openxmlformats.org/officeDocument/2006/relationships" xmlns:p="http://schemas.openxmlformats.org/presentationml/2006/main">
   <p:cSld>
     <p:spTree>
@@ -7305,7 +8041,7 @@
 </p:sld>
 </file>
 
-<file path=ppt/slides/slide18.xml><?xml version="1.0" encoding="utf-8"?>
+<file path=ppt/slides/slide23.xml><?xml version="1.0" encoding="utf-8"?>
 <p:sld xmlns:a="http://schemas.openxmlformats.org/drawingml/2006/main" xmlns:r="http://schemas.openxmlformats.org/officeDocument/2006/relationships" xmlns:p="http://schemas.openxmlformats.org/presentationml/2006/main">
   <p:cSld>
     <p:spTree>
@@ -7398,7 +8134,7 @@
 </p:sld>
 </file>
 
-<file path=ppt/slides/slide19.xml><?xml version="1.0" encoding="utf-8"?>
+<file path=ppt/slides/slide24.xml><?xml version="1.0" encoding="utf-8"?>
 <p:sld xmlns:a="http://schemas.openxmlformats.org/drawingml/2006/main" xmlns:r="http://schemas.openxmlformats.org/officeDocument/2006/relationships" xmlns:p="http://schemas.openxmlformats.org/presentationml/2006/main">
   <p:cSld>
     <p:spTree>
@@ -7767,139 +8503,7 @@
 </p:sld>
 </file>
 
-<file path=ppt/slides/slide2.xml><?xml version="1.0" encoding="utf-8"?>
-<p:sld xmlns:a="http://schemas.openxmlformats.org/drawingml/2006/main" xmlns:r="http://schemas.openxmlformats.org/officeDocument/2006/relationships" xmlns:p="http://schemas.openxmlformats.org/presentationml/2006/main">
-  <p:cSld>
-    <p:spTree>
-      <p:nvGrpSpPr>
-        <p:cNvPr id="1" name=""/>
-        <p:cNvGrpSpPr/>
-        <p:nvPr/>
-      </p:nvGrpSpPr>
-      <p:grpSpPr>
-        <a:xfrm>
-          <a:off x="0" y="0"/>
-          <a:ext cx="0" cy="0"/>
-          <a:chOff x="0" y="0"/>
-          <a:chExt cx="0" cy="0"/>
-        </a:xfrm>
-      </p:grpSpPr>
-      <p:sp>
-        <p:nvSpPr>
-          <p:cNvPr id="2" name="Title 1">
-            <a:extLst>
-              <a:ext uri="{FF2B5EF4-FFF2-40B4-BE49-F238E27FC236}">
-                <a16:creationId xmlns:a16="http://schemas.microsoft.com/office/drawing/2014/main" id="{FD79F2AC-E951-4384-9EEF-9505EDA0671F}"/>
-              </a:ext>
-            </a:extLst>
-          </p:cNvPr>
-          <p:cNvSpPr>
-            <a:spLocks noGrp="1"/>
-          </p:cNvSpPr>
-          <p:nvPr>
-            <p:ph type="title"/>
-          </p:nvPr>
-        </p:nvSpPr>
-        <p:spPr>
-          <a:xfrm>
-            <a:off x="830862" y="-69012"/>
-            <a:ext cx="9905998" cy="1905000"/>
-          </a:xfrm>
-        </p:spPr>
-        <p:txBody>
-          <a:bodyPr/>
-          <a:lstStyle/>
-          <a:p>
-            <a:r>
-              <a:rPr lang="en-US" dirty="0"/>
-              <a:t>Project scope </a:t>
-            </a:r>
-          </a:p>
-        </p:txBody>
-      </p:sp>
-      <p:sp>
-        <p:nvSpPr>
-          <p:cNvPr id="3" name="Content Placeholder 2">
-            <a:extLst>
-              <a:ext uri="{FF2B5EF4-FFF2-40B4-BE49-F238E27FC236}">
-                <a16:creationId xmlns:a16="http://schemas.microsoft.com/office/drawing/2014/main" id="{5AD304ED-4AF1-4F82-8C05-53D6F89FA0C3}"/>
-              </a:ext>
-            </a:extLst>
-          </p:cNvPr>
-          <p:cNvSpPr>
-            <a:spLocks noGrp="1"/>
-          </p:cNvSpPr>
-          <p:nvPr>
-            <p:ph idx="1"/>
-          </p:nvPr>
-        </p:nvSpPr>
-        <p:spPr>
-          <a:xfrm>
-            <a:off x="830862" y="1938786"/>
-            <a:ext cx="9905998" cy="4682707"/>
-          </a:xfrm>
-        </p:spPr>
-        <p:txBody>
-          <a:bodyPr>
-            <a:noAutofit/>
-          </a:bodyPr>
-          <a:lstStyle/>
-          <a:p>
-            <a:r>
-              <a:rPr lang="en-US" sz="3200" dirty="0"/>
-              <a:t>Use machine learning models to analyze existing data to predict and classify wine quality (as judged by experts) based on traits like acidity, residual sugar, and alcohol concentration</a:t>
-            </a:r>
-          </a:p>
-          <a:p>
-            <a:r>
-              <a:rPr lang="en-US" sz="3200" dirty="0"/>
-              <a:t>Train and tune support-vector machines, a random forest, a neural network, </a:t>
-            </a:r>
-            <a:r>
-              <a:rPr lang="en-US" sz="3200" dirty="0" err="1"/>
-              <a:t>xgboost</a:t>
-            </a:r>
-            <a:r>
-              <a:rPr lang="en-US" sz="3200" dirty="0"/>
-              <a:t>, </a:t>
-            </a:r>
-            <a:r>
-              <a:rPr lang="en-US" sz="3200" dirty="0" err="1"/>
-              <a:t>kmeans</a:t>
-            </a:r>
-            <a:r>
-              <a:rPr lang="en-US" sz="3200" dirty="0"/>
-              <a:t>, k-nearest neighbor, and a logistic regression</a:t>
-            </a:r>
-          </a:p>
-          <a:p>
-            <a:endParaRPr lang="en-US" sz="2800" dirty="0"/>
-          </a:p>
-          <a:p>
-            <a:endParaRPr lang="en-US" sz="2800" dirty="0"/>
-          </a:p>
-          <a:p>
-            <a:pPr marL="0" indent="0">
-              <a:buNone/>
-            </a:pPr>
-            <a:endParaRPr lang="en-US" sz="2800" dirty="0"/>
-          </a:p>
-        </p:txBody>
-      </p:sp>
-    </p:spTree>
-    <p:extLst>
-      <p:ext uri="{BB962C8B-B14F-4D97-AF65-F5344CB8AC3E}">
-        <p14:creationId xmlns:p14="http://schemas.microsoft.com/office/powerpoint/2010/main" val="1479932240"/>
-      </p:ext>
-    </p:extLst>
-  </p:cSld>
-  <p:clrMapOvr>
-    <a:masterClrMapping/>
-  </p:clrMapOvr>
-</p:sld>
-</file>
-
-<file path=ppt/slides/slide20.xml><?xml version="1.0" encoding="utf-8"?>
+<file path=ppt/slides/slide25.xml><?xml version="1.0" encoding="utf-8"?>
 <p:sld xmlns:a="http://schemas.openxmlformats.org/drawingml/2006/main" xmlns:r="http://schemas.openxmlformats.org/officeDocument/2006/relationships" xmlns:p="http://schemas.openxmlformats.org/presentationml/2006/main">
   <p:cSld>
     <p:spTree>
@@ -8014,616 +8618,6 @@
     <p:extLst>
       <p:ext uri="{BB962C8B-B14F-4D97-AF65-F5344CB8AC3E}">
         <p14:creationId xmlns:p14="http://schemas.microsoft.com/office/powerpoint/2010/main" val="1876533010"/>
-      </p:ext>
-    </p:extLst>
-  </p:cSld>
-  <p:clrMapOvr>
-    <a:masterClrMapping/>
-  </p:clrMapOvr>
-</p:sld>
-</file>
-
-<file path=ppt/slides/slide21.xml><?xml version="1.0" encoding="utf-8"?>
-<p:sld xmlns:a="http://schemas.openxmlformats.org/drawingml/2006/main" xmlns:r="http://schemas.openxmlformats.org/officeDocument/2006/relationships" xmlns:p="http://schemas.openxmlformats.org/presentationml/2006/main">
-  <p:cSld>
-    <p:spTree>
-      <p:nvGrpSpPr>
-        <p:cNvPr id="1" name=""/>
-        <p:cNvGrpSpPr/>
-        <p:nvPr/>
-      </p:nvGrpSpPr>
-      <p:grpSpPr>
-        <a:xfrm>
-          <a:off x="0" y="0"/>
-          <a:ext cx="0" cy="0"/>
-          <a:chOff x="0" y="0"/>
-          <a:chExt cx="0" cy="0"/>
-        </a:xfrm>
-      </p:grpSpPr>
-      <p:sp>
-        <p:nvSpPr>
-          <p:cNvPr id="2" name="Title 1">
-            <a:extLst>
-              <a:ext uri="{FF2B5EF4-FFF2-40B4-BE49-F238E27FC236}">
-                <a16:creationId xmlns:a16="http://schemas.microsoft.com/office/drawing/2014/main" id="{6955D7D8-6AA8-4644-9876-85EBC9DC53F6}"/>
-              </a:ext>
-            </a:extLst>
-          </p:cNvPr>
-          <p:cNvSpPr>
-            <a:spLocks noGrp="1"/>
-          </p:cNvSpPr>
-          <p:nvPr>
-            <p:ph type="title"/>
-          </p:nvPr>
-        </p:nvSpPr>
-        <p:spPr>
-          <a:xfrm>
-            <a:off x="848115" y="75213"/>
-            <a:ext cx="9905998" cy="879827"/>
-          </a:xfrm>
-        </p:spPr>
-        <p:txBody>
-          <a:bodyPr/>
-          <a:lstStyle/>
-          <a:p>
-            <a:r>
-              <a:rPr lang="en-US" dirty="0"/>
-              <a:t>Quality correlation to ingredients</a:t>
-            </a:r>
-          </a:p>
-        </p:txBody>
-      </p:sp>
-      <p:pic>
-        <p:nvPicPr>
-          <p:cNvPr id="3" name="Picture 2">
-            <a:extLst>
-              <a:ext uri="{FF2B5EF4-FFF2-40B4-BE49-F238E27FC236}">
-                <a16:creationId xmlns:a16="http://schemas.microsoft.com/office/drawing/2014/main" id="{C37E9C3E-0D75-4BB0-9329-6DAD6BC3B045}"/>
-              </a:ext>
-            </a:extLst>
-          </p:cNvPr>
-          <p:cNvPicPr>
-            <a:picLocks noChangeAspect="1"/>
-          </p:cNvPicPr>
-          <p:nvPr/>
-        </p:nvPicPr>
-        <p:blipFill>
-          <a:blip r:embed="rId2"/>
-          <a:stretch>
-            <a:fillRect/>
-          </a:stretch>
-        </p:blipFill>
-        <p:spPr>
-          <a:xfrm>
-            <a:off x="698258" y="1056640"/>
-            <a:ext cx="10795483" cy="5726147"/>
-          </a:xfrm>
-          <a:prstGeom prst="rect">
-            <a:avLst/>
-          </a:prstGeom>
-        </p:spPr>
-      </p:pic>
-    </p:spTree>
-    <p:extLst>
-      <p:ext uri="{BB962C8B-B14F-4D97-AF65-F5344CB8AC3E}">
-        <p14:creationId xmlns:p14="http://schemas.microsoft.com/office/powerpoint/2010/main" val="3658847556"/>
-      </p:ext>
-    </p:extLst>
-  </p:cSld>
-  <p:clrMapOvr>
-    <a:masterClrMapping/>
-  </p:clrMapOvr>
-</p:sld>
-</file>
-
-<file path=ppt/slides/slide22.xml><?xml version="1.0" encoding="utf-8"?>
-<p:sld xmlns:a="http://schemas.openxmlformats.org/drawingml/2006/main" xmlns:r="http://schemas.openxmlformats.org/officeDocument/2006/relationships" xmlns:p="http://schemas.openxmlformats.org/presentationml/2006/main">
-  <p:cSld>
-    <p:spTree>
-      <p:nvGrpSpPr>
-        <p:cNvPr id="1" name=""/>
-        <p:cNvGrpSpPr/>
-        <p:nvPr/>
-      </p:nvGrpSpPr>
-      <p:grpSpPr>
-        <a:xfrm>
-          <a:off x="0" y="0"/>
-          <a:ext cx="0" cy="0"/>
-          <a:chOff x="0" y="0"/>
-          <a:chExt cx="0" cy="0"/>
-        </a:xfrm>
-      </p:grpSpPr>
-      <p:sp>
-        <p:nvSpPr>
-          <p:cNvPr id="4" name="Title 3">
-            <a:extLst>
-              <a:ext uri="{FF2B5EF4-FFF2-40B4-BE49-F238E27FC236}">
-                <a16:creationId xmlns:a16="http://schemas.microsoft.com/office/drawing/2014/main" id="{88B45A74-BEED-4787-B4CC-8ED714BE9EEB}"/>
-              </a:ext>
-            </a:extLst>
-          </p:cNvPr>
-          <p:cNvSpPr>
-            <a:spLocks noGrp="1"/>
-          </p:cNvSpPr>
-          <p:nvPr>
-            <p:ph type="title"/>
-          </p:nvPr>
-        </p:nvSpPr>
-        <p:spPr>
-          <a:xfrm>
-            <a:off x="1555172" y="151285"/>
-            <a:ext cx="8686800" cy="1468800"/>
-          </a:xfrm>
-        </p:spPr>
-        <p:txBody>
-          <a:bodyPr/>
-          <a:lstStyle/>
-          <a:p>
-            <a:pPr algn="ctr"/>
-            <a:r>
-              <a:rPr lang="en-US" dirty="0"/>
-              <a:t>K-nearest neighbor</a:t>
-            </a:r>
-          </a:p>
-        </p:txBody>
-      </p:sp>
-      <p:pic>
-        <p:nvPicPr>
-          <p:cNvPr id="2" name="Picture 1">
-            <a:extLst>
-              <a:ext uri="{FF2B5EF4-FFF2-40B4-BE49-F238E27FC236}">
-                <a16:creationId xmlns:a16="http://schemas.microsoft.com/office/drawing/2014/main" id="{03DC92F1-6EE7-473F-9EE7-338AE9F69101}"/>
-              </a:ext>
-            </a:extLst>
-          </p:cNvPr>
-          <p:cNvPicPr>
-            <a:picLocks noChangeAspect="1"/>
-          </p:cNvPicPr>
-          <p:nvPr/>
-        </p:nvPicPr>
-        <p:blipFill>
-          <a:blip r:embed="rId2"/>
-          <a:stretch>
-            <a:fillRect/>
-          </a:stretch>
-        </p:blipFill>
-        <p:spPr>
-          <a:xfrm>
-            <a:off x="5479505" y="1731818"/>
-            <a:ext cx="6585475" cy="4974897"/>
-          </a:xfrm>
-          <a:prstGeom prst="rect">
-            <a:avLst/>
-          </a:prstGeom>
-        </p:spPr>
-      </p:pic>
-      <p:sp>
-        <p:nvSpPr>
-          <p:cNvPr id="3" name="TextBox 2">
-            <a:extLst>
-              <a:ext uri="{FF2B5EF4-FFF2-40B4-BE49-F238E27FC236}">
-                <a16:creationId xmlns:a16="http://schemas.microsoft.com/office/drawing/2014/main" id="{736A71D3-7440-466B-ABEC-FA94CE650183}"/>
-              </a:ext>
-            </a:extLst>
-          </p:cNvPr>
-          <p:cNvSpPr txBox="1"/>
-          <p:nvPr/>
-        </p:nvSpPr>
-        <p:spPr>
-          <a:xfrm>
-            <a:off x="263236" y="1911927"/>
-            <a:ext cx="4668982" cy="923330"/>
-          </a:xfrm>
-          <a:prstGeom prst="rect">
-            <a:avLst/>
-          </a:prstGeom>
-          <a:noFill/>
-        </p:spPr>
-        <p:txBody>
-          <a:bodyPr wrap="square" rtlCol="0">
-            <a:spAutoFit/>
-          </a:bodyPr>
-          <a:lstStyle/>
-          <a:p>
-            <a:pPr marL="285750" indent="-285750">
-              <a:buFont typeface="Arial" panose="020B0604020202020204" pitchFamily="34" charset="0"/>
-              <a:buChar char="•"/>
-            </a:pPr>
-            <a:r>
-              <a:rPr lang="en-US" dirty="0"/>
-              <a:t>Accuracy 45%</a:t>
-            </a:r>
-          </a:p>
-          <a:p>
-            <a:pPr marL="285750" indent="-285750">
-              <a:buFont typeface="Arial" panose="020B0604020202020204" pitchFamily="34" charset="0"/>
-              <a:buChar char="•"/>
-            </a:pPr>
-            <a:r>
-              <a:rPr lang="en-US" dirty="0"/>
-              <a:t>Leveled out at K 13</a:t>
-            </a:r>
-          </a:p>
-          <a:p>
-            <a:endParaRPr lang="en-VI" dirty="0"/>
-          </a:p>
-        </p:txBody>
-      </p:sp>
-    </p:spTree>
-    <p:extLst>
-      <p:ext uri="{BB962C8B-B14F-4D97-AF65-F5344CB8AC3E}">
-        <p14:creationId xmlns:p14="http://schemas.microsoft.com/office/powerpoint/2010/main" val="2111733086"/>
-      </p:ext>
-    </p:extLst>
-  </p:cSld>
-  <p:clrMapOvr>
-    <a:masterClrMapping/>
-  </p:clrMapOvr>
-</p:sld>
-</file>
-
-<file path=ppt/slides/slide23.xml><?xml version="1.0" encoding="utf-8"?>
-<p:sld xmlns:a="http://schemas.openxmlformats.org/drawingml/2006/main" xmlns:r="http://schemas.openxmlformats.org/officeDocument/2006/relationships" xmlns:p="http://schemas.openxmlformats.org/presentationml/2006/main">
-  <p:cSld>
-    <p:spTree>
-      <p:nvGrpSpPr>
-        <p:cNvPr id="1" name=""/>
-        <p:cNvGrpSpPr/>
-        <p:nvPr/>
-      </p:nvGrpSpPr>
-      <p:grpSpPr>
-        <a:xfrm>
-          <a:off x="0" y="0"/>
-          <a:ext cx="0" cy="0"/>
-          <a:chOff x="0" y="0"/>
-          <a:chExt cx="0" cy="0"/>
-        </a:xfrm>
-      </p:grpSpPr>
-      <p:sp>
-        <p:nvSpPr>
-          <p:cNvPr id="2" name="Title 1">
-            <a:extLst>
-              <a:ext uri="{FF2B5EF4-FFF2-40B4-BE49-F238E27FC236}">
-                <a16:creationId xmlns:a16="http://schemas.microsoft.com/office/drawing/2014/main" id="{53DB9E70-7534-465E-BAF8-A321263C1561}"/>
-              </a:ext>
-            </a:extLst>
-          </p:cNvPr>
-          <p:cNvSpPr>
-            <a:spLocks noGrp="1"/>
-          </p:cNvSpPr>
-          <p:nvPr>
-            <p:ph type="title"/>
-          </p:nvPr>
-        </p:nvSpPr>
-        <p:spPr>
-          <a:xfrm>
-            <a:off x="1065213" y="155276"/>
-            <a:ext cx="9905998" cy="1905000"/>
-          </a:xfrm>
-        </p:spPr>
-        <p:txBody>
-          <a:bodyPr/>
-          <a:lstStyle/>
-          <a:p>
-            <a:r>
-              <a:rPr lang="en-US" dirty="0"/>
-              <a:t>analysis</a:t>
-            </a:r>
-          </a:p>
-        </p:txBody>
-      </p:sp>
-      <p:sp>
-        <p:nvSpPr>
-          <p:cNvPr id="3" name="Content Placeholder 2">
-            <a:extLst>
-              <a:ext uri="{FF2B5EF4-FFF2-40B4-BE49-F238E27FC236}">
-                <a16:creationId xmlns:a16="http://schemas.microsoft.com/office/drawing/2014/main" id="{36BDD74D-3CFC-4224-A745-A2E733DAF6F5}"/>
-              </a:ext>
-            </a:extLst>
-          </p:cNvPr>
-          <p:cNvSpPr>
-            <a:spLocks noGrp="1"/>
-          </p:cNvSpPr>
-          <p:nvPr>
-            <p:ph sz="half" idx="1"/>
-          </p:nvPr>
-        </p:nvSpPr>
-        <p:spPr>
-          <a:xfrm>
-            <a:off x="537563" y="1765539"/>
-            <a:ext cx="5480648" cy="3511041"/>
-          </a:xfrm>
-        </p:spPr>
-        <p:txBody>
-          <a:bodyPr/>
-          <a:lstStyle/>
-          <a:p>
-            <a:endParaRPr lang="en-US" dirty="0"/>
-          </a:p>
-        </p:txBody>
-      </p:sp>
-      <p:sp>
-        <p:nvSpPr>
-          <p:cNvPr id="6" name="Content Placeholder 5">
-            <a:extLst>
-              <a:ext uri="{FF2B5EF4-FFF2-40B4-BE49-F238E27FC236}">
-                <a16:creationId xmlns:a16="http://schemas.microsoft.com/office/drawing/2014/main" id="{75E123FD-088F-4DC7-8CAF-79B91E16E623}"/>
-              </a:ext>
-            </a:extLst>
-          </p:cNvPr>
-          <p:cNvSpPr>
-            <a:spLocks noGrp="1"/>
-          </p:cNvSpPr>
-          <p:nvPr>
-            <p:ph sz="half" idx="2"/>
-          </p:nvPr>
-        </p:nvSpPr>
-        <p:spPr>
-          <a:xfrm>
-            <a:off x="6249986" y="1765538"/>
-            <a:ext cx="5332413" cy="3511041"/>
-          </a:xfrm>
-        </p:spPr>
-        <p:txBody>
-          <a:bodyPr/>
-          <a:lstStyle/>
-          <a:p>
-            <a:endParaRPr lang="en-US"/>
-          </a:p>
-        </p:txBody>
-      </p:sp>
-    </p:spTree>
-    <p:extLst>
-      <p:ext uri="{BB962C8B-B14F-4D97-AF65-F5344CB8AC3E}">
-        <p14:creationId xmlns:p14="http://schemas.microsoft.com/office/powerpoint/2010/main" val="503900730"/>
-      </p:ext>
-    </p:extLst>
-  </p:cSld>
-  <p:clrMapOvr>
-    <a:masterClrMapping/>
-  </p:clrMapOvr>
-</p:sld>
-</file>
-
-<file path=ppt/slides/slide24.xml><?xml version="1.0" encoding="utf-8"?>
-<p:sld xmlns:a="http://schemas.openxmlformats.org/drawingml/2006/main" xmlns:r="http://schemas.openxmlformats.org/officeDocument/2006/relationships" xmlns:p="http://schemas.openxmlformats.org/presentationml/2006/main">
-  <p:cSld>
-    <p:spTree>
-      <p:nvGrpSpPr>
-        <p:cNvPr id="1" name=""/>
-        <p:cNvGrpSpPr/>
-        <p:nvPr/>
-      </p:nvGrpSpPr>
-      <p:grpSpPr>
-        <a:xfrm>
-          <a:off x="0" y="0"/>
-          <a:ext cx="0" cy="0"/>
-          <a:chOff x="0" y="0"/>
-          <a:chExt cx="0" cy="0"/>
-        </a:xfrm>
-      </p:grpSpPr>
-      <p:sp>
-        <p:nvSpPr>
-          <p:cNvPr id="4" name="Title 3">
-            <a:extLst>
-              <a:ext uri="{FF2B5EF4-FFF2-40B4-BE49-F238E27FC236}">
-                <a16:creationId xmlns:a16="http://schemas.microsoft.com/office/drawing/2014/main" id="{88B45A74-BEED-4787-B4CC-8ED714BE9EEB}"/>
-              </a:ext>
-            </a:extLst>
-          </p:cNvPr>
-          <p:cNvSpPr>
-            <a:spLocks noGrp="1"/>
-          </p:cNvSpPr>
-          <p:nvPr>
-            <p:ph type="title"/>
-          </p:nvPr>
-        </p:nvSpPr>
-        <p:spPr>
-          <a:xfrm>
-            <a:off x="1751011" y="2480445"/>
-            <a:ext cx="8686800" cy="1468800"/>
-          </a:xfrm>
-        </p:spPr>
-        <p:txBody>
-          <a:bodyPr/>
-          <a:lstStyle/>
-          <a:p>
-            <a:pPr algn="ctr"/>
-            <a:r>
-              <a:rPr lang="en-US" dirty="0"/>
-              <a:t>Source vector machine</a:t>
-            </a:r>
-          </a:p>
-        </p:txBody>
-      </p:sp>
-      <p:sp>
-        <p:nvSpPr>
-          <p:cNvPr id="5" name="Text Placeholder 4">
-            <a:extLst>
-              <a:ext uri="{FF2B5EF4-FFF2-40B4-BE49-F238E27FC236}">
-                <a16:creationId xmlns:a16="http://schemas.microsoft.com/office/drawing/2014/main" id="{68020A51-56DE-493C-AC6F-D5BAD02D3DB8}"/>
-              </a:ext>
-            </a:extLst>
-          </p:cNvPr>
-          <p:cNvSpPr>
-            <a:spLocks noGrp="1"/>
-          </p:cNvSpPr>
-          <p:nvPr>
-            <p:ph type="body" idx="1"/>
-          </p:nvPr>
-        </p:nvSpPr>
-        <p:spPr/>
-        <p:txBody>
-          <a:bodyPr/>
-          <a:lstStyle/>
-          <a:p>
-            <a:endParaRPr lang="en-US"/>
-          </a:p>
-        </p:txBody>
-      </p:sp>
-    </p:spTree>
-    <p:extLst>
-      <p:ext uri="{BB962C8B-B14F-4D97-AF65-F5344CB8AC3E}">
-        <p14:creationId xmlns:p14="http://schemas.microsoft.com/office/powerpoint/2010/main" val="1086138301"/>
-      </p:ext>
-    </p:extLst>
-  </p:cSld>
-  <p:clrMapOvr>
-    <a:masterClrMapping/>
-  </p:clrMapOvr>
-</p:sld>
-</file>
-
-<file path=ppt/slides/slide25.xml><?xml version="1.0" encoding="utf-8"?>
-<p:sld xmlns:a="http://schemas.openxmlformats.org/drawingml/2006/main" xmlns:r="http://schemas.openxmlformats.org/officeDocument/2006/relationships" xmlns:p="http://schemas.openxmlformats.org/presentationml/2006/main">
-  <p:cSld>
-    <p:spTree>
-      <p:nvGrpSpPr>
-        <p:cNvPr id="1" name=""/>
-        <p:cNvGrpSpPr/>
-        <p:nvPr/>
-      </p:nvGrpSpPr>
-      <p:grpSpPr>
-        <a:xfrm>
-          <a:off x="0" y="0"/>
-          <a:ext cx="0" cy="0"/>
-          <a:chOff x="0" y="0"/>
-          <a:chExt cx="0" cy="0"/>
-        </a:xfrm>
-      </p:grpSpPr>
-      <p:sp>
-        <p:nvSpPr>
-          <p:cNvPr id="2" name="Title 1">
-            <a:extLst>
-              <a:ext uri="{FF2B5EF4-FFF2-40B4-BE49-F238E27FC236}">
-                <a16:creationId xmlns:a16="http://schemas.microsoft.com/office/drawing/2014/main" id="{6955D7D8-6AA8-4644-9876-85EBC9DC53F6}"/>
-              </a:ext>
-            </a:extLst>
-          </p:cNvPr>
-          <p:cNvSpPr>
-            <a:spLocks noGrp="1"/>
-          </p:cNvSpPr>
-          <p:nvPr>
-            <p:ph type="title"/>
-          </p:nvPr>
-        </p:nvSpPr>
-        <p:spPr>
-          <a:xfrm>
-            <a:off x="0" y="-528638"/>
-            <a:ext cx="9905998" cy="1905000"/>
-          </a:xfrm>
-        </p:spPr>
-        <p:txBody>
-          <a:bodyPr/>
-          <a:lstStyle/>
-          <a:p>
-            <a:r>
-              <a:rPr lang="en-US" dirty="0"/>
-              <a:t>Code and measurements</a:t>
-            </a:r>
-          </a:p>
-        </p:txBody>
-      </p:sp>
-      <p:sp>
-        <p:nvSpPr>
-          <p:cNvPr id="4" name="Content Placeholder 3">
-            <a:extLst>
-              <a:ext uri="{FF2B5EF4-FFF2-40B4-BE49-F238E27FC236}">
-                <a16:creationId xmlns:a16="http://schemas.microsoft.com/office/drawing/2014/main" id="{DE47F88E-0C68-45CD-B55D-005A58294741}"/>
-              </a:ext>
-            </a:extLst>
-          </p:cNvPr>
-          <p:cNvSpPr>
-            <a:spLocks noGrp="1"/>
-          </p:cNvSpPr>
-          <p:nvPr>
-            <p:ph idx="1"/>
-          </p:nvPr>
-        </p:nvSpPr>
-        <p:spPr/>
-        <p:txBody>
-          <a:bodyPr/>
-          <a:lstStyle/>
-          <a:p>
-            <a:endParaRPr lang="en-US" dirty="0"/>
-          </a:p>
-        </p:txBody>
-      </p:sp>
-      <p:pic>
-        <p:nvPicPr>
-          <p:cNvPr id="3" name="Picture 2"/>
-          <p:cNvPicPr>
-            <a:picLocks noChangeAspect="1"/>
-          </p:cNvPicPr>
-          <p:nvPr/>
-        </p:nvPicPr>
-        <p:blipFill>
-          <a:blip r:embed="rId2"/>
-          <a:stretch>
-            <a:fillRect/>
-          </a:stretch>
-        </p:blipFill>
-        <p:spPr>
-          <a:xfrm>
-            <a:off x="7124700" y="-19544"/>
-            <a:ext cx="5067300" cy="1562100"/>
-          </a:xfrm>
-          <a:prstGeom prst="rect">
-            <a:avLst/>
-          </a:prstGeom>
-        </p:spPr>
-      </p:pic>
-      <p:pic>
-        <p:nvPicPr>
-          <p:cNvPr id="5" name="Picture 4"/>
-          <p:cNvPicPr>
-            <a:picLocks noChangeAspect="1"/>
-          </p:cNvPicPr>
-          <p:nvPr/>
-        </p:nvPicPr>
-        <p:blipFill>
-          <a:blip r:embed="rId3"/>
-          <a:stretch>
-            <a:fillRect/>
-          </a:stretch>
-        </p:blipFill>
-        <p:spPr>
-          <a:xfrm>
-            <a:off x="-3176" y="1542556"/>
-            <a:ext cx="9591675" cy="3838575"/>
-          </a:xfrm>
-          <a:prstGeom prst="rect">
-            <a:avLst/>
-          </a:prstGeom>
-        </p:spPr>
-      </p:pic>
-      <p:pic>
-        <p:nvPicPr>
-          <p:cNvPr id="6" name="Picture 5"/>
-          <p:cNvPicPr>
-            <a:picLocks noChangeAspect="1"/>
-          </p:cNvPicPr>
-          <p:nvPr/>
-        </p:nvPicPr>
-        <p:blipFill rotWithShape="1">
-          <a:blip r:embed="rId4"/>
-          <a:srcRect r="26382" b="36334"/>
-          <a:stretch/>
-        </p:blipFill>
-        <p:spPr>
-          <a:xfrm>
-            <a:off x="5116772" y="4765861"/>
-            <a:ext cx="7075228" cy="2092139"/>
-          </a:xfrm>
-          <a:prstGeom prst="rect">
-            <a:avLst/>
-          </a:prstGeom>
-        </p:spPr>
-      </p:pic>
-    </p:spTree>
-    <p:extLst>
-      <p:ext uri="{BB962C8B-B14F-4D97-AF65-F5344CB8AC3E}">
-        <p14:creationId xmlns:p14="http://schemas.microsoft.com/office/powerpoint/2010/main" val="2904680959"/>
       </p:ext>
     </p:extLst>
   </p:cSld>
@@ -8652,7 +8646,13 @@
       </p:grpSpPr>
       <p:sp>
         <p:nvSpPr>
-          <p:cNvPr id="2" name="Title 1"/>
+          <p:cNvPr id="2" name="Title 1">
+            <a:extLst>
+              <a:ext uri="{FF2B5EF4-FFF2-40B4-BE49-F238E27FC236}">
+                <a16:creationId xmlns:a16="http://schemas.microsoft.com/office/drawing/2014/main" id="{6955D7D8-6AA8-4644-9876-85EBC9DC53F6}"/>
+              </a:ext>
+            </a:extLst>
+          </p:cNvPr>
           <p:cNvSpPr>
             <a:spLocks noGrp="1"/>
           </p:cNvSpPr>
@@ -8660,99 +8660,47 @@
             <p:ph type="title"/>
           </p:nvPr>
         </p:nvSpPr>
-        <p:spPr/>
+        <p:spPr>
+          <a:xfrm>
+            <a:off x="848115" y="75213"/>
+            <a:ext cx="9905998" cy="879827"/>
+          </a:xfrm>
+        </p:spPr>
         <p:txBody>
           <a:bodyPr/>
           <a:lstStyle/>
           <a:p>
-            <a:endParaRPr lang="en-US"/>
-          </a:p>
-        </p:txBody>
-      </p:sp>
-      <p:sp>
-        <p:nvSpPr>
-          <p:cNvPr id="3" name="Content Placeholder 2"/>
-          <p:cNvSpPr>
-            <a:spLocks noGrp="1"/>
-          </p:cNvSpPr>
-          <p:nvPr>
-            <p:ph idx="1"/>
-          </p:nvPr>
-        </p:nvSpPr>
-        <p:spPr/>
-        <p:txBody>
-          <a:bodyPr/>
-          <a:lstStyle/>
-          <a:p>
-            <a:endParaRPr lang="en-US" dirty="0"/>
+            <a:r>
+              <a:rPr lang="en-US" dirty="0"/>
+              <a:t>Quality correlation to ingredients</a:t>
+            </a:r>
           </a:p>
         </p:txBody>
       </p:sp>
       <p:pic>
         <p:nvPicPr>
-          <p:cNvPr id="4" name="Picture 3"/>
-          <p:cNvPicPr>
-            <a:picLocks noChangeAspect="1"/>
-          </p:cNvPicPr>
-          <p:nvPr/>
-        </p:nvPicPr>
-        <p:blipFill rotWithShape="1">
-          <a:blip r:embed="rId2"/>
-          <a:srcRect b="4200"/>
-          <a:stretch/>
-        </p:blipFill>
-        <p:spPr>
-          <a:xfrm>
-            <a:off x="1308099" y="0"/>
-            <a:ext cx="9572625" cy="4069724"/>
-          </a:xfrm>
-          <a:prstGeom prst="rect">
-            <a:avLst/>
-          </a:prstGeom>
-        </p:spPr>
-      </p:pic>
-      <p:pic>
-        <p:nvPicPr>
-          <p:cNvPr id="6" name="Picture 5"/>
+          <p:cNvPr id="3" name="Picture 2">
+            <a:extLst>
+              <a:ext uri="{FF2B5EF4-FFF2-40B4-BE49-F238E27FC236}">
+                <a16:creationId xmlns:a16="http://schemas.microsoft.com/office/drawing/2014/main" id="{C37E9C3E-0D75-4BB0-9329-6DAD6BC3B045}"/>
+              </a:ext>
+            </a:extLst>
+          </p:cNvPr>
           <p:cNvPicPr>
             <a:picLocks noChangeAspect="1"/>
           </p:cNvPicPr>
           <p:nvPr/>
         </p:nvPicPr>
         <p:blipFill>
-          <a:blip r:embed="rId3"/>
+          <a:blip r:embed="rId2"/>
           <a:stretch>
             <a:fillRect/>
           </a:stretch>
         </p:blipFill>
         <p:spPr>
           <a:xfrm>
-            <a:off x="1308099" y="4546242"/>
-            <a:ext cx="5657850" cy="2038350"/>
-          </a:xfrm>
-          <a:prstGeom prst="rect">
-            <a:avLst/>
-          </a:prstGeom>
-        </p:spPr>
-      </p:pic>
-      <p:pic>
-        <p:nvPicPr>
-          <p:cNvPr id="7" name="Picture 6"/>
-          <p:cNvPicPr>
-            <a:picLocks noChangeAspect="1"/>
-          </p:cNvPicPr>
-          <p:nvPr/>
-        </p:nvPicPr>
-        <p:blipFill>
-          <a:blip r:embed="rId4"/>
-          <a:stretch>
-            <a:fillRect/>
-          </a:stretch>
-        </p:blipFill>
-        <p:spPr>
-          <a:xfrm>
-            <a:off x="1308099" y="4069724"/>
-            <a:ext cx="1425787" cy="504824"/>
+            <a:off x="698258" y="1056640"/>
+            <a:ext cx="10795483" cy="5726147"/>
           </a:xfrm>
           <a:prstGeom prst="rect">
             <a:avLst/>
@@ -8762,7 +8710,7 @@
     </p:spTree>
     <p:extLst>
       <p:ext uri="{BB962C8B-B14F-4D97-AF65-F5344CB8AC3E}">
-        <p14:creationId xmlns:p14="http://schemas.microsoft.com/office/powerpoint/2010/main" val="1840652839"/>
+        <p14:creationId xmlns:p14="http://schemas.microsoft.com/office/powerpoint/2010/main" val="3658847556"/>
       </p:ext>
     </p:extLst>
   </p:cSld>
@@ -8791,10 +8739,10 @@
       </p:grpSpPr>
       <p:sp>
         <p:nvSpPr>
-          <p:cNvPr id="2" name="Title 1">
+          <p:cNvPr id="4" name="Title 3">
             <a:extLst>
               <a:ext uri="{FF2B5EF4-FFF2-40B4-BE49-F238E27FC236}">
-                <a16:creationId xmlns:a16="http://schemas.microsoft.com/office/drawing/2014/main" id="{53DB9E70-7534-465E-BAF8-A321263C1561}"/>
+                <a16:creationId xmlns:a16="http://schemas.microsoft.com/office/drawing/2014/main" id="{88B45A74-BEED-4787-B4CC-8ED714BE9EEB}"/>
               </a:ext>
             </a:extLst>
           </p:cNvPr>
@@ -8807,85 +8755,108 @@
         </p:nvSpPr>
         <p:spPr>
           <a:xfrm>
-            <a:off x="1065213" y="155276"/>
-            <a:ext cx="9905998" cy="1905000"/>
+            <a:off x="1555172" y="151285"/>
+            <a:ext cx="8686800" cy="1468800"/>
           </a:xfrm>
         </p:spPr>
         <p:txBody>
           <a:bodyPr/>
           <a:lstStyle/>
           <a:p>
+            <a:pPr algn="ctr"/>
             <a:r>
               <a:rPr lang="en-US" dirty="0"/>
-              <a:t>analysis</a:t>
-            </a:r>
-          </a:p>
-        </p:txBody>
-      </p:sp>
-      <p:sp>
-        <p:nvSpPr>
-          <p:cNvPr id="3" name="Content Placeholder 2">
+              <a:t>K-nearest neighbor</a:t>
+            </a:r>
+          </a:p>
+        </p:txBody>
+      </p:sp>
+      <p:pic>
+        <p:nvPicPr>
+          <p:cNvPr id="2" name="Picture 1">
             <a:extLst>
               <a:ext uri="{FF2B5EF4-FFF2-40B4-BE49-F238E27FC236}">
-                <a16:creationId xmlns:a16="http://schemas.microsoft.com/office/drawing/2014/main" id="{36BDD74D-3CFC-4224-A745-A2E733DAF6F5}"/>
+                <a16:creationId xmlns:a16="http://schemas.microsoft.com/office/drawing/2014/main" id="{03DC92F1-6EE7-473F-9EE7-338AE9F69101}"/>
               </a:ext>
             </a:extLst>
           </p:cNvPr>
-          <p:cNvSpPr>
-            <a:spLocks noGrp="1"/>
-          </p:cNvSpPr>
-          <p:nvPr>
-            <p:ph sz="half" idx="1"/>
-          </p:nvPr>
-        </p:nvSpPr>
-        <p:spPr>
-          <a:xfrm>
-            <a:off x="537563" y="1765539"/>
-            <a:ext cx="5480648" cy="3511041"/>
-          </a:xfrm>
-        </p:spPr>
-        <p:txBody>
-          <a:bodyPr/>
-          <a:lstStyle/>
-          <a:p>
-            <a:endParaRPr lang="en-US" dirty="0"/>
-          </a:p>
-        </p:txBody>
-      </p:sp>
-      <p:sp>
-        <p:nvSpPr>
-          <p:cNvPr id="6" name="Content Placeholder 5">
+          <p:cNvPicPr>
+            <a:picLocks noChangeAspect="1"/>
+          </p:cNvPicPr>
+          <p:nvPr/>
+        </p:nvPicPr>
+        <p:blipFill>
+          <a:blip r:embed="rId2"/>
+          <a:stretch>
+            <a:fillRect/>
+          </a:stretch>
+        </p:blipFill>
+        <p:spPr>
+          <a:xfrm>
+            <a:off x="5479505" y="1731818"/>
+            <a:ext cx="6585475" cy="4974897"/>
+          </a:xfrm>
+          <a:prstGeom prst="rect">
+            <a:avLst/>
+          </a:prstGeom>
+        </p:spPr>
+      </p:pic>
+      <p:sp>
+        <p:nvSpPr>
+          <p:cNvPr id="3" name="TextBox 2">
             <a:extLst>
               <a:ext uri="{FF2B5EF4-FFF2-40B4-BE49-F238E27FC236}">
-                <a16:creationId xmlns:a16="http://schemas.microsoft.com/office/drawing/2014/main" id="{75E123FD-088F-4DC7-8CAF-79B91E16E623}"/>
+                <a16:creationId xmlns:a16="http://schemas.microsoft.com/office/drawing/2014/main" id="{736A71D3-7440-466B-ABEC-FA94CE650183}"/>
               </a:ext>
             </a:extLst>
           </p:cNvPr>
-          <p:cNvSpPr>
-            <a:spLocks noGrp="1"/>
-          </p:cNvSpPr>
-          <p:nvPr>
-            <p:ph sz="half" idx="2"/>
-          </p:nvPr>
-        </p:nvSpPr>
-        <p:spPr>
-          <a:xfrm>
-            <a:off x="6249986" y="1765538"/>
-            <a:ext cx="5332413" cy="3511041"/>
-          </a:xfrm>
-        </p:spPr>
-        <p:txBody>
-          <a:bodyPr/>
-          <a:lstStyle/>
-          <a:p>
-            <a:endParaRPr lang="en-US"/>
+          <p:cNvSpPr txBox="1"/>
+          <p:nvPr/>
+        </p:nvSpPr>
+        <p:spPr>
+          <a:xfrm>
+            <a:off x="263236" y="1911927"/>
+            <a:ext cx="4668982" cy="923330"/>
+          </a:xfrm>
+          <a:prstGeom prst="rect">
+            <a:avLst/>
+          </a:prstGeom>
+          <a:noFill/>
+        </p:spPr>
+        <p:txBody>
+          <a:bodyPr wrap="square" rtlCol="0">
+            <a:spAutoFit/>
+          </a:bodyPr>
+          <a:lstStyle/>
+          <a:p>
+            <a:pPr marL="285750" indent="-285750">
+              <a:buFont typeface="Arial" panose="020B0604020202020204" pitchFamily="34" charset="0"/>
+              <a:buChar char="•"/>
+            </a:pPr>
+            <a:r>
+              <a:rPr lang="en-US" dirty="0"/>
+              <a:t>Accuracy 45%</a:t>
+            </a:r>
+          </a:p>
+          <a:p>
+            <a:pPr marL="285750" indent="-285750">
+              <a:buFont typeface="Arial" panose="020B0604020202020204" pitchFamily="34" charset="0"/>
+              <a:buChar char="•"/>
+            </a:pPr>
+            <a:r>
+              <a:rPr lang="en-US" dirty="0"/>
+              <a:t>Leveled out at K 13</a:t>
+            </a:r>
+          </a:p>
+          <a:p>
+            <a:endParaRPr lang="en-VI" dirty="0"/>
           </a:p>
         </p:txBody>
       </p:sp>
     </p:spTree>
     <p:extLst>
       <p:ext uri="{BB962C8B-B14F-4D97-AF65-F5344CB8AC3E}">
-        <p14:creationId xmlns:p14="http://schemas.microsoft.com/office/powerpoint/2010/main" val="4103530040"/>
+        <p14:creationId xmlns:p14="http://schemas.microsoft.com/office/powerpoint/2010/main" val="2111733086"/>
       </p:ext>
     </p:extLst>
   </p:cSld>
@@ -8896,6 +8867,493 @@
 </file>
 
 <file path=ppt/slides/slide28.xml><?xml version="1.0" encoding="utf-8"?>
+<p:sld xmlns:a="http://schemas.openxmlformats.org/drawingml/2006/main" xmlns:r="http://schemas.openxmlformats.org/officeDocument/2006/relationships" xmlns:p="http://schemas.openxmlformats.org/presentationml/2006/main">
+  <p:cSld>
+    <p:spTree>
+      <p:nvGrpSpPr>
+        <p:cNvPr id="1" name=""/>
+        <p:cNvGrpSpPr/>
+        <p:nvPr/>
+      </p:nvGrpSpPr>
+      <p:grpSpPr>
+        <a:xfrm>
+          <a:off x="0" y="0"/>
+          <a:ext cx="0" cy="0"/>
+          <a:chOff x="0" y="0"/>
+          <a:chExt cx="0" cy="0"/>
+        </a:xfrm>
+      </p:grpSpPr>
+      <p:sp>
+        <p:nvSpPr>
+          <p:cNvPr id="4" name="Title 3">
+            <a:extLst>
+              <a:ext uri="{FF2B5EF4-FFF2-40B4-BE49-F238E27FC236}">
+                <a16:creationId xmlns:a16="http://schemas.microsoft.com/office/drawing/2014/main" id="{88B45A74-BEED-4787-B4CC-8ED714BE9EEB}"/>
+              </a:ext>
+            </a:extLst>
+          </p:cNvPr>
+          <p:cNvSpPr>
+            <a:spLocks noGrp="1"/>
+          </p:cNvSpPr>
+          <p:nvPr>
+            <p:ph type="title"/>
+          </p:nvPr>
+        </p:nvSpPr>
+        <p:spPr>
+          <a:xfrm>
+            <a:off x="1751011" y="2480445"/>
+            <a:ext cx="8686800" cy="1468800"/>
+          </a:xfrm>
+        </p:spPr>
+        <p:txBody>
+          <a:bodyPr/>
+          <a:lstStyle/>
+          <a:p>
+            <a:pPr algn="ctr"/>
+            <a:r>
+              <a:rPr lang="en-US" dirty="0"/>
+              <a:t>Logistic regression</a:t>
+            </a:r>
+          </a:p>
+        </p:txBody>
+      </p:sp>
+      <p:sp>
+        <p:nvSpPr>
+          <p:cNvPr id="5" name="Text Placeholder 4">
+            <a:extLst>
+              <a:ext uri="{FF2B5EF4-FFF2-40B4-BE49-F238E27FC236}">
+                <a16:creationId xmlns:a16="http://schemas.microsoft.com/office/drawing/2014/main" id="{68020A51-56DE-493C-AC6F-D5BAD02D3DB8}"/>
+              </a:ext>
+            </a:extLst>
+          </p:cNvPr>
+          <p:cNvSpPr>
+            <a:spLocks noGrp="1"/>
+          </p:cNvSpPr>
+          <p:nvPr>
+            <p:ph type="body" idx="1"/>
+          </p:nvPr>
+        </p:nvSpPr>
+        <p:spPr/>
+        <p:txBody>
+          <a:bodyPr/>
+          <a:lstStyle/>
+          <a:p>
+            <a:endParaRPr lang="en-US"/>
+          </a:p>
+        </p:txBody>
+      </p:sp>
+    </p:spTree>
+    <p:extLst>
+      <p:ext uri="{BB962C8B-B14F-4D97-AF65-F5344CB8AC3E}">
+        <p14:creationId xmlns:p14="http://schemas.microsoft.com/office/powerpoint/2010/main" val="1977942855"/>
+      </p:ext>
+    </p:extLst>
+  </p:cSld>
+  <p:clrMapOvr>
+    <a:masterClrMapping/>
+  </p:clrMapOvr>
+</p:sld>
+</file>
+
+<file path=ppt/slides/slide29.xml><?xml version="1.0" encoding="utf-8"?>
+<p:sld xmlns:a="http://schemas.openxmlformats.org/drawingml/2006/main" xmlns:r="http://schemas.openxmlformats.org/officeDocument/2006/relationships" xmlns:p="http://schemas.openxmlformats.org/presentationml/2006/main">
+  <p:cSld>
+    <p:spTree>
+      <p:nvGrpSpPr>
+        <p:cNvPr id="1" name=""/>
+        <p:cNvGrpSpPr/>
+        <p:nvPr/>
+      </p:nvGrpSpPr>
+      <p:grpSpPr>
+        <a:xfrm>
+          <a:off x="0" y="0"/>
+          <a:ext cx="0" cy="0"/>
+          <a:chOff x="0" y="0"/>
+          <a:chExt cx="0" cy="0"/>
+        </a:xfrm>
+      </p:grpSpPr>
+      <p:sp>
+        <p:nvSpPr>
+          <p:cNvPr id="2" name="Title 1">
+            <a:extLst>
+              <a:ext uri="{FF2B5EF4-FFF2-40B4-BE49-F238E27FC236}">
+                <a16:creationId xmlns:a16="http://schemas.microsoft.com/office/drawing/2014/main" id="{6955D7D8-6AA8-4644-9876-85EBC9DC53F6}"/>
+              </a:ext>
+            </a:extLst>
+          </p:cNvPr>
+          <p:cNvSpPr>
+            <a:spLocks noGrp="1"/>
+          </p:cNvSpPr>
+          <p:nvPr>
+            <p:ph type="title"/>
+          </p:nvPr>
+        </p:nvSpPr>
+        <p:spPr>
+          <a:xfrm>
+            <a:off x="1141413" y="57958"/>
+            <a:ext cx="9905998" cy="1905000"/>
+          </a:xfrm>
+        </p:spPr>
+        <p:txBody>
+          <a:bodyPr/>
+          <a:lstStyle/>
+          <a:p>
+            <a:r>
+              <a:rPr lang="en-US" dirty="0"/>
+              <a:t>Code and measurements</a:t>
+            </a:r>
+          </a:p>
+        </p:txBody>
+      </p:sp>
+      <p:pic>
+        <p:nvPicPr>
+          <p:cNvPr id="10" name="Picture 9">
+            <a:extLst>
+              <a:ext uri="{FF2B5EF4-FFF2-40B4-BE49-F238E27FC236}">
+                <a16:creationId xmlns:a16="http://schemas.microsoft.com/office/drawing/2014/main" id="{357046B1-EFDA-4077-B269-56D96F2503A2}"/>
+              </a:ext>
+            </a:extLst>
+          </p:cNvPr>
+          <p:cNvPicPr>
+            <a:picLocks noChangeAspect="1"/>
+          </p:cNvPicPr>
+          <p:nvPr/>
+        </p:nvPicPr>
+        <p:blipFill>
+          <a:blip r:embed="rId2"/>
+          <a:stretch>
+            <a:fillRect/>
+          </a:stretch>
+        </p:blipFill>
+        <p:spPr>
+          <a:xfrm>
+            <a:off x="810906" y="1449237"/>
+            <a:ext cx="9632807" cy="4798043"/>
+          </a:xfrm>
+          <a:prstGeom prst="rect">
+            <a:avLst/>
+          </a:prstGeom>
+        </p:spPr>
+      </p:pic>
+    </p:spTree>
+    <p:extLst>
+      <p:ext uri="{BB962C8B-B14F-4D97-AF65-F5344CB8AC3E}">
+        <p14:creationId xmlns:p14="http://schemas.microsoft.com/office/powerpoint/2010/main" val="981200962"/>
+      </p:ext>
+    </p:extLst>
+  </p:cSld>
+  <p:clrMapOvr>
+    <a:masterClrMapping/>
+  </p:clrMapOvr>
+</p:sld>
+</file>
+
+<file path=ppt/slides/slide3.xml><?xml version="1.0" encoding="utf-8"?>
+<p:sld xmlns:a="http://schemas.openxmlformats.org/drawingml/2006/main" xmlns:r="http://schemas.openxmlformats.org/officeDocument/2006/relationships" xmlns:p="http://schemas.openxmlformats.org/presentationml/2006/main">
+  <p:cSld>
+    <p:spTree>
+      <p:nvGrpSpPr>
+        <p:cNvPr id="1" name=""/>
+        <p:cNvGrpSpPr/>
+        <p:nvPr/>
+      </p:nvGrpSpPr>
+      <p:grpSpPr>
+        <a:xfrm>
+          <a:off x="0" y="0"/>
+          <a:ext cx="0" cy="0"/>
+          <a:chOff x="0" y="0"/>
+          <a:chExt cx="0" cy="0"/>
+        </a:xfrm>
+      </p:grpSpPr>
+      <p:sp>
+        <p:nvSpPr>
+          <p:cNvPr id="2" name="Title 1">
+            <a:extLst>
+              <a:ext uri="{FF2B5EF4-FFF2-40B4-BE49-F238E27FC236}">
+                <a16:creationId xmlns:a16="http://schemas.microsoft.com/office/drawing/2014/main" id="{B874DC24-40D9-4058-ACA2-22BFA1CDE625}"/>
+              </a:ext>
+            </a:extLst>
+          </p:cNvPr>
+          <p:cNvSpPr>
+            <a:spLocks noGrp="1"/>
+          </p:cNvSpPr>
+          <p:nvPr>
+            <p:ph type="title"/>
+          </p:nvPr>
+        </p:nvSpPr>
+        <p:spPr>
+          <a:xfrm>
+            <a:off x="1141413" y="114300"/>
+            <a:ext cx="9905998" cy="1905000"/>
+          </a:xfrm>
+        </p:spPr>
+        <p:txBody>
+          <a:bodyPr/>
+          <a:lstStyle/>
+          <a:p>
+            <a:r>
+              <a:rPr lang="en-US" dirty="0"/>
+              <a:t>Libraries and modules used</a:t>
+            </a:r>
+          </a:p>
+        </p:txBody>
+      </p:sp>
+      <p:sp>
+        <p:nvSpPr>
+          <p:cNvPr id="3" name="Content Placeholder 2">
+            <a:extLst>
+              <a:ext uri="{FF2B5EF4-FFF2-40B4-BE49-F238E27FC236}">
+                <a16:creationId xmlns:a16="http://schemas.microsoft.com/office/drawing/2014/main" id="{20E87F95-F4F4-4624-A25D-3E0D8EA94EDA}"/>
+              </a:ext>
+            </a:extLst>
+          </p:cNvPr>
+          <p:cNvSpPr>
+            <a:spLocks noGrp="1"/>
+          </p:cNvSpPr>
+          <p:nvPr>
+            <p:ph idx="1"/>
+          </p:nvPr>
+        </p:nvSpPr>
+        <p:spPr>
+          <a:xfrm>
+            <a:off x="1141413" y="1580071"/>
+            <a:ext cx="10302964" cy="4912744"/>
+          </a:xfrm>
+        </p:spPr>
+        <p:txBody>
+          <a:bodyPr>
+            <a:normAutofit/>
+          </a:bodyPr>
+          <a:lstStyle/>
+          <a:p>
+            <a:r>
+              <a:rPr lang="en-US" sz="3200" dirty="0"/>
+              <a:t>Sci-Kit Learn </a:t>
+            </a:r>
+          </a:p>
+          <a:p>
+            <a:r>
+              <a:rPr lang="en-US" sz="3200" dirty="0" err="1"/>
+              <a:t>RandomForestRegressor</a:t>
+            </a:r>
+            <a:endParaRPr lang="en-US" sz="3200" dirty="0"/>
+          </a:p>
+          <a:p>
+            <a:r>
+              <a:rPr lang="en-US" sz="3200" dirty="0"/>
+              <a:t>Matplotlib, NumPy</a:t>
+            </a:r>
+          </a:p>
+          <a:p>
+            <a:r>
+              <a:rPr lang="en-US" sz="3200" dirty="0"/>
+              <a:t>Pandas ML</a:t>
+            </a:r>
+          </a:p>
+          <a:p>
+            <a:r>
+              <a:rPr lang="en-US" sz="3200" dirty="0"/>
+              <a:t>Tableau</a:t>
+            </a:r>
+          </a:p>
+          <a:p>
+            <a:r>
+              <a:rPr lang="en-US" sz="3200" dirty="0"/>
+              <a:t>R </a:t>
+            </a:r>
+          </a:p>
+          <a:p>
+            <a:endParaRPr lang="en-US" sz="3200" dirty="0"/>
+          </a:p>
+        </p:txBody>
+      </p:sp>
+    </p:spTree>
+    <p:extLst>
+      <p:ext uri="{BB962C8B-B14F-4D97-AF65-F5344CB8AC3E}">
+        <p14:creationId xmlns:p14="http://schemas.microsoft.com/office/powerpoint/2010/main" val="2702327115"/>
+      </p:ext>
+    </p:extLst>
+  </p:cSld>
+  <p:clrMapOvr>
+    <a:masterClrMapping/>
+  </p:clrMapOvr>
+</p:sld>
+</file>
+
+<file path=ppt/slides/slide30.xml><?xml version="1.0" encoding="utf-8"?>
+<p:sld xmlns:a="http://schemas.openxmlformats.org/drawingml/2006/main" xmlns:r="http://schemas.openxmlformats.org/officeDocument/2006/relationships" xmlns:p="http://schemas.openxmlformats.org/presentationml/2006/main">
+  <p:cSld>
+    <p:spTree>
+      <p:nvGrpSpPr>
+        <p:cNvPr id="1" name=""/>
+        <p:cNvGrpSpPr/>
+        <p:nvPr/>
+      </p:nvGrpSpPr>
+      <p:grpSpPr>
+        <a:xfrm>
+          <a:off x="0" y="0"/>
+          <a:ext cx="0" cy="0"/>
+          <a:chOff x="0" y="0"/>
+          <a:chExt cx="0" cy="0"/>
+        </a:xfrm>
+      </p:grpSpPr>
+      <p:sp>
+        <p:nvSpPr>
+          <p:cNvPr id="4" name="Title 3">
+            <a:extLst>
+              <a:ext uri="{FF2B5EF4-FFF2-40B4-BE49-F238E27FC236}">
+                <a16:creationId xmlns:a16="http://schemas.microsoft.com/office/drawing/2014/main" id="{CE204CFB-0493-441C-A437-C6062458021D}"/>
+              </a:ext>
+            </a:extLst>
+          </p:cNvPr>
+          <p:cNvSpPr>
+            <a:spLocks noGrp="1"/>
+          </p:cNvSpPr>
+          <p:nvPr>
+            <p:ph type="title"/>
+          </p:nvPr>
+        </p:nvSpPr>
+        <p:spPr>
+          <a:xfrm>
+            <a:off x="1026394" y="-345056"/>
+            <a:ext cx="9905998" cy="1905000"/>
+          </a:xfrm>
+        </p:spPr>
+        <p:txBody>
+          <a:bodyPr/>
+          <a:lstStyle/>
+          <a:p>
+            <a:r>
+              <a:rPr lang="en-US" dirty="0"/>
+              <a:t>Sensitivity, specificity, roc curve and </a:t>
+            </a:r>
+            <a:r>
+              <a:rPr lang="en-US" dirty="0" err="1"/>
+              <a:t>auc</a:t>
+            </a:r>
+            <a:endParaRPr lang="en-US" dirty="0"/>
+          </a:p>
+        </p:txBody>
+      </p:sp>
+      <p:pic>
+        <p:nvPicPr>
+          <p:cNvPr id="8" name="Content Placeholder 7">
+            <a:extLst>
+              <a:ext uri="{FF2B5EF4-FFF2-40B4-BE49-F238E27FC236}">
+                <a16:creationId xmlns:a16="http://schemas.microsoft.com/office/drawing/2014/main" id="{56CBE40D-F687-4D63-AC32-F70E8C6732A8}"/>
+              </a:ext>
+            </a:extLst>
+          </p:cNvPr>
+          <p:cNvPicPr>
+            <a:picLocks noGrp="1" noChangeAspect="1"/>
+          </p:cNvPicPr>
+          <p:nvPr>
+            <p:ph sz="half" idx="1"/>
+          </p:nvPr>
+        </p:nvPicPr>
+        <p:blipFill>
+          <a:blip r:embed="rId2"/>
+          <a:stretch>
+            <a:fillRect/>
+          </a:stretch>
+        </p:blipFill>
+        <p:spPr>
+          <a:xfrm>
+            <a:off x="339307" y="1096737"/>
+            <a:ext cx="5134638" cy="3745558"/>
+          </a:xfrm>
+        </p:spPr>
+      </p:pic>
+      <p:pic>
+        <p:nvPicPr>
+          <p:cNvPr id="10" name="Content Placeholder 9">
+            <a:extLst>
+              <a:ext uri="{FF2B5EF4-FFF2-40B4-BE49-F238E27FC236}">
+                <a16:creationId xmlns:a16="http://schemas.microsoft.com/office/drawing/2014/main" id="{F8F4464A-84A6-476D-98DA-254C2FBED857}"/>
+              </a:ext>
+            </a:extLst>
+          </p:cNvPr>
+          <p:cNvPicPr>
+            <a:picLocks noGrp="1" noChangeAspect="1"/>
+          </p:cNvPicPr>
+          <p:nvPr>
+            <p:ph sz="half" idx="2"/>
+          </p:nvPr>
+        </p:nvPicPr>
+        <p:blipFill>
+          <a:blip r:embed="rId3"/>
+          <a:stretch>
+            <a:fillRect/>
+          </a:stretch>
+        </p:blipFill>
+        <p:spPr>
+          <a:xfrm>
+            <a:off x="6096000" y="1096737"/>
+            <a:ext cx="5134639" cy="3745558"/>
+          </a:xfrm>
+        </p:spPr>
+      </p:pic>
+      <p:sp>
+        <p:nvSpPr>
+          <p:cNvPr id="11" name="TextBox 10">
+            <a:extLst>
+              <a:ext uri="{FF2B5EF4-FFF2-40B4-BE49-F238E27FC236}">
+                <a16:creationId xmlns:a16="http://schemas.microsoft.com/office/drawing/2014/main" id="{60058051-881B-48FF-B53F-1BD0994A26FC}"/>
+              </a:ext>
+            </a:extLst>
+          </p:cNvPr>
+          <p:cNvSpPr txBox="1"/>
+          <p:nvPr/>
+        </p:nvSpPr>
+        <p:spPr>
+          <a:xfrm>
+            <a:off x="4507151" y="5161098"/>
+            <a:ext cx="2944483" cy="1200329"/>
+          </a:xfrm>
+          <a:prstGeom prst="rect">
+            <a:avLst/>
+          </a:prstGeom>
+          <a:noFill/>
+        </p:spPr>
+        <p:txBody>
+          <a:bodyPr wrap="square" rtlCol="0">
+            <a:spAutoFit/>
+          </a:bodyPr>
+          <a:lstStyle/>
+          <a:p>
+            <a:r>
+              <a:rPr lang="en-US" sz="2400" dirty="0"/>
+              <a:t>Accuracy: 96.54%</a:t>
+            </a:r>
+          </a:p>
+          <a:p>
+            <a:r>
+              <a:rPr lang="en-US" sz="2400" dirty="0"/>
+              <a:t>Precision: 96.82%</a:t>
+            </a:r>
+          </a:p>
+          <a:p>
+            <a:r>
+              <a:rPr lang="en-US" sz="2400" dirty="0"/>
+              <a:t>Recall: 99.84%</a:t>
+            </a:r>
+          </a:p>
+        </p:txBody>
+      </p:sp>
+    </p:spTree>
+    <p:extLst>
+      <p:ext uri="{BB962C8B-B14F-4D97-AF65-F5344CB8AC3E}">
+        <p14:creationId xmlns:p14="http://schemas.microsoft.com/office/powerpoint/2010/main" val="2844765485"/>
+      </p:ext>
+    </p:extLst>
+  </p:cSld>
+  <p:clrMapOvr>
+    <a:masterClrMapping/>
+  </p:clrMapOvr>
+</p:sld>
+</file>
+
+<file path=ppt/slides/slide31.xml><?xml version="1.0" encoding="utf-8"?>
 <p:sld xmlns:a="http://schemas.openxmlformats.org/drawingml/2006/main" xmlns:r="http://schemas.openxmlformats.org/officeDocument/2006/relationships" xmlns:p="http://schemas.openxmlformats.org/presentationml/2006/main">
   <p:cSld>
     <p:spTree>
@@ -9093,579 +9551,6 @@
 </p:sld>
 </file>
 
-<file path=ppt/slides/slide29.xml><?xml version="1.0" encoding="utf-8"?>
-<p:sld xmlns:a="http://schemas.openxmlformats.org/drawingml/2006/main" xmlns:r="http://schemas.openxmlformats.org/officeDocument/2006/relationships" xmlns:p="http://schemas.openxmlformats.org/presentationml/2006/main">
-  <p:cSld>
-    <p:spTree>
-      <p:nvGrpSpPr>
-        <p:cNvPr id="1" name=""/>
-        <p:cNvGrpSpPr/>
-        <p:nvPr/>
-      </p:nvGrpSpPr>
-      <p:grpSpPr>
-        <a:xfrm>
-          <a:off x="0" y="0"/>
-          <a:ext cx="0" cy="0"/>
-          <a:chOff x="0" y="0"/>
-          <a:chExt cx="0" cy="0"/>
-        </a:xfrm>
-      </p:grpSpPr>
-      <p:sp>
-        <p:nvSpPr>
-          <p:cNvPr id="4" name="Title 3">
-            <a:extLst>
-              <a:ext uri="{FF2B5EF4-FFF2-40B4-BE49-F238E27FC236}">
-                <a16:creationId xmlns:a16="http://schemas.microsoft.com/office/drawing/2014/main" id="{88B45A74-BEED-4787-B4CC-8ED714BE9EEB}"/>
-              </a:ext>
-            </a:extLst>
-          </p:cNvPr>
-          <p:cNvSpPr>
-            <a:spLocks noGrp="1"/>
-          </p:cNvSpPr>
-          <p:nvPr>
-            <p:ph type="title"/>
-          </p:nvPr>
-        </p:nvSpPr>
-        <p:spPr>
-          <a:xfrm>
-            <a:off x="1751011" y="2480445"/>
-            <a:ext cx="8686800" cy="1468800"/>
-          </a:xfrm>
-        </p:spPr>
-        <p:txBody>
-          <a:bodyPr/>
-          <a:lstStyle/>
-          <a:p>
-            <a:pPr algn="ctr"/>
-            <a:r>
-              <a:rPr lang="en-US" dirty="0" err="1"/>
-              <a:t>Xg</a:t>
-            </a:r>
-            <a:r>
-              <a:rPr lang="en-US" dirty="0"/>
-              <a:t> boost</a:t>
-            </a:r>
-          </a:p>
-        </p:txBody>
-      </p:sp>
-      <p:sp>
-        <p:nvSpPr>
-          <p:cNvPr id="5" name="Text Placeholder 4">
-            <a:extLst>
-              <a:ext uri="{FF2B5EF4-FFF2-40B4-BE49-F238E27FC236}">
-                <a16:creationId xmlns:a16="http://schemas.microsoft.com/office/drawing/2014/main" id="{68020A51-56DE-493C-AC6F-D5BAD02D3DB8}"/>
-              </a:ext>
-            </a:extLst>
-          </p:cNvPr>
-          <p:cNvSpPr>
-            <a:spLocks noGrp="1"/>
-          </p:cNvSpPr>
-          <p:nvPr>
-            <p:ph type="body" idx="1"/>
-          </p:nvPr>
-        </p:nvSpPr>
-        <p:spPr/>
-        <p:txBody>
-          <a:bodyPr/>
-          <a:lstStyle/>
-          <a:p>
-            <a:endParaRPr lang="en-US"/>
-          </a:p>
-        </p:txBody>
-      </p:sp>
-    </p:spTree>
-    <p:extLst>
-      <p:ext uri="{BB962C8B-B14F-4D97-AF65-F5344CB8AC3E}">
-        <p14:creationId xmlns:p14="http://schemas.microsoft.com/office/powerpoint/2010/main" val="1942351097"/>
-      </p:ext>
-    </p:extLst>
-  </p:cSld>
-  <p:clrMapOvr>
-    <a:masterClrMapping/>
-  </p:clrMapOvr>
-</p:sld>
-</file>
-
-<file path=ppt/slides/slide3.xml><?xml version="1.0" encoding="utf-8"?>
-<p:sld xmlns:a="http://schemas.openxmlformats.org/drawingml/2006/main" xmlns:r="http://schemas.openxmlformats.org/officeDocument/2006/relationships" xmlns:p="http://schemas.openxmlformats.org/presentationml/2006/main">
-  <p:cSld>
-    <p:spTree>
-      <p:nvGrpSpPr>
-        <p:cNvPr id="1" name=""/>
-        <p:cNvGrpSpPr/>
-        <p:nvPr/>
-      </p:nvGrpSpPr>
-      <p:grpSpPr>
-        <a:xfrm>
-          <a:off x="0" y="0"/>
-          <a:ext cx="0" cy="0"/>
-          <a:chOff x="0" y="0"/>
-          <a:chExt cx="0" cy="0"/>
-        </a:xfrm>
-      </p:grpSpPr>
-      <p:sp>
-        <p:nvSpPr>
-          <p:cNvPr id="2" name="Title 1">
-            <a:extLst>
-              <a:ext uri="{FF2B5EF4-FFF2-40B4-BE49-F238E27FC236}">
-                <a16:creationId xmlns:a16="http://schemas.microsoft.com/office/drawing/2014/main" id="{2A7AD131-CE6C-4C82-A516-74178D0E2634}"/>
-              </a:ext>
-            </a:extLst>
-          </p:cNvPr>
-          <p:cNvSpPr>
-            <a:spLocks noGrp="1"/>
-          </p:cNvSpPr>
-          <p:nvPr>
-            <p:ph type="title"/>
-          </p:nvPr>
-        </p:nvSpPr>
-        <p:spPr>
-          <a:xfrm>
-            <a:off x="1141412" y="212785"/>
-            <a:ext cx="9905998" cy="1905000"/>
-          </a:xfrm>
-        </p:spPr>
-        <p:txBody>
-          <a:bodyPr/>
-          <a:lstStyle/>
-          <a:p>
-            <a:r>
-              <a:rPr lang="en-US" dirty="0"/>
-              <a:t>Can we predict the quality of a wine?</a:t>
-            </a:r>
-          </a:p>
-        </p:txBody>
-      </p:sp>
-      <p:sp>
-        <p:nvSpPr>
-          <p:cNvPr id="3" name="Content Placeholder 2">
-            <a:extLst>
-              <a:ext uri="{FF2B5EF4-FFF2-40B4-BE49-F238E27FC236}">
-                <a16:creationId xmlns:a16="http://schemas.microsoft.com/office/drawing/2014/main" id="{C676BED0-96FB-4966-A62C-62541BA4CD18}"/>
-              </a:ext>
-            </a:extLst>
-          </p:cNvPr>
-          <p:cNvSpPr>
-            <a:spLocks noGrp="1"/>
-          </p:cNvSpPr>
-          <p:nvPr>
-            <p:ph idx="1"/>
-          </p:nvPr>
-        </p:nvSpPr>
-        <p:spPr>
-          <a:xfrm>
-            <a:off x="1141412" y="1781354"/>
-            <a:ext cx="9905998" cy="3124201"/>
-          </a:xfrm>
-        </p:spPr>
-        <p:txBody>
-          <a:bodyPr/>
-          <a:lstStyle/>
-          <a:p>
-            <a:r>
-              <a:rPr lang="en-US" dirty="0"/>
-              <a:t>Publicly accessible wine data intended for research</a:t>
-            </a:r>
-          </a:p>
-          <a:p>
-            <a:r>
-              <a:rPr lang="en-US" dirty="0"/>
-              <a:t>P. Cortez, A. </a:t>
-            </a:r>
-            <a:r>
-              <a:rPr lang="en-US" dirty="0" err="1"/>
-              <a:t>Cerdeira</a:t>
-            </a:r>
-            <a:r>
-              <a:rPr lang="en-US" dirty="0"/>
-              <a:t>, F. Almeida, T. Matos and J. Reis. Modeling wine preferences by data mining from physicochemical properties. In Decision Support Systems, Elsevier, 47(4):547-553, 2009.</a:t>
-            </a:r>
-          </a:p>
-        </p:txBody>
-      </p:sp>
-    </p:spTree>
-    <p:extLst>
-      <p:ext uri="{BB962C8B-B14F-4D97-AF65-F5344CB8AC3E}">
-        <p14:creationId xmlns:p14="http://schemas.microsoft.com/office/powerpoint/2010/main" val="3767602593"/>
-      </p:ext>
-    </p:extLst>
-  </p:cSld>
-  <p:clrMapOvr>
-    <a:masterClrMapping/>
-  </p:clrMapOvr>
-</p:sld>
-</file>
-
-<file path=ppt/slides/slide30.xml><?xml version="1.0" encoding="utf-8"?>
-<p:sld xmlns:a="http://schemas.openxmlformats.org/drawingml/2006/main" xmlns:r="http://schemas.openxmlformats.org/officeDocument/2006/relationships" xmlns:p="http://schemas.openxmlformats.org/presentationml/2006/main">
-  <p:cSld>
-    <p:spTree>
-      <p:nvGrpSpPr>
-        <p:cNvPr id="1" name=""/>
-        <p:cNvGrpSpPr/>
-        <p:nvPr/>
-      </p:nvGrpSpPr>
-      <p:grpSpPr>
-        <a:xfrm>
-          <a:off x="0" y="0"/>
-          <a:ext cx="0" cy="0"/>
-          <a:chOff x="0" y="0"/>
-          <a:chExt cx="0" cy="0"/>
-        </a:xfrm>
-      </p:grpSpPr>
-      <p:sp>
-        <p:nvSpPr>
-          <p:cNvPr id="2" name="Title 1">
-            <a:extLst>
-              <a:ext uri="{FF2B5EF4-FFF2-40B4-BE49-F238E27FC236}">
-                <a16:creationId xmlns:a16="http://schemas.microsoft.com/office/drawing/2014/main" id="{6955D7D8-6AA8-4644-9876-85EBC9DC53F6}"/>
-              </a:ext>
-            </a:extLst>
-          </p:cNvPr>
-          <p:cNvSpPr>
-            <a:spLocks noGrp="1"/>
-          </p:cNvSpPr>
-          <p:nvPr>
-            <p:ph type="title"/>
-          </p:nvPr>
-        </p:nvSpPr>
-        <p:spPr>
-          <a:xfrm>
-            <a:off x="-84257" y="-48165"/>
-            <a:ext cx="3335628" cy="1905000"/>
-          </a:xfrm>
-        </p:spPr>
-        <p:txBody>
-          <a:bodyPr/>
-          <a:lstStyle/>
-          <a:p>
-            <a:r>
-              <a:rPr lang="en-US" dirty="0"/>
-              <a:t>Code and measurements</a:t>
-            </a:r>
-          </a:p>
-        </p:txBody>
-      </p:sp>
-      <p:sp>
-        <p:nvSpPr>
-          <p:cNvPr id="4" name="Content Placeholder 3">
-            <a:extLst>
-              <a:ext uri="{FF2B5EF4-FFF2-40B4-BE49-F238E27FC236}">
-                <a16:creationId xmlns:a16="http://schemas.microsoft.com/office/drawing/2014/main" id="{DE47F88E-0C68-45CD-B55D-005A58294741}"/>
-              </a:ext>
-            </a:extLst>
-          </p:cNvPr>
-          <p:cNvSpPr>
-            <a:spLocks noGrp="1"/>
-          </p:cNvSpPr>
-          <p:nvPr>
-            <p:ph idx="1"/>
-          </p:nvPr>
-        </p:nvSpPr>
-        <p:spPr/>
-        <p:txBody>
-          <a:bodyPr/>
-          <a:lstStyle/>
-          <a:p>
-            <a:endParaRPr lang="en-US" dirty="0"/>
-          </a:p>
-        </p:txBody>
-      </p:sp>
-      <p:pic>
-        <p:nvPicPr>
-          <p:cNvPr id="5" name="Picture 4"/>
-          <p:cNvPicPr>
-            <a:picLocks noChangeAspect="1"/>
-          </p:cNvPicPr>
-          <p:nvPr/>
-        </p:nvPicPr>
-        <p:blipFill>
-          <a:blip r:embed="rId2"/>
-          <a:stretch>
-            <a:fillRect/>
-          </a:stretch>
-        </p:blipFill>
-        <p:spPr>
-          <a:xfrm>
-            <a:off x="6476044" y="0"/>
-            <a:ext cx="5715956" cy="2475091"/>
-          </a:xfrm>
-          <a:prstGeom prst="rect">
-            <a:avLst/>
-          </a:prstGeom>
-        </p:spPr>
-      </p:pic>
-      <p:pic>
-        <p:nvPicPr>
-          <p:cNvPr id="6" name="Picture 5"/>
-          <p:cNvPicPr>
-            <a:picLocks noChangeAspect="1"/>
-          </p:cNvPicPr>
-          <p:nvPr/>
-        </p:nvPicPr>
-        <p:blipFill rotWithShape="1">
-          <a:blip r:embed="rId3"/>
-          <a:srcRect t="17542" b="11332"/>
-          <a:stretch/>
-        </p:blipFill>
-        <p:spPr>
-          <a:xfrm>
-            <a:off x="3113719" y="477656"/>
-            <a:ext cx="3362325" cy="1300767"/>
-          </a:xfrm>
-          <a:prstGeom prst="rect">
-            <a:avLst/>
-          </a:prstGeom>
-        </p:spPr>
-      </p:pic>
-      <p:pic>
-        <p:nvPicPr>
-          <p:cNvPr id="7" name="Picture 6"/>
-          <p:cNvPicPr>
-            <a:picLocks noChangeAspect="1"/>
-          </p:cNvPicPr>
-          <p:nvPr/>
-        </p:nvPicPr>
-        <p:blipFill>
-          <a:blip r:embed="rId4"/>
-          <a:stretch>
-            <a:fillRect/>
-          </a:stretch>
-        </p:blipFill>
-        <p:spPr>
-          <a:xfrm>
-            <a:off x="1" y="2475090"/>
-            <a:ext cx="7375318" cy="3024189"/>
-          </a:xfrm>
-          <a:prstGeom prst="rect">
-            <a:avLst/>
-          </a:prstGeom>
-        </p:spPr>
-      </p:pic>
-      <p:pic>
-        <p:nvPicPr>
-          <p:cNvPr id="8" name="Picture 7"/>
-          <p:cNvPicPr>
-            <a:picLocks noChangeAspect="1"/>
-          </p:cNvPicPr>
-          <p:nvPr/>
-        </p:nvPicPr>
-        <p:blipFill>
-          <a:blip r:embed="rId5"/>
-          <a:stretch>
-            <a:fillRect/>
-          </a:stretch>
-        </p:blipFill>
-        <p:spPr>
-          <a:xfrm>
-            <a:off x="7888316" y="2490178"/>
-            <a:ext cx="4035363" cy="4367822"/>
-          </a:xfrm>
-          <a:prstGeom prst="rect">
-            <a:avLst/>
-          </a:prstGeom>
-        </p:spPr>
-      </p:pic>
-      <p:pic>
-        <p:nvPicPr>
-          <p:cNvPr id="9" name="Picture 8"/>
-          <p:cNvPicPr>
-            <a:picLocks noChangeAspect="1"/>
-          </p:cNvPicPr>
-          <p:nvPr/>
-        </p:nvPicPr>
-        <p:blipFill rotWithShape="1">
-          <a:blip r:embed="rId6"/>
-          <a:srcRect b="36399"/>
-          <a:stretch/>
-        </p:blipFill>
-        <p:spPr>
-          <a:xfrm>
-            <a:off x="0" y="1778424"/>
-            <a:ext cx="3990975" cy="696665"/>
-          </a:xfrm>
-          <a:prstGeom prst="rect">
-            <a:avLst/>
-          </a:prstGeom>
-        </p:spPr>
-      </p:pic>
-      <p:pic>
-        <p:nvPicPr>
-          <p:cNvPr id="10" name="Picture 9"/>
-          <p:cNvPicPr>
-            <a:picLocks noChangeAspect="1"/>
-          </p:cNvPicPr>
-          <p:nvPr/>
-        </p:nvPicPr>
-        <p:blipFill>
-          <a:blip r:embed="rId7"/>
-          <a:stretch>
-            <a:fillRect/>
-          </a:stretch>
-        </p:blipFill>
-        <p:spPr>
-          <a:xfrm>
-            <a:off x="1650656" y="5495925"/>
-            <a:ext cx="3848100" cy="1362075"/>
-          </a:xfrm>
-          <a:prstGeom prst="rect">
-            <a:avLst/>
-          </a:prstGeom>
-        </p:spPr>
-      </p:pic>
-    </p:spTree>
-    <p:extLst>
-      <p:ext uri="{BB962C8B-B14F-4D97-AF65-F5344CB8AC3E}">
-        <p14:creationId xmlns:p14="http://schemas.microsoft.com/office/powerpoint/2010/main" val="339742157"/>
-      </p:ext>
-    </p:extLst>
-  </p:cSld>
-  <p:clrMapOvr>
-    <a:masterClrMapping/>
-  </p:clrMapOvr>
-</p:sld>
-</file>
-
-<file path=ppt/slides/slide31.xml><?xml version="1.0" encoding="utf-8"?>
-<p:sld xmlns:a="http://schemas.openxmlformats.org/drawingml/2006/main" xmlns:r="http://schemas.openxmlformats.org/officeDocument/2006/relationships" xmlns:p="http://schemas.openxmlformats.org/presentationml/2006/main">
-  <p:cSld>
-    <p:spTree>
-      <p:nvGrpSpPr>
-        <p:cNvPr id="1" name=""/>
-        <p:cNvGrpSpPr/>
-        <p:nvPr/>
-      </p:nvGrpSpPr>
-      <p:grpSpPr>
-        <a:xfrm>
-          <a:off x="0" y="0"/>
-          <a:ext cx="0" cy="0"/>
-          <a:chOff x="0" y="0"/>
-          <a:chExt cx="0" cy="0"/>
-        </a:xfrm>
-      </p:grpSpPr>
-      <p:sp>
-        <p:nvSpPr>
-          <p:cNvPr id="2" name="Title 1"/>
-          <p:cNvSpPr>
-            <a:spLocks noGrp="1"/>
-          </p:cNvSpPr>
-          <p:nvPr>
-            <p:ph type="title"/>
-          </p:nvPr>
-        </p:nvSpPr>
-        <p:spPr/>
-        <p:txBody>
-          <a:bodyPr/>
-          <a:lstStyle/>
-          <a:p>
-            <a:endParaRPr lang="en-US"/>
-          </a:p>
-        </p:txBody>
-      </p:sp>
-      <p:sp>
-        <p:nvSpPr>
-          <p:cNvPr id="3" name="Content Placeholder 2"/>
-          <p:cNvSpPr>
-            <a:spLocks noGrp="1"/>
-          </p:cNvSpPr>
-          <p:nvPr>
-            <p:ph idx="1"/>
-          </p:nvPr>
-        </p:nvSpPr>
-        <p:spPr/>
-        <p:txBody>
-          <a:bodyPr/>
-          <a:lstStyle/>
-          <a:p>
-            <a:endParaRPr lang="en-US"/>
-          </a:p>
-        </p:txBody>
-      </p:sp>
-      <p:pic>
-        <p:nvPicPr>
-          <p:cNvPr id="4" name="Picture 3"/>
-          <p:cNvPicPr>
-            <a:picLocks noChangeAspect="1"/>
-          </p:cNvPicPr>
-          <p:nvPr/>
-        </p:nvPicPr>
-        <p:blipFill>
-          <a:blip r:embed="rId2"/>
-          <a:stretch>
-            <a:fillRect/>
-          </a:stretch>
-        </p:blipFill>
-        <p:spPr>
-          <a:xfrm>
-            <a:off x="334851" y="609600"/>
-            <a:ext cx="5887922" cy="5791200"/>
-          </a:xfrm>
-          <a:prstGeom prst="rect">
-            <a:avLst/>
-          </a:prstGeom>
-        </p:spPr>
-      </p:pic>
-      <p:pic>
-        <p:nvPicPr>
-          <p:cNvPr id="5" name="Picture 4"/>
-          <p:cNvPicPr>
-            <a:picLocks noChangeAspect="1"/>
-          </p:cNvPicPr>
-          <p:nvPr/>
-        </p:nvPicPr>
-        <p:blipFill>
-          <a:blip r:embed="rId3"/>
-          <a:stretch>
-            <a:fillRect/>
-          </a:stretch>
-        </p:blipFill>
-        <p:spPr>
-          <a:xfrm>
-            <a:off x="6626054" y="609600"/>
-            <a:ext cx="806562" cy="6101817"/>
-          </a:xfrm>
-          <a:prstGeom prst="rect">
-            <a:avLst/>
-          </a:prstGeom>
-        </p:spPr>
-      </p:pic>
-      <p:pic>
-        <p:nvPicPr>
-          <p:cNvPr id="6" name="Picture 5"/>
-          <p:cNvPicPr>
-            <a:picLocks noChangeAspect="1"/>
-          </p:cNvPicPr>
-          <p:nvPr/>
-        </p:nvPicPr>
-        <p:blipFill>
-          <a:blip r:embed="rId4"/>
-          <a:stretch>
-            <a:fillRect/>
-          </a:stretch>
-        </p:blipFill>
-        <p:spPr>
-          <a:xfrm>
-            <a:off x="7855089" y="609600"/>
-            <a:ext cx="2306342" cy="6091108"/>
-          </a:xfrm>
-          <a:prstGeom prst="rect">
-            <a:avLst/>
-          </a:prstGeom>
-        </p:spPr>
-      </p:pic>
-    </p:spTree>
-    <p:extLst>
-      <p:ext uri="{BB962C8B-B14F-4D97-AF65-F5344CB8AC3E}">
-        <p14:creationId xmlns:p14="http://schemas.microsoft.com/office/powerpoint/2010/main" val="790373584"/>
-      </p:ext>
-    </p:extLst>
-  </p:cSld>
-  <p:clrMapOvr>
-    <a:masterClrMapping/>
-  </p:clrMapOvr>
-</p:sld>
-</file>
-
 <file path=ppt/slides/slide32.xml><?xml version="1.0" encoding="utf-8"?>
 <p:sld xmlns:a="http://schemas.openxmlformats.org/drawingml/2006/main" xmlns:r="http://schemas.openxmlformats.org/officeDocument/2006/relationships" xmlns:p="http://schemas.openxmlformats.org/presentationml/2006/main">
   <p:cSld>
@@ -9685,7 +9570,13 @@
       </p:grpSpPr>
       <p:sp>
         <p:nvSpPr>
-          <p:cNvPr id="2" name="Title 1"/>
+          <p:cNvPr id="4" name="Title 3">
+            <a:extLst>
+              <a:ext uri="{FF2B5EF4-FFF2-40B4-BE49-F238E27FC236}">
+                <a16:creationId xmlns:a16="http://schemas.microsoft.com/office/drawing/2014/main" id="{88B45A74-BEED-4787-B4CC-8ED714BE9EEB}"/>
+              </a:ext>
+            </a:extLst>
+          </p:cNvPr>
           <p:cNvSpPr>
             <a:spLocks noGrp="1"/>
           </p:cNvSpPr>
@@ -9693,6 +9584,44 @@
             <p:ph type="title"/>
           </p:nvPr>
         </p:nvSpPr>
+        <p:spPr>
+          <a:xfrm>
+            <a:off x="1751011" y="2480445"/>
+            <a:ext cx="8686800" cy="1468800"/>
+          </a:xfrm>
+        </p:spPr>
+        <p:txBody>
+          <a:bodyPr/>
+          <a:lstStyle/>
+          <a:p>
+            <a:pPr algn="ctr"/>
+            <a:r>
+              <a:rPr lang="en-US" dirty="0" err="1"/>
+              <a:t>Xg</a:t>
+            </a:r>
+            <a:r>
+              <a:rPr lang="en-US" dirty="0"/>
+              <a:t> boost</a:t>
+            </a:r>
+          </a:p>
+        </p:txBody>
+      </p:sp>
+      <p:sp>
+        <p:nvSpPr>
+          <p:cNvPr id="5" name="Text Placeholder 4">
+            <a:extLst>
+              <a:ext uri="{FF2B5EF4-FFF2-40B4-BE49-F238E27FC236}">
+                <a16:creationId xmlns:a16="http://schemas.microsoft.com/office/drawing/2014/main" id="{68020A51-56DE-493C-AC6F-D5BAD02D3DB8}"/>
+              </a:ext>
+            </a:extLst>
+          </p:cNvPr>
+          <p:cNvSpPr>
+            <a:spLocks noGrp="1"/>
+          </p:cNvSpPr>
+          <p:nvPr>
+            <p:ph type="body" idx="1"/>
+          </p:nvPr>
+        </p:nvSpPr>
         <p:spPr/>
         <p:txBody>
           <a:bodyPr/>
@@ -9702,149 +9631,10 @@
           </a:p>
         </p:txBody>
       </p:sp>
-      <p:sp>
-        <p:nvSpPr>
-          <p:cNvPr id="3" name="Content Placeholder 2"/>
-          <p:cNvSpPr>
-            <a:spLocks noGrp="1"/>
-          </p:cNvSpPr>
-          <p:nvPr>
-            <p:ph idx="1"/>
-          </p:nvPr>
-        </p:nvSpPr>
-        <p:spPr/>
-        <p:txBody>
-          <a:bodyPr/>
-          <a:lstStyle/>
-          <a:p>
-            <a:endParaRPr lang="en-US" dirty="0"/>
-          </a:p>
-        </p:txBody>
-      </p:sp>
-      <p:pic>
-        <p:nvPicPr>
-          <p:cNvPr id="4" name="Picture 3"/>
-          <p:cNvPicPr>
-            <a:picLocks noChangeAspect="1"/>
-          </p:cNvPicPr>
-          <p:nvPr/>
-        </p:nvPicPr>
-        <p:blipFill>
-          <a:blip r:embed="rId2"/>
-          <a:stretch>
-            <a:fillRect/>
-          </a:stretch>
-        </p:blipFill>
-        <p:spPr>
-          <a:xfrm>
-            <a:off x="345398" y="609600"/>
-            <a:ext cx="2647950" cy="4933950"/>
-          </a:xfrm>
-          <a:prstGeom prst="rect">
-            <a:avLst/>
-          </a:prstGeom>
-        </p:spPr>
-      </p:pic>
-      <p:pic>
-        <p:nvPicPr>
-          <p:cNvPr id="5" name="Picture 4"/>
-          <p:cNvPicPr>
-            <a:picLocks noChangeAspect="1"/>
-          </p:cNvPicPr>
-          <p:nvPr/>
-        </p:nvPicPr>
-        <p:blipFill>
-          <a:blip r:embed="rId3"/>
-          <a:stretch>
-            <a:fillRect/>
-          </a:stretch>
-        </p:blipFill>
-        <p:spPr>
-          <a:xfrm>
-            <a:off x="2993348" y="609600"/>
-            <a:ext cx="1857375" cy="4810125"/>
-          </a:xfrm>
-          <a:prstGeom prst="rect">
-            <a:avLst/>
-          </a:prstGeom>
-        </p:spPr>
-      </p:pic>
-      <p:pic>
-        <p:nvPicPr>
-          <p:cNvPr id="6" name="Picture 5"/>
-          <p:cNvPicPr>
-            <a:picLocks noChangeAspect="1"/>
-          </p:cNvPicPr>
-          <p:nvPr/>
-        </p:nvPicPr>
-        <p:blipFill>
-          <a:blip r:embed="rId4"/>
-          <a:stretch>
-            <a:fillRect/>
-          </a:stretch>
-        </p:blipFill>
-        <p:spPr>
-          <a:xfrm>
-            <a:off x="4850723" y="609600"/>
-            <a:ext cx="6196688" cy="4323008"/>
-          </a:xfrm>
-          <a:prstGeom prst="rect">
-            <a:avLst/>
-          </a:prstGeom>
-        </p:spPr>
-      </p:pic>
-      <p:pic>
-        <p:nvPicPr>
-          <p:cNvPr id="8" name="Picture 7"/>
-          <p:cNvPicPr>
-            <a:picLocks noChangeAspect="1"/>
-          </p:cNvPicPr>
-          <p:nvPr/>
-        </p:nvPicPr>
-        <p:blipFill>
-          <a:blip r:embed="rId5"/>
-          <a:stretch>
-            <a:fillRect/>
-          </a:stretch>
-        </p:blipFill>
-        <p:spPr>
-          <a:xfrm>
-            <a:off x="9032652" y="1464574"/>
-            <a:ext cx="1309084" cy="5393426"/>
-          </a:xfrm>
-          <a:prstGeom prst="rect">
-            <a:avLst/>
-          </a:prstGeom>
-        </p:spPr>
-      </p:pic>
-      <p:pic>
-        <p:nvPicPr>
-          <p:cNvPr id="9" name="Picture 8"/>
-          <p:cNvPicPr>
-            <a:picLocks noChangeAspect="1"/>
-          </p:cNvPicPr>
-          <p:nvPr/>
-        </p:nvPicPr>
-        <p:blipFill>
-          <a:blip r:embed="rId6"/>
-          <a:stretch>
-            <a:fillRect/>
-          </a:stretch>
-        </p:blipFill>
-        <p:spPr>
-          <a:xfrm>
-            <a:off x="7800975" y="4720782"/>
-            <a:ext cx="4391025" cy="2133600"/>
-          </a:xfrm>
-          <a:prstGeom prst="rect">
-            <a:avLst/>
-          </a:prstGeom>
-        </p:spPr>
-      </p:pic>
     </p:spTree>
     <p:extLst>
       <p:ext uri="{BB962C8B-B14F-4D97-AF65-F5344CB8AC3E}">
-        <p14:creationId xmlns:p14="http://schemas.microsoft.com/office/powerpoint/2010/main" val="3859239612"/>
+        <p14:creationId xmlns:p14="http://schemas.microsoft.com/office/powerpoint/2010/main" val="1942351097"/>
       </p:ext>
     </p:extLst>
   </p:cSld>
@@ -9876,7 +9666,7 @@
           <p:cNvPr id="2" name="Title 1">
             <a:extLst>
               <a:ext uri="{FF2B5EF4-FFF2-40B4-BE49-F238E27FC236}">
-                <a16:creationId xmlns:a16="http://schemas.microsoft.com/office/drawing/2014/main" id="{53DB9E70-7534-465E-BAF8-A321263C1561}"/>
+                <a16:creationId xmlns:a16="http://schemas.microsoft.com/office/drawing/2014/main" id="{6955D7D8-6AA8-4644-9876-85EBC9DC53F6}"/>
               </a:ext>
             </a:extLst>
           </p:cNvPr>
@@ -9889,8 +9679,8 @@
         </p:nvSpPr>
         <p:spPr>
           <a:xfrm>
-            <a:off x="1065213" y="155276"/>
-            <a:ext cx="9905998" cy="1905000"/>
+            <a:off x="-84257" y="-48165"/>
+            <a:ext cx="3335628" cy="1905000"/>
           </a:xfrm>
         </p:spPr>
         <p:txBody>
@@ -9899,17 +9689,17 @@
           <a:p>
             <a:r>
               <a:rPr lang="en-US" dirty="0"/>
-              <a:t>analysis</a:t>
-            </a:r>
-          </a:p>
-        </p:txBody>
-      </p:sp>
-      <p:sp>
-        <p:nvSpPr>
-          <p:cNvPr id="3" name="Content Placeholder 2">
+              <a:t>Code and measurements</a:t>
+            </a:r>
+          </a:p>
+        </p:txBody>
+      </p:sp>
+      <p:sp>
+        <p:nvSpPr>
+          <p:cNvPr id="4" name="Content Placeholder 3">
             <a:extLst>
               <a:ext uri="{FF2B5EF4-FFF2-40B4-BE49-F238E27FC236}">
-                <a16:creationId xmlns:a16="http://schemas.microsoft.com/office/drawing/2014/main" id="{36BDD74D-3CFC-4224-A745-A2E733DAF6F5}"/>
+                <a16:creationId xmlns:a16="http://schemas.microsoft.com/office/drawing/2014/main" id="{DE47F88E-0C68-45CD-B55D-005A58294741}"/>
               </a:ext>
             </a:extLst>
           </p:cNvPr>
@@ -9917,15 +9707,10 @@
             <a:spLocks noGrp="1"/>
           </p:cNvSpPr>
           <p:nvPr>
-            <p:ph sz="half" idx="1"/>
-          </p:nvPr>
-        </p:nvSpPr>
-        <p:spPr>
-          <a:xfrm>
-            <a:off x="537563" y="1765539"/>
-            <a:ext cx="5480648" cy="3511041"/>
-          </a:xfrm>
-        </p:spPr>
+            <p:ph idx="1"/>
+          </p:nvPr>
+        </p:nvSpPr>
+        <p:spPr/>
         <p:txBody>
           <a:bodyPr/>
           <a:lstStyle/>
@@ -9934,40 +9719,152 @@
           </a:p>
         </p:txBody>
       </p:sp>
-      <p:sp>
-        <p:nvSpPr>
-          <p:cNvPr id="6" name="Content Placeholder 5">
-            <a:extLst>
-              <a:ext uri="{FF2B5EF4-FFF2-40B4-BE49-F238E27FC236}">
-                <a16:creationId xmlns:a16="http://schemas.microsoft.com/office/drawing/2014/main" id="{75E123FD-088F-4DC7-8CAF-79B91E16E623}"/>
-              </a:ext>
-            </a:extLst>
-          </p:cNvPr>
-          <p:cNvSpPr>
-            <a:spLocks noGrp="1"/>
-          </p:cNvSpPr>
-          <p:nvPr>
-            <p:ph sz="half" idx="2"/>
-          </p:nvPr>
-        </p:nvSpPr>
-        <p:spPr>
-          <a:xfrm>
-            <a:off x="6249986" y="1765538"/>
-            <a:ext cx="5332413" cy="3511041"/>
-          </a:xfrm>
-        </p:spPr>
-        <p:txBody>
-          <a:bodyPr/>
-          <a:lstStyle/>
-          <a:p>
-            <a:endParaRPr lang="en-US"/>
-          </a:p>
-        </p:txBody>
-      </p:sp>
+      <p:pic>
+        <p:nvPicPr>
+          <p:cNvPr id="5" name="Picture 4"/>
+          <p:cNvPicPr>
+            <a:picLocks noChangeAspect="1"/>
+          </p:cNvPicPr>
+          <p:nvPr/>
+        </p:nvPicPr>
+        <p:blipFill>
+          <a:blip r:embed="rId2"/>
+          <a:stretch>
+            <a:fillRect/>
+          </a:stretch>
+        </p:blipFill>
+        <p:spPr>
+          <a:xfrm>
+            <a:off x="6476044" y="0"/>
+            <a:ext cx="5715956" cy="2475091"/>
+          </a:xfrm>
+          <a:prstGeom prst="rect">
+            <a:avLst/>
+          </a:prstGeom>
+        </p:spPr>
+      </p:pic>
+      <p:pic>
+        <p:nvPicPr>
+          <p:cNvPr id="6" name="Picture 5"/>
+          <p:cNvPicPr>
+            <a:picLocks noChangeAspect="1"/>
+          </p:cNvPicPr>
+          <p:nvPr/>
+        </p:nvPicPr>
+        <p:blipFill rotWithShape="1">
+          <a:blip r:embed="rId3"/>
+          <a:srcRect t="17542" b="11332"/>
+          <a:stretch/>
+        </p:blipFill>
+        <p:spPr>
+          <a:xfrm>
+            <a:off x="3113719" y="477656"/>
+            <a:ext cx="3362325" cy="1300767"/>
+          </a:xfrm>
+          <a:prstGeom prst="rect">
+            <a:avLst/>
+          </a:prstGeom>
+        </p:spPr>
+      </p:pic>
+      <p:pic>
+        <p:nvPicPr>
+          <p:cNvPr id="7" name="Picture 6"/>
+          <p:cNvPicPr>
+            <a:picLocks noChangeAspect="1"/>
+          </p:cNvPicPr>
+          <p:nvPr/>
+        </p:nvPicPr>
+        <p:blipFill>
+          <a:blip r:embed="rId4"/>
+          <a:stretch>
+            <a:fillRect/>
+          </a:stretch>
+        </p:blipFill>
+        <p:spPr>
+          <a:xfrm>
+            <a:off x="1" y="2475090"/>
+            <a:ext cx="7375318" cy="3024189"/>
+          </a:xfrm>
+          <a:prstGeom prst="rect">
+            <a:avLst/>
+          </a:prstGeom>
+        </p:spPr>
+      </p:pic>
+      <p:pic>
+        <p:nvPicPr>
+          <p:cNvPr id="8" name="Picture 7"/>
+          <p:cNvPicPr>
+            <a:picLocks noChangeAspect="1"/>
+          </p:cNvPicPr>
+          <p:nvPr/>
+        </p:nvPicPr>
+        <p:blipFill>
+          <a:blip r:embed="rId5"/>
+          <a:stretch>
+            <a:fillRect/>
+          </a:stretch>
+        </p:blipFill>
+        <p:spPr>
+          <a:xfrm>
+            <a:off x="7888316" y="2490178"/>
+            <a:ext cx="4035363" cy="4367822"/>
+          </a:xfrm>
+          <a:prstGeom prst="rect">
+            <a:avLst/>
+          </a:prstGeom>
+        </p:spPr>
+      </p:pic>
+      <p:pic>
+        <p:nvPicPr>
+          <p:cNvPr id="9" name="Picture 8"/>
+          <p:cNvPicPr>
+            <a:picLocks noChangeAspect="1"/>
+          </p:cNvPicPr>
+          <p:nvPr/>
+        </p:nvPicPr>
+        <p:blipFill rotWithShape="1">
+          <a:blip r:embed="rId6"/>
+          <a:srcRect b="36399"/>
+          <a:stretch/>
+        </p:blipFill>
+        <p:spPr>
+          <a:xfrm>
+            <a:off x="0" y="1778424"/>
+            <a:ext cx="3990975" cy="696665"/>
+          </a:xfrm>
+          <a:prstGeom prst="rect">
+            <a:avLst/>
+          </a:prstGeom>
+        </p:spPr>
+      </p:pic>
+      <p:pic>
+        <p:nvPicPr>
+          <p:cNvPr id="10" name="Picture 9"/>
+          <p:cNvPicPr>
+            <a:picLocks noChangeAspect="1"/>
+          </p:cNvPicPr>
+          <p:nvPr/>
+        </p:nvPicPr>
+        <p:blipFill>
+          <a:blip r:embed="rId7"/>
+          <a:stretch>
+            <a:fillRect/>
+          </a:stretch>
+        </p:blipFill>
+        <p:spPr>
+          <a:xfrm>
+            <a:off x="1650656" y="5495925"/>
+            <a:ext cx="3848100" cy="1362075"/>
+          </a:xfrm>
+          <a:prstGeom prst="rect">
+            <a:avLst/>
+          </a:prstGeom>
+        </p:spPr>
+      </p:pic>
     </p:spTree>
     <p:extLst>
       <p:ext uri="{BB962C8B-B14F-4D97-AF65-F5344CB8AC3E}">
-        <p14:creationId xmlns:p14="http://schemas.microsoft.com/office/powerpoint/2010/main" val="334078948"/>
+        <p14:creationId xmlns:p14="http://schemas.microsoft.com/office/powerpoint/2010/main" val="339742157"/>
       </p:ext>
     </p:extLst>
   </p:cSld>
@@ -9996,13 +9893,7 @@
       </p:grpSpPr>
       <p:sp>
         <p:nvSpPr>
-          <p:cNvPr id="2" name="Title 1">
-            <a:extLst>
-              <a:ext uri="{FF2B5EF4-FFF2-40B4-BE49-F238E27FC236}">
-                <a16:creationId xmlns:a16="http://schemas.microsoft.com/office/drawing/2014/main" id="{DAA213CC-C427-4417-8F80-E0B46335AD5F}"/>
-              </a:ext>
-            </a:extLst>
-          </p:cNvPr>
+          <p:cNvPr id="2" name="Title 1"/>
           <p:cNvSpPr>
             <a:spLocks noGrp="1"/>
           </p:cNvSpPr>
@@ -10015,22 +9906,13 @@
           <a:bodyPr/>
           <a:lstStyle/>
           <a:p>
-            <a:r>
-              <a:rPr lang="en-US" dirty="0"/>
-              <a:t>conclusions</a:t>
-            </a:r>
-          </a:p>
-        </p:txBody>
-      </p:sp>
-      <p:sp>
-        <p:nvSpPr>
-          <p:cNvPr id="3" name="Content Placeholder 2">
-            <a:extLst>
-              <a:ext uri="{FF2B5EF4-FFF2-40B4-BE49-F238E27FC236}">
-                <a16:creationId xmlns:a16="http://schemas.microsoft.com/office/drawing/2014/main" id="{D23834F6-9ACB-4818-89E9-2FA462FD4197}"/>
-              </a:ext>
-            </a:extLst>
-          </p:cNvPr>
+            <a:endParaRPr lang="en-US"/>
+          </a:p>
+        </p:txBody>
+      </p:sp>
+      <p:sp>
+        <p:nvSpPr>
+          <p:cNvPr id="3" name="Content Placeholder 2"/>
           <p:cNvSpPr>
             <a:spLocks noGrp="1"/>
           </p:cNvSpPr>
@@ -10043,38 +9925,86 @@
           <a:bodyPr/>
           <a:lstStyle/>
           <a:p>
-            <a:pPr marL="0" indent="0">
-              <a:buNone/>
-            </a:pPr>
-            <a:r>
-              <a:rPr lang="en-US" dirty="0"/>
-              <a:t> * Discuss your findings. Did you find what you expected to find? If not, why not? What inferences or general conclusions can you draw from your analysis?</a:t>
-            </a:r>
-          </a:p>
-          <a:p>
-            <a:pPr marL="0" indent="0">
-              <a:buNone/>
-            </a:pPr>
-            <a:r>
-              <a:rPr lang="en-US" dirty="0"/>
-              <a:t> * Summarize your conclusions. This should include a numerical summary (i.e., what data did your analysis yield), as well as visualizations of that summary (plots of the final analysis data)</a:t>
-            </a:r>
-          </a:p>
-          <a:p>
-            <a:pPr marL="0" indent="0">
-              <a:buNone/>
-            </a:pPr>
-            <a:r>
-              <a:rPr lang="en-US" dirty="0"/>
-              <a:t>  * Discuss the implications of your findings. This is where you get to have an open-ended discussion about what your findings mean</a:t>
-            </a:r>
-          </a:p>
-        </p:txBody>
-      </p:sp>
+            <a:endParaRPr lang="en-US"/>
+          </a:p>
+        </p:txBody>
+      </p:sp>
+      <p:pic>
+        <p:nvPicPr>
+          <p:cNvPr id="4" name="Picture 3"/>
+          <p:cNvPicPr>
+            <a:picLocks noChangeAspect="1"/>
+          </p:cNvPicPr>
+          <p:nvPr/>
+        </p:nvPicPr>
+        <p:blipFill>
+          <a:blip r:embed="rId2"/>
+          <a:stretch>
+            <a:fillRect/>
+          </a:stretch>
+        </p:blipFill>
+        <p:spPr>
+          <a:xfrm>
+            <a:off x="334851" y="609600"/>
+            <a:ext cx="5887922" cy="5791200"/>
+          </a:xfrm>
+          <a:prstGeom prst="rect">
+            <a:avLst/>
+          </a:prstGeom>
+        </p:spPr>
+      </p:pic>
+      <p:pic>
+        <p:nvPicPr>
+          <p:cNvPr id="5" name="Picture 4"/>
+          <p:cNvPicPr>
+            <a:picLocks noChangeAspect="1"/>
+          </p:cNvPicPr>
+          <p:nvPr/>
+        </p:nvPicPr>
+        <p:blipFill>
+          <a:blip r:embed="rId3"/>
+          <a:stretch>
+            <a:fillRect/>
+          </a:stretch>
+        </p:blipFill>
+        <p:spPr>
+          <a:xfrm>
+            <a:off x="6626054" y="609600"/>
+            <a:ext cx="806562" cy="6101817"/>
+          </a:xfrm>
+          <a:prstGeom prst="rect">
+            <a:avLst/>
+          </a:prstGeom>
+        </p:spPr>
+      </p:pic>
+      <p:pic>
+        <p:nvPicPr>
+          <p:cNvPr id="6" name="Picture 5"/>
+          <p:cNvPicPr>
+            <a:picLocks noChangeAspect="1"/>
+          </p:cNvPicPr>
+          <p:nvPr/>
+        </p:nvPicPr>
+        <p:blipFill>
+          <a:blip r:embed="rId4"/>
+          <a:stretch>
+            <a:fillRect/>
+          </a:stretch>
+        </p:blipFill>
+        <p:spPr>
+          <a:xfrm>
+            <a:off x="7855089" y="609600"/>
+            <a:ext cx="2306342" cy="6091108"/>
+          </a:xfrm>
+          <a:prstGeom prst="rect">
+            <a:avLst/>
+          </a:prstGeom>
+        </p:spPr>
+      </p:pic>
     </p:spTree>
     <p:extLst>
       <p:ext uri="{BB962C8B-B14F-4D97-AF65-F5344CB8AC3E}">
-        <p14:creationId xmlns:p14="http://schemas.microsoft.com/office/powerpoint/2010/main" val="3207153130"/>
+        <p14:creationId xmlns:p14="http://schemas.microsoft.com/office/powerpoint/2010/main" val="790373584"/>
       </p:ext>
     </p:extLst>
   </p:cSld>
@@ -10103,13 +10033,7 @@
       </p:grpSpPr>
       <p:sp>
         <p:nvSpPr>
-          <p:cNvPr id="2" name="Title 1">
-            <a:extLst>
-              <a:ext uri="{FF2B5EF4-FFF2-40B4-BE49-F238E27FC236}">
-                <a16:creationId xmlns:a16="http://schemas.microsoft.com/office/drawing/2014/main" id="{9909CA8B-FD86-4403-AC3F-E14605585D95}"/>
-              </a:ext>
-            </a:extLst>
-          </p:cNvPr>
+          <p:cNvPr id="2" name="Title 1"/>
           <p:cNvSpPr>
             <a:spLocks noGrp="1"/>
           </p:cNvSpPr>
@@ -10122,22 +10046,13 @@
           <a:bodyPr/>
           <a:lstStyle/>
           <a:p>
-            <a:r>
-              <a:rPr lang="en-US" dirty="0"/>
-              <a:t>Post mortem</a:t>
-            </a:r>
-          </a:p>
-        </p:txBody>
-      </p:sp>
-      <p:sp>
-        <p:nvSpPr>
-          <p:cNvPr id="3" name="Content Placeholder 2">
-            <a:extLst>
-              <a:ext uri="{FF2B5EF4-FFF2-40B4-BE49-F238E27FC236}">
-                <a16:creationId xmlns:a16="http://schemas.microsoft.com/office/drawing/2014/main" id="{5C3944AE-E16B-4120-A5DC-92EC2F828716}"/>
-              </a:ext>
-            </a:extLst>
-          </p:cNvPr>
+            <a:endParaRPr lang="en-US"/>
+          </a:p>
+        </p:txBody>
+      </p:sp>
+      <p:sp>
+        <p:nvSpPr>
+          <p:cNvPr id="3" name="Content Placeholder 2"/>
           <p:cNvSpPr>
             <a:spLocks noGrp="1"/>
           </p:cNvSpPr>
@@ -10150,29 +10065,134 @@
           <a:bodyPr/>
           <a:lstStyle/>
           <a:p>
-            <a:pPr marL="0" indent="0">
-              <a:buNone/>
-            </a:pPr>
-            <a:r>
-              <a:rPr lang="en-US" dirty="0"/>
-              <a:t>  * Discuss any difficulties that arose, and how you dealt with them</a:t>
-            </a:r>
-          </a:p>
-          <a:p>
-            <a:pPr marL="0" indent="0">
-              <a:buNone/>
-            </a:pPr>
-            <a:r>
-              <a:rPr lang="en-US" dirty="0"/>
-              <a:t>  * Discuss any additional questions that came up, but which you didn't have time to answer: What would you research next, if you had two more weeks?</a:t>
-            </a:r>
-          </a:p>
-        </p:txBody>
-      </p:sp>
+            <a:endParaRPr lang="en-US" dirty="0"/>
+          </a:p>
+        </p:txBody>
+      </p:sp>
+      <p:pic>
+        <p:nvPicPr>
+          <p:cNvPr id="4" name="Picture 3"/>
+          <p:cNvPicPr>
+            <a:picLocks noChangeAspect="1"/>
+          </p:cNvPicPr>
+          <p:nvPr/>
+        </p:nvPicPr>
+        <p:blipFill>
+          <a:blip r:embed="rId2"/>
+          <a:stretch>
+            <a:fillRect/>
+          </a:stretch>
+        </p:blipFill>
+        <p:spPr>
+          <a:xfrm>
+            <a:off x="345398" y="609600"/>
+            <a:ext cx="2647950" cy="4933950"/>
+          </a:xfrm>
+          <a:prstGeom prst="rect">
+            <a:avLst/>
+          </a:prstGeom>
+        </p:spPr>
+      </p:pic>
+      <p:pic>
+        <p:nvPicPr>
+          <p:cNvPr id="5" name="Picture 4"/>
+          <p:cNvPicPr>
+            <a:picLocks noChangeAspect="1"/>
+          </p:cNvPicPr>
+          <p:nvPr/>
+        </p:nvPicPr>
+        <p:blipFill>
+          <a:blip r:embed="rId3"/>
+          <a:stretch>
+            <a:fillRect/>
+          </a:stretch>
+        </p:blipFill>
+        <p:spPr>
+          <a:xfrm>
+            <a:off x="2993348" y="609600"/>
+            <a:ext cx="1857375" cy="4810125"/>
+          </a:xfrm>
+          <a:prstGeom prst="rect">
+            <a:avLst/>
+          </a:prstGeom>
+        </p:spPr>
+      </p:pic>
+      <p:pic>
+        <p:nvPicPr>
+          <p:cNvPr id="6" name="Picture 5"/>
+          <p:cNvPicPr>
+            <a:picLocks noChangeAspect="1"/>
+          </p:cNvPicPr>
+          <p:nvPr/>
+        </p:nvPicPr>
+        <p:blipFill>
+          <a:blip r:embed="rId4"/>
+          <a:stretch>
+            <a:fillRect/>
+          </a:stretch>
+        </p:blipFill>
+        <p:spPr>
+          <a:xfrm>
+            <a:off x="4850723" y="609600"/>
+            <a:ext cx="6196688" cy="4323008"/>
+          </a:xfrm>
+          <a:prstGeom prst="rect">
+            <a:avLst/>
+          </a:prstGeom>
+        </p:spPr>
+      </p:pic>
+      <p:pic>
+        <p:nvPicPr>
+          <p:cNvPr id="8" name="Picture 7"/>
+          <p:cNvPicPr>
+            <a:picLocks noChangeAspect="1"/>
+          </p:cNvPicPr>
+          <p:nvPr/>
+        </p:nvPicPr>
+        <p:blipFill>
+          <a:blip r:embed="rId5"/>
+          <a:stretch>
+            <a:fillRect/>
+          </a:stretch>
+        </p:blipFill>
+        <p:spPr>
+          <a:xfrm>
+            <a:off x="9032652" y="1464574"/>
+            <a:ext cx="1309084" cy="5393426"/>
+          </a:xfrm>
+          <a:prstGeom prst="rect">
+            <a:avLst/>
+          </a:prstGeom>
+        </p:spPr>
+      </p:pic>
+      <p:pic>
+        <p:nvPicPr>
+          <p:cNvPr id="9" name="Picture 8"/>
+          <p:cNvPicPr>
+            <a:picLocks noChangeAspect="1"/>
+          </p:cNvPicPr>
+          <p:nvPr/>
+        </p:nvPicPr>
+        <p:blipFill>
+          <a:blip r:embed="rId6"/>
+          <a:stretch>
+            <a:fillRect/>
+          </a:stretch>
+        </p:blipFill>
+        <p:spPr>
+          <a:xfrm>
+            <a:off x="7800975" y="4720782"/>
+            <a:ext cx="4391025" cy="2133600"/>
+          </a:xfrm>
+          <a:prstGeom prst="rect">
+            <a:avLst/>
+          </a:prstGeom>
+        </p:spPr>
+      </p:pic>
     </p:spTree>
     <p:extLst>
       <p:ext uri="{BB962C8B-B14F-4D97-AF65-F5344CB8AC3E}">
-        <p14:creationId xmlns:p14="http://schemas.microsoft.com/office/powerpoint/2010/main" val="780749395"/>
+        <p14:creationId xmlns:p14="http://schemas.microsoft.com/office/powerpoint/2010/main" val="3859239612"/>
       </p:ext>
     </p:extLst>
   </p:cSld>
@@ -10204,6 +10224,129 @@
           <p:cNvPr id="2" name="Title 1">
             <a:extLst>
               <a:ext uri="{FF2B5EF4-FFF2-40B4-BE49-F238E27FC236}">
+                <a16:creationId xmlns:a16="http://schemas.microsoft.com/office/drawing/2014/main" id="{53DB9E70-7534-465E-BAF8-A321263C1561}"/>
+              </a:ext>
+            </a:extLst>
+          </p:cNvPr>
+          <p:cNvSpPr>
+            <a:spLocks noGrp="1"/>
+          </p:cNvSpPr>
+          <p:nvPr>
+            <p:ph type="title"/>
+          </p:nvPr>
+        </p:nvSpPr>
+        <p:spPr>
+          <a:xfrm>
+            <a:off x="1065213" y="155276"/>
+            <a:ext cx="9905998" cy="1905000"/>
+          </a:xfrm>
+        </p:spPr>
+        <p:txBody>
+          <a:bodyPr/>
+          <a:lstStyle/>
+          <a:p>
+            <a:r>
+              <a:rPr lang="en-US" dirty="0"/>
+              <a:t>analysis</a:t>
+            </a:r>
+          </a:p>
+        </p:txBody>
+      </p:sp>
+      <p:sp>
+        <p:nvSpPr>
+          <p:cNvPr id="3" name="Content Placeholder 2">
+            <a:extLst>
+              <a:ext uri="{FF2B5EF4-FFF2-40B4-BE49-F238E27FC236}">
+                <a16:creationId xmlns:a16="http://schemas.microsoft.com/office/drawing/2014/main" id="{36BDD74D-3CFC-4224-A745-A2E733DAF6F5}"/>
+              </a:ext>
+            </a:extLst>
+          </p:cNvPr>
+          <p:cNvSpPr>
+            <a:spLocks noGrp="1"/>
+          </p:cNvSpPr>
+          <p:nvPr>
+            <p:ph sz="half" idx="1"/>
+          </p:nvPr>
+        </p:nvSpPr>
+        <p:spPr>
+          <a:xfrm>
+            <a:off x="537563" y="1765539"/>
+            <a:ext cx="5480648" cy="3511041"/>
+          </a:xfrm>
+        </p:spPr>
+        <p:txBody>
+          <a:bodyPr/>
+          <a:lstStyle/>
+          <a:p>
+            <a:endParaRPr lang="en-US" dirty="0"/>
+          </a:p>
+        </p:txBody>
+      </p:sp>
+      <p:sp>
+        <p:nvSpPr>
+          <p:cNvPr id="6" name="Content Placeholder 5">
+            <a:extLst>
+              <a:ext uri="{FF2B5EF4-FFF2-40B4-BE49-F238E27FC236}">
+                <a16:creationId xmlns:a16="http://schemas.microsoft.com/office/drawing/2014/main" id="{75E123FD-088F-4DC7-8CAF-79B91E16E623}"/>
+              </a:ext>
+            </a:extLst>
+          </p:cNvPr>
+          <p:cNvSpPr>
+            <a:spLocks noGrp="1"/>
+          </p:cNvSpPr>
+          <p:nvPr>
+            <p:ph sz="half" idx="2"/>
+          </p:nvPr>
+        </p:nvSpPr>
+        <p:spPr>
+          <a:xfrm>
+            <a:off x="6249986" y="1765538"/>
+            <a:ext cx="5332413" cy="3511041"/>
+          </a:xfrm>
+        </p:spPr>
+        <p:txBody>
+          <a:bodyPr/>
+          <a:lstStyle/>
+          <a:p>
+            <a:endParaRPr lang="en-US"/>
+          </a:p>
+        </p:txBody>
+      </p:sp>
+    </p:spTree>
+    <p:extLst>
+      <p:ext uri="{BB962C8B-B14F-4D97-AF65-F5344CB8AC3E}">
+        <p14:creationId xmlns:p14="http://schemas.microsoft.com/office/powerpoint/2010/main" val="334078948"/>
+      </p:ext>
+    </p:extLst>
+  </p:cSld>
+  <p:clrMapOvr>
+    <a:masterClrMapping/>
+  </p:clrMapOvr>
+</p:sld>
+</file>
+
+<file path=ppt/slides/slide37.xml><?xml version="1.0" encoding="utf-8"?>
+<p:sld xmlns:a="http://schemas.openxmlformats.org/drawingml/2006/main" xmlns:r="http://schemas.openxmlformats.org/officeDocument/2006/relationships" xmlns:p="http://schemas.openxmlformats.org/presentationml/2006/main">
+  <p:cSld>
+    <p:spTree>
+      <p:nvGrpSpPr>
+        <p:cNvPr id="1" name=""/>
+        <p:cNvGrpSpPr/>
+        <p:nvPr/>
+      </p:nvGrpSpPr>
+      <p:grpSpPr>
+        <a:xfrm>
+          <a:off x="0" y="0"/>
+          <a:ext cx="0" cy="0"/>
+          <a:chOff x="0" y="0"/>
+          <a:chExt cx="0" cy="0"/>
+        </a:xfrm>
+      </p:grpSpPr>
+      <p:sp>
+        <p:nvSpPr>
+          <p:cNvPr id="2" name="Title 1">
+            <a:extLst>
+              <a:ext uri="{FF2B5EF4-FFF2-40B4-BE49-F238E27FC236}">
                 <a16:creationId xmlns:a16="http://schemas.microsoft.com/office/drawing/2014/main" id="{2A6CD02B-86D6-47D5-BA00-E22882D92169}"/>
               </a:ext>
             </a:extLst>
@@ -10228,7 +10371,7 @@
             <a:pPr algn="ctr"/>
             <a:r>
               <a:rPr lang="en-US" dirty="0"/>
-              <a:t>Any questions?</a:t>
+              <a:t>Conclusions</a:t>
             </a:r>
           </a:p>
         </p:txBody>
@@ -10266,7 +10409,693 @@
     </p:spTree>
     <p:extLst>
       <p:ext uri="{BB962C8B-B14F-4D97-AF65-F5344CB8AC3E}">
-        <p14:creationId xmlns:p14="http://schemas.microsoft.com/office/powerpoint/2010/main" val="3191634475"/>
+        <p14:creationId xmlns:p14="http://schemas.microsoft.com/office/powerpoint/2010/main" val="2457721436"/>
+      </p:ext>
+    </p:extLst>
+  </p:cSld>
+  <p:clrMapOvr>
+    <a:masterClrMapping/>
+  </p:clrMapOvr>
+</p:sld>
+</file>
+
+<file path=ppt/slides/slide38.xml><?xml version="1.0" encoding="utf-8"?>
+<p:sld xmlns:a="http://schemas.openxmlformats.org/drawingml/2006/main" xmlns:r="http://schemas.openxmlformats.org/officeDocument/2006/relationships" xmlns:p="http://schemas.openxmlformats.org/presentationml/2006/main">
+  <p:cSld>
+    <p:spTree>
+      <p:nvGrpSpPr>
+        <p:cNvPr id="1" name=""/>
+        <p:cNvGrpSpPr/>
+        <p:nvPr/>
+      </p:nvGrpSpPr>
+      <p:grpSpPr>
+        <a:xfrm>
+          <a:off x="0" y="0"/>
+          <a:ext cx="0" cy="0"/>
+          <a:chOff x="0" y="0"/>
+          <a:chExt cx="0" cy="0"/>
+        </a:xfrm>
+      </p:grpSpPr>
+      <p:sp>
+        <p:nvSpPr>
+          <p:cNvPr id="2" name="Title 1">
+            <a:extLst>
+              <a:ext uri="{FF2B5EF4-FFF2-40B4-BE49-F238E27FC236}">
+                <a16:creationId xmlns:a16="http://schemas.microsoft.com/office/drawing/2014/main" id="{DAA213CC-C427-4417-8F80-E0B46335AD5F}"/>
+              </a:ext>
+            </a:extLst>
+          </p:cNvPr>
+          <p:cNvSpPr>
+            <a:spLocks noGrp="1"/>
+          </p:cNvSpPr>
+          <p:nvPr>
+            <p:ph type="title"/>
+          </p:nvPr>
+        </p:nvSpPr>
+        <p:spPr>
+          <a:xfrm>
+            <a:off x="719827" y="0"/>
+            <a:ext cx="9905998" cy="1905000"/>
+          </a:xfrm>
+        </p:spPr>
+        <p:txBody>
+          <a:bodyPr/>
+          <a:lstStyle/>
+          <a:p>
+            <a:r>
+              <a:rPr lang="en-US" dirty="0"/>
+              <a:t>How do the models compare?</a:t>
+            </a:r>
+          </a:p>
+        </p:txBody>
+      </p:sp>
+      <p:graphicFrame>
+        <p:nvGraphicFramePr>
+          <p:cNvPr id="9" name="Table 8">
+            <a:extLst>
+              <a:ext uri="{FF2B5EF4-FFF2-40B4-BE49-F238E27FC236}">
+                <a16:creationId xmlns:a16="http://schemas.microsoft.com/office/drawing/2014/main" id="{52A42AB9-95DB-4E61-A28B-4082E6D23772}"/>
+              </a:ext>
+            </a:extLst>
+          </p:cNvPr>
+          <p:cNvGraphicFramePr>
+            <a:graphicFrameLocks noGrp="1"/>
+          </p:cNvGraphicFramePr>
+          <p:nvPr>
+            <p:extLst>
+              <p:ext uri="{D42A27DB-BD31-4B8C-83A1-F6EECF244321}">
+                <p14:modId xmlns:p14="http://schemas.microsoft.com/office/powerpoint/2010/main" val="2193594380"/>
+              </p:ext>
+            </p:extLst>
+          </p:nvPr>
+        </p:nvGraphicFramePr>
+        <p:xfrm>
+          <a:off x="799382" y="1594086"/>
+          <a:ext cx="7073661" cy="3980380"/>
+        </p:xfrm>
+        <a:graphic>
+          <a:graphicData uri="http://schemas.openxmlformats.org/drawingml/2006/table">
+            <a:tbl>
+              <a:tblPr firstRow="1" bandRow="1">
+                <a:tableStyleId>{5C22544A-7EE6-4342-B048-85BDC9FD1C3A}</a:tableStyleId>
+              </a:tblPr>
+              <a:tblGrid>
+                <a:gridCol w="2931157">
+                  <a:extLst>
+                    <a:ext uri="{9D8B030D-6E8A-4147-A177-3AD203B41FA5}">
+                      <a16:colId xmlns:a16="http://schemas.microsoft.com/office/drawing/2014/main" val="1481261009"/>
+                    </a:ext>
+                  </a:extLst>
+                </a:gridCol>
+                <a:gridCol w="1421585">
+                  <a:extLst>
+                    <a:ext uri="{9D8B030D-6E8A-4147-A177-3AD203B41FA5}">
+                      <a16:colId xmlns:a16="http://schemas.microsoft.com/office/drawing/2014/main" val="927767966"/>
+                    </a:ext>
+                  </a:extLst>
+                </a:gridCol>
+                <a:gridCol w="1409704">
+                  <a:extLst>
+                    <a:ext uri="{9D8B030D-6E8A-4147-A177-3AD203B41FA5}">
+                      <a16:colId xmlns:a16="http://schemas.microsoft.com/office/drawing/2014/main" val="2416418490"/>
+                    </a:ext>
+                  </a:extLst>
+                </a:gridCol>
+                <a:gridCol w="1311215">
+                  <a:extLst>
+                    <a:ext uri="{9D8B030D-6E8A-4147-A177-3AD203B41FA5}">
+                      <a16:colId xmlns:a16="http://schemas.microsoft.com/office/drawing/2014/main" val="3278178417"/>
+                    </a:ext>
+                  </a:extLst>
+                </a:gridCol>
+              </a:tblGrid>
+              <a:tr h="506083">
+                <a:tc>
+                  <a:txBody>
+                    <a:bodyPr/>
+                    <a:lstStyle/>
+                    <a:p>
+                      <a:pPr algn="ctr"/>
+                      <a:r>
+                        <a:rPr lang="en-US" dirty="0"/>
+                        <a:t>Model</a:t>
+                      </a:r>
+                    </a:p>
+                  </a:txBody>
+                  <a:tcPr/>
+                </a:tc>
+                <a:tc>
+                  <a:txBody>
+                    <a:bodyPr/>
+                    <a:lstStyle/>
+                    <a:p>
+                      <a:pPr algn="ctr"/>
+                      <a:r>
+                        <a:rPr lang="en-US" dirty="0"/>
+                        <a:t>Accuracy</a:t>
+                      </a:r>
+                    </a:p>
+                  </a:txBody>
+                  <a:tcPr/>
+                </a:tc>
+                <a:tc>
+                  <a:txBody>
+                    <a:bodyPr/>
+                    <a:lstStyle/>
+                    <a:p>
+                      <a:pPr algn="ctr"/>
+                      <a:r>
+                        <a:rPr lang="en-US" dirty="0"/>
+                        <a:t>Precision</a:t>
+                      </a:r>
+                    </a:p>
+                  </a:txBody>
+                  <a:tcPr/>
+                </a:tc>
+                <a:tc>
+                  <a:txBody>
+                    <a:bodyPr/>
+                    <a:lstStyle/>
+                    <a:p>
+                      <a:pPr algn="ctr"/>
+                      <a:r>
+                        <a:rPr lang="en-US" dirty="0"/>
+                        <a:t>Recall</a:t>
+                      </a:r>
+                    </a:p>
+                  </a:txBody>
+                  <a:tcPr/>
+                </a:tc>
+                <a:extLst>
+                  <a:ext uri="{0D108BD9-81ED-4DB2-BD59-A6C34878D82A}">
+                    <a16:rowId xmlns:a16="http://schemas.microsoft.com/office/drawing/2014/main" val="2062025529"/>
+                  </a:ext>
+                </a:extLst>
+              </a:tr>
+              <a:tr h="840690">
+                <a:tc>
+                  <a:txBody>
+                    <a:bodyPr/>
+                    <a:lstStyle/>
+                    <a:p>
+                      <a:pPr algn="ctr"/>
+                      <a:r>
+                        <a:rPr lang="en-US" sz="2100" dirty="0"/>
+                        <a:t>Source Vector Classification (SVC)</a:t>
+                      </a:r>
+                    </a:p>
+                  </a:txBody>
+                  <a:tcPr marL="108558" marR="108558" marT="54279" marB="54279"/>
+                </a:tc>
+                <a:tc>
+                  <a:txBody>
+                    <a:bodyPr/>
+                    <a:lstStyle/>
+                    <a:p>
+                      <a:pPr marL="0" marR="0" lvl="0" indent="0" algn="ctr" defTabSz="457200" rtl="0" eaLnBrk="1" fontAlgn="auto" latinLnBrk="0" hangingPunct="1">
+                        <a:lnSpc>
+                          <a:spcPct val="100000"/>
+                        </a:lnSpc>
+                        <a:spcBef>
+                          <a:spcPts val="0"/>
+                        </a:spcBef>
+                        <a:spcAft>
+                          <a:spcPts val="0"/>
+                        </a:spcAft>
+                        <a:buClrTx/>
+                        <a:buSzTx/>
+                        <a:buFontTx/>
+                        <a:buNone/>
+                        <a:tabLst/>
+                        <a:defRPr/>
+                      </a:pPr>
+                      <a:r>
+                        <a:rPr lang="en-US" sz="2100" dirty="0"/>
+                        <a:t>57.589%</a:t>
+                      </a:r>
+                    </a:p>
+                  </a:txBody>
+                  <a:tcPr marL="108558" marR="108558" marT="54279" marB="54279"/>
+                </a:tc>
+                <a:tc>
+                  <a:txBody>
+                    <a:bodyPr/>
+                    <a:lstStyle/>
+                    <a:p>
+                      <a:pPr algn="ctr"/>
+                      <a:r>
+                        <a:rPr lang="en-US" dirty="0"/>
+                        <a:t>86%</a:t>
+                      </a:r>
+                    </a:p>
+                  </a:txBody>
+                  <a:tcPr/>
+                </a:tc>
+                <a:tc>
+                  <a:txBody>
+                    <a:bodyPr/>
+                    <a:lstStyle/>
+                    <a:p>
+                      <a:pPr algn="ctr"/>
+                      <a:r>
+                        <a:rPr lang="en-US" dirty="0"/>
+                        <a:t>83%</a:t>
+                      </a:r>
+                    </a:p>
+                  </a:txBody>
+                  <a:tcPr/>
+                </a:tc>
+                <a:extLst>
+                  <a:ext uri="{0D108BD9-81ED-4DB2-BD59-A6C34878D82A}">
+                    <a16:rowId xmlns:a16="http://schemas.microsoft.com/office/drawing/2014/main" val="1016119630"/>
+                  </a:ext>
+                </a:extLst>
+              </a:tr>
+              <a:tr h="528034">
+                <a:tc>
+                  <a:txBody>
+                    <a:bodyPr/>
+                    <a:lstStyle/>
+                    <a:p>
+                      <a:pPr algn="ctr"/>
+                      <a:r>
+                        <a:rPr lang="en-US" sz="2100" dirty="0"/>
+                        <a:t>Random Forest</a:t>
+                      </a:r>
+                    </a:p>
+                  </a:txBody>
+                  <a:tcPr marL="108558" marR="108558" marT="54279" marB="54279"/>
+                </a:tc>
+                <a:tc>
+                  <a:txBody>
+                    <a:bodyPr/>
+                    <a:lstStyle/>
+                    <a:p>
+                      <a:pPr marL="0" marR="0" lvl="0" indent="0" algn="ctr" defTabSz="457200" rtl="0" eaLnBrk="1" fontAlgn="auto" latinLnBrk="0" hangingPunct="1">
+                        <a:lnSpc>
+                          <a:spcPct val="100000"/>
+                        </a:lnSpc>
+                        <a:spcBef>
+                          <a:spcPts val="0"/>
+                        </a:spcBef>
+                        <a:spcAft>
+                          <a:spcPts val="0"/>
+                        </a:spcAft>
+                        <a:buClrTx/>
+                        <a:buSzTx/>
+                        <a:buFontTx/>
+                        <a:buNone/>
+                        <a:tabLst/>
+                        <a:defRPr/>
+                      </a:pPr>
+                      <a:r>
+                        <a:rPr lang="en-US" sz="2100" dirty="0"/>
+                        <a:t>69.025%</a:t>
+                      </a:r>
+                    </a:p>
+                  </a:txBody>
+                  <a:tcPr marL="108558" marR="108558" marT="54279" marB="54279"/>
+                </a:tc>
+                <a:tc>
+                  <a:txBody>
+                    <a:bodyPr/>
+                    <a:lstStyle/>
+                    <a:p>
+                      <a:pPr algn="ctr"/>
+                      <a:endParaRPr lang="en-US" dirty="0"/>
+                    </a:p>
+                  </a:txBody>
+                  <a:tcPr/>
+                </a:tc>
+                <a:tc>
+                  <a:txBody>
+                    <a:bodyPr/>
+                    <a:lstStyle/>
+                    <a:p>
+                      <a:pPr algn="ctr"/>
+                      <a:endParaRPr lang="en-US"/>
+                    </a:p>
+                  </a:txBody>
+                  <a:tcPr/>
+                </a:tc>
+                <a:extLst>
+                  <a:ext uri="{0D108BD9-81ED-4DB2-BD59-A6C34878D82A}">
+                    <a16:rowId xmlns:a16="http://schemas.microsoft.com/office/drawing/2014/main" val="162782999"/>
+                  </a:ext>
+                </a:extLst>
+              </a:tr>
+              <a:tr h="840690">
+                <a:tc>
+                  <a:txBody>
+                    <a:bodyPr/>
+                    <a:lstStyle/>
+                    <a:p>
+                      <a:pPr algn="ctr"/>
+                      <a:r>
+                        <a:rPr lang="en-US" sz="2100" dirty="0"/>
+                        <a:t>K-Nearest Neighbor (KNN)</a:t>
+                      </a:r>
+                    </a:p>
+                  </a:txBody>
+                  <a:tcPr marL="108558" marR="108558" marT="54279" marB="54279"/>
+                </a:tc>
+                <a:tc>
+                  <a:txBody>
+                    <a:bodyPr/>
+                    <a:lstStyle/>
+                    <a:p>
+                      <a:pPr marL="0" marR="0" lvl="0" indent="0" algn="ctr" defTabSz="457200" rtl="0" eaLnBrk="1" fontAlgn="auto" latinLnBrk="0" hangingPunct="1">
+                        <a:lnSpc>
+                          <a:spcPct val="100000"/>
+                        </a:lnSpc>
+                        <a:spcBef>
+                          <a:spcPts val="0"/>
+                        </a:spcBef>
+                        <a:spcAft>
+                          <a:spcPts val="0"/>
+                        </a:spcAft>
+                        <a:buClrTx/>
+                        <a:buSzTx/>
+                        <a:buFontTx/>
+                        <a:buNone/>
+                        <a:tabLst/>
+                        <a:defRPr/>
+                      </a:pPr>
+                      <a:r>
+                        <a:rPr lang="en-US" sz="2100" dirty="0"/>
+                        <a:t>54.97%</a:t>
+                      </a:r>
+                    </a:p>
+                  </a:txBody>
+                  <a:tcPr marL="108558" marR="108558" marT="54279" marB="54279"/>
+                </a:tc>
+                <a:tc>
+                  <a:txBody>
+                    <a:bodyPr/>
+                    <a:lstStyle/>
+                    <a:p>
+                      <a:pPr algn="ctr"/>
+                      <a:endParaRPr lang="en-US" dirty="0"/>
+                    </a:p>
+                  </a:txBody>
+                  <a:tcPr/>
+                </a:tc>
+                <a:tc>
+                  <a:txBody>
+                    <a:bodyPr/>
+                    <a:lstStyle/>
+                    <a:p>
+                      <a:pPr algn="ctr"/>
+                      <a:endParaRPr lang="en-US"/>
+                    </a:p>
+                  </a:txBody>
+                  <a:tcPr/>
+                </a:tc>
+                <a:extLst>
+                  <a:ext uri="{0D108BD9-81ED-4DB2-BD59-A6C34878D82A}">
+                    <a16:rowId xmlns:a16="http://schemas.microsoft.com/office/drawing/2014/main" val="2403577801"/>
+                  </a:ext>
+                </a:extLst>
+              </a:tr>
+              <a:tr h="470525">
+                <a:tc>
+                  <a:txBody>
+                    <a:bodyPr/>
+                    <a:lstStyle/>
+                    <a:p>
+                      <a:pPr algn="ctr"/>
+                      <a:r>
+                        <a:rPr lang="en-US" sz="2100" dirty="0"/>
+                        <a:t>Logistic Regression</a:t>
+                      </a:r>
+                    </a:p>
+                  </a:txBody>
+                  <a:tcPr marL="108558" marR="108558" marT="54279" marB="54279"/>
+                </a:tc>
+                <a:tc>
+                  <a:txBody>
+                    <a:bodyPr/>
+                    <a:lstStyle/>
+                    <a:p>
+                      <a:pPr algn="ctr"/>
+                      <a:r>
+                        <a:rPr lang="en-US" sz="2100" dirty="0"/>
+                        <a:t>96.54%</a:t>
+                      </a:r>
+                    </a:p>
+                  </a:txBody>
+                  <a:tcPr marL="108558" marR="108558" marT="54279" marB="54279"/>
+                </a:tc>
+                <a:tc>
+                  <a:txBody>
+                    <a:bodyPr/>
+                    <a:lstStyle/>
+                    <a:p>
+                      <a:pPr algn="ctr"/>
+                      <a:r>
+                        <a:rPr lang="en-US" dirty="0"/>
+                        <a:t>96.82%</a:t>
+                      </a:r>
+                    </a:p>
+                  </a:txBody>
+                  <a:tcPr/>
+                </a:tc>
+                <a:tc>
+                  <a:txBody>
+                    <a:bodyPr/>
+                    <a:lstStyle/>
+                    <a:p>
+                      <a:pPr algn="ctr"/>
+                      <a:r>
+                        <a:rPr lang="en-US" dirty="0"/>
+                        <a:t>99.84%</a:t>
+                      </a:r>
+                    </a:p>
+                  </a:txBody>
+                  <a:tcPr/>
+                </a:tc>
+                <a:extLst>
+                  <a:ext uri="{0D108BD9-81ED-4DB2-BD59-A6C34878D82A}">
+                    <a16:rowId xmlns:a16="http://schemas.microsoft.com/office/drawing/2014/main" val="519235728"/>
+                  </a:ext>
+                </a:extLst>
+              </a:tr>
+              <a:tr h="391557">
+                <a:tc>
+                  <a:txBody>
+                    <a:bodyPr/>
+                    <a:lstStyle/>
+                    <a:p>
+                      <a:pPr algn="ctr"/>
+                      <a:r>
+                        <a:rPr lang="en-US" sz="2100" dirty="0"/>
+                        <a:t>Neural Network</a:t>
+                      </a:r>
+                    </a:p>
+                  </a:txBody>
+                  <a:tcPr marL="108558" marR="108558" marT="54279" marB="54279"/>
+                </a:tc>
+                <a:tc>
+                  <a:txBody>
+                    <a:bodyPr/>
+                    <a:lstStyle/>
+                    <a:p>
+                      <a:pPr algn="ctr"/>
+                      <a:endParaRPr lang="en-US" dirty="0"/>
+                    </a:p>
+                  </a:txBody>
+                  <a:tcPr/>
+                </a:tc>
+                <a:tc>
+                  <a:txBody>
+                    <a:bodyPr/>
+                    <a:lstStyle/>
+                    <a:p>
+                      <a:pPr algn="ctr"/>
+                      <a:endParaRPr lang="en-US" dirty="0"/>
+                    </a:p>
+                  </a:txBody>
+                  <a:tcPr/>
+                </a:tc>
+                <a:tc>
+                  <a:txBody>
+                    <a:bodyPr/>
+                    <a:lstStyle/>
+                    <a:p>
+                      <a:pPr algn="ctr"/>
+                      <a:endParaRPr lang="en-US"/>
+                    </a:p>
+                  </a:txBody>
+                  <a:tcPr/>
+                </a:tc>
+                <a:extLst>
+                  <a:ext uri="{0D108BD9-81ED-4DB2-BD59-A6C34878D82A}">
+                    <a16:rowId xmlns:a16="http://schemas.microsoft.com/office/drawing/2014/main" val="1394902998"/>
+                  </a:ext>
+                </a:extLst>
+              </a:tr>
+              <a:tr h="334149">
+                <a:tc>
+                  <a:txBody>
+                    <a:bodyPr/>
+                    <a:lstStyle/>
+                    <a:p>
+                      <a:pPr algn="ctr"/>
+                      <a:r>
+                        <a:rPr lang="en-US" sz="1800" dirty="0"/>
+                        <a:t>XG Boost</a:t>
+                      </a:r>
+                    </a:p>
+                  </a:txBody>
+                  <a:tcPr/>
+                </a:tc>
+                <a:tc>
+                  <a:txBody>
+                    <a:bodyPr/>
+                    <a:lstStyle/>
+                    <a:p>
+                      <a:pPr algn="ctr"/>
+                      <a:endParaRPr lang="en-US" dirty="0"/>
+                    </a:p>
+                  </a:txBody>
+                  <a:tcPr/>
+                </a:tc>
+                <a:tc>
+                  <a:txBody>
+                    <a:bodyPr/>
+                    <a:lstStyle/>
+                    <a:p>
+                      <a:pPr algn="ctr"/>
+                      <a:endParaRPr lang="en-US"/>
+                    </a:p>
+                  </a:txBody>
+                  <a:tcPr/>
+                </a:tc>
+                <a:tc>
+                  <a:txBody>
+                    <a:bodyPr/>
+                    <a:lstStyle/>
+                    <a:p>
+                      <a:pPr algn="ctr"/>
+                      <a:endParaRPr lang="en-US" dirty="0"/>
+                    </a:p>
+                  </a:txBody>
+                  <a:tcPr/>
+                </a:tc>
+                <a:extLst>
+                  <a:ext uri="{0D108BD9-81ED-4DB2-BD59-A6C34878D82A}">
+                    <a16:rowId xmlns:a16="http://schemas.microsoft.com/office/drawing/2014/main" val="1896095866"/>
+                  </a:ext>
+                </a:extLst>
+              </a:tr>
+            </a:tbl>
+          </a:graphicData>
+        </a:graphic>
+      </p:graphicFrame>
+    </p:spTree>
+    <p:extLst>
+      <p:ext uri="{BB962C8B-B14F-4D97-AF65-F5344CB8AC3E}">
+        <p14:creationId xmlns:p14="http://schemas.microsoft.com/office/powerpoint/2010/main" val="3207153130"/>
+      </p:ext>
+    </p:extLst>
+  </p:cSld>
+  <p:clrMapOvr>
+    <a:masterClrMapping/>
+  </p:clrMapOvr>
+</p:sld>
+</file>
+
+<file path=ppt/slides/slide39.xml><?xml version="1.0" encoding="utf-8"?>
+<p:sld xmlns:a="http://schemas.openxmlformats.org/drawingml/2006/main" xmlns:r="http://schemas.openxmlformats.org/officeDocument/2006/relationships" xmlns:p="http://schemas.openxmlformats.org/presentationml/2006/main">
+  <p:cSld>
+    <p:spTree>
+      <p:nvGrpSpPr>
+        <p:cNvPr id="1" name=""/>
+        <p:cNvGrpSpPr/>
+        <p:nvPr/>
+      </p:nvGrpSpPr>
+      <p:grpSpPr>
+        <a:xfrm>
+          <a:off x="0" y="0"/>
+          <a:ext cx="0" cy="0"/>
+          <a:chOff x="0" y="0"/>
+          <a:chExt cx="0" cy="0"/>
+        </a:xfrm>
+      </p:grpSpPr>
+      <p:sp>
+        <p:nvSpPr>
+          <p:cNvPr id="2" name="Title 1">
+            <a:extLst>
+              <a:ext uri="{FF2B5EF4-FFF2-40B4-BE49-F238E27FC236}">
+                <a16:creationId xmlns:a16="http://schemas.microsoft.com/office/drawing/2014/main" id="{9909CA8B-FD86-4403-AC3F-E14605585D95}"/>
+              </a:ext>
+            </a:extLst>
+          </p:cNvPr>
+          <p:cNvSpPr>
+            <a:spLocks noGrp="1"/>
+          </p:cNvSpPr>
+          <p:nvPr>
+            <p:ph type="title"/>
+          </p:nvPr>
+        </p:nvSpPr>
+        <p:spPr/>
+        <p:txBody>
+          <a:bodyPr/>
+          <a:lstStyle/>
+          <a:p>
+            <a:r>
+              <a:rPr lang="en-US" dirty="0"/>
+              <a:t>Post mortem</a:t>
+            </a:r>
+          </a:p>
+        </p:txBody>
+      </p:sp>
+      <p:sp>
+        <p:nvSpPr>
+          <p:cNvPr id="3" name="Content Placeholder 2">
+            <a:extLst>
+              <a:ext uri="{FF2B5EF4-FFF2-40B4-BE49-F238E27FC236}">
+                <a16:creationId xmlns:a16="http://schemas.microsoft.com/office/drawing/2014/main" id="{5C3944AE-E16B-4120-A5DC-92EC2F828716}"/>
+              </a:ext>
+            </a:extLst>
+          </p:cNvPr>
+          <p:cNvSpPr>
+            <a:spLocks noGrp="1"/>
+          </p:cNvSpPr>
+          <p:nvPr>
+            <p:ph idx="1"/>
+          </p:nvPr>
+        </p:nvSpPr>
+        <p:spPr/>
+        <p:txBody>
+          <a:bodyPr>
+            <a:noAutofit/>
+          </a:bodyPr>
+          <a:lstStyle/>
+          <a:p>
+            <a:r>
+              <a:rPr lang="en-US" sz="3200" dirty="0"/>
+              <a:t>Limited dataset: Difficulties with finding useful data on wines for free</a:t>
+            </a:r>
+          </a:p>
+          <a:p>
+            <a:r>
+              <a:rPr lang="en-US" sz="3200" dirty="0"/>
+              <a:t>Data biased towards red whines and mid-tier wines </a:t>
+            </a:r>
+          </a:p>
+          <a:p>
+            <a:r>
+              <a:rPr lang="en-US" sz="3200" dirty="0"/>
+              <a:t>Given more time, we would like to refine our models and find alternative datasets in order to get the most accurate results at predicting the quality of a wine</a:t>
+            </a:r>
+          </a:p>
+        </p:txBody>
+      </p:sp>
+    </p:spTree>
+    <p:extLst>
+      <p:ext uri="{BB962C8B-B14F-4D97-AF65-F5344CB8AC3E}">
+        <p14:creationId xmlns:p14="http://schemas.microsoft.com/office/powerpoint/2010/main" val="780749395"/>
       </p:ext>
     </p:extLst>
   </p:cSld>
@@ -10295,10 +11124,101 @@
       </p:grpSpPr>
       <p:sp>
         <p:nvSpPr>
+          <p:cNvPr id="4" name="Title 3">
+            <a:extLst>
+              <a:ext uri="{FF2B5EF4-FFF2-40B4-BE49-F238E27FC236}">
+                <a16:creationId xmlns:a16="http://schemas.microsoft.com/office/drawing/2014/main" id="{3ACC76CC-BF2C-4E99-9401-B36CCDF65FBF}"/>
+              </a:ext>
+            </a:extLst>
+          </p:cNvPr>
+          <p:cNvSpPr>
+            <a:spLocks noGrp="1"/>
+          </p:cNvSpPr>
+          <p:nvPr>
+            <p:ph type="title"/>
+          </p:nvPr>
+        </p:nvSpPr>
+        <p:spPr>
+          <a:xfrm>
+            <a:off x="1751011" y="2080619"/>
+            <a:ext cx="8686800" cy="1468800"/>
+          </a:xfrm>
+        </p:spPr>
+        <p:txBody>
+          <a:bodyPr>
+            <a:normAutofit/>
+          </a:bodyPr>
+          <a:lstStyle/>
+          <a:p>
+            <a:pPr algn="ctr"/>
+            <a:r>
+              <a:rPr lang="en-US" sz="5400" dirty="0"/>
+              <a:t>The data</a:t>
+            </a:r>
+          </a:p>
+        </p:txBody>
+      </p:sp>
+      <p:sp>
+        <p:nvSpPr>
+          <p:cNvPr id="5" name="Text Placeholder 4">
+            <a:extLst>
+              <a:ext uri="{FF2B5EF4-FFF2-40B4-BE49-F238E27FC236}">
+                <a16:creationId xmlns:a16="http://schemas.microsoft.com/office/drawing/2014/main" id="{A44AD253-93CF-432E-8AD7-DE2CF7EAEF9E}"/>
+              </a:ext>
+            </a:extLst>
+          </p:cNvPr>
+          <p:cNvSpPr>
+            <a:spLocks noGrp="1"/>
+          </p:cNvSpPr>
+          <p:nvPr>
+            <p:ph type="body" idx="1"/>
+          </p:nvPr>
+        </p:nvSpPr>
+        <p:spPr/>
+        <p:txBody>
+          <a:bodyPr/>
+          <a:lstStyle/>
+          <a:p>
+            <a:endParaRPr lang="en-US"/>
+          </a:p>
+        </p:txBody>
+      </p:sp>
+    </p:spTree>
+    <p:extLst>
+      <p:ext uri="{BB962C8B-B14F-4D97-AF65-F5344CB8AC3E}">
+        <p14:creationId xmlns:p14="http://schemas.microsoft.com/office/powerpoint/2010/main" val="2425482775"/>
+      </p:ext>
+    </p:extLst>
+  </p:cSld>
+  <p:clrMapOvr>
+    <a:masterClrMapping/>
+  </p:clrMapOvr>
+</p:sld>
+</file>
+
+<file path=ppt/slides/slide40.xml><?xml version="1.0" encoding="utf-8"?>
+<p:sld xmlns:a="http://schemas.openxmlformats.org/drawingml/2006/main" xmlns:r="http://schemas.openxmlformats.org/officeDocument/2006/relationships" xmlns:p="http://schemas.openxmlformats.org/presentationml/2006/main">
+  <p:cSld>
+    <p:spTree>
+      <p:nvGrpSpPr>
+        <p:cNvPr id="1" name=""/>
+        <p:cNvGrpSpPr/>
+        <p:nvPr/>
+      </p:nvGrpSpPr>
+      <p:grpSpPr>
+        <a:xfrm>
+          <a:off x="0" y="0"/>
+          <a:ext cx="0" cy="0"/>
+          <a:chOff x="0" y="0"/>
+          <a:chExt cx="0" cy="0"/>
+        </a:xfrm>
+      </p:grpSpPr>
+      <p:sp>
+        <p:nvSpPr>
           <p:cNvPr id="2" name="Title 1">
             <a:extLst>
               <a:ext uri="{FF2B5EF4-FFF2-40B4-BE49-F238E27FC236}">
-                <a16:creationId xmlns:a16="http://schemas.microsoft.com/office/drawing/2014/main" id="{B874DC24-40D9-4058-ACA2-22BFA1CDE625}"/>
+                <a16:creationId xmlns:a16="http://schemas.microsoft.com/office/drawing/2014/main" id="{2A6CD02B-86D6-47D5-BA00-E22882D92169}"/>
               </a:ext>
             </a:extLst>
           </p:cNvPr>
@@ -10311,27 +11231,28 @@
         </p:nvSpPr>
         <p:spPr>
           <a:xfrm>
-            <a:off x="1141413" y="114300"/>
-            <a:ext cx="9905998" cy="1905000"/>
+            <a:off x="1664746" y="2003117"/>
+            <a:ext cx="8686800" cy="1468800"/>
           </a:xfrm>
         </p:spPr>
         <p:txBody>
           <a:bodyPr/>
           <a:lstStyle/>
           <a:p>
+            <a:pPr algn="ctr"/>
             <a:r>
               <a:rPr lang="en-US" dirty="0"/>
-              <a:t>Libraries and modules used</a:t>
-            </a:r>
-          </a:p>
-        </p:txBody>
-      </p:sp>
-      <p:sp>
-        <p:nvSpPr>
-          <p:cNvPr id="3" name="Content Placeholder 2">
+              <a:t>Any questions?</a:t>
+            </a:r>
+          </a:p>
+        </p:txBody>
+      </p:sp>
+      <p:sp>
+        <p:nvSpPr>
+          <p:cNvPr id="3" name="Text Placeholder 2">
             <a:extLst>
               <a:ext uri="{FF2B5EF4-FFF2-40B4-BE49-F238E27FC236}">
-                <a16:creationId xmlns:a16="http://schemas.microsoft.com/office/drawing/2014/main" id="{20E87F95-F4F4-4624-A25D-3E0D8EA94EDA}"/>
+                <a16:creationId xmlns:a16="http://schemas.microsoft.com/office/drawing/2014/main" id="{3EF7F4CE-139F-4C26-B914-2C24905AD633}"/>
               </a:ext>
             </a:extLst>
           </p:cNvPr>
@@ -10339,66 +11260,27 @@
             <a:spLocks noGrp="1"/>
           </p:cNvSpPr>
           <p:nvPr>
-            <p:ph idx="1"/>
-          </p:nvPr>
-        </p:nvSpPr>
-        <p:spPr>
-          <a:xfrm>
-            <a:off x="1141413" y="1580071"/>
-            <a:ext cx="10302964" cy="4912744"/>
-          </a:xfrm>
-        </p:spPr>
-        <p:txBody>
-          <a:bodyPr>
-            <a:normAutofit/>
-          </a:bodyPr>
-          <a:lstStyle/>
-          <a:p>
-            <a:r>
-              <a:rPr lang="en-US" sz="3200" dirty="0"/>
-              <a:t>Sci-Kit Learn </a:t>
-            </a:r>
-          </a:p>
-          <a:p>
-            <a:r>
-              <a:rPr lang="en-US" sz="3200" dirty="0" err="1"/>
-              <a:t>RandomForestRegressor</a:t>
-            </a:r>
-            <a:endParaRPr lang="en-US" sz="3200" dirty="0"/>
-          </a:p>
-          <a:p>
-            <a:r>
-              <a:rPr lang="en-US" sz="3200" dirty="0"/>
-              <a:t>Matplotlib, NumPy</a:t>
-            </a:r>
-          </a:p>
-          <a:p>
-            <a:r>
-              <a:rPr lang="en-US" sz="3200" dirty="0"/>
-              <a:t>Pandas ML</a:t>
-            </a:r>
-          </a:p>
-          <a:p>
-            <a:r>
-              <a:rPr lang="en-US" sz="3200" dirty="0"/>
-              <a:t>Tableau</a:t>
-            </a:r>
-          </a:p>
-          <a:p>
-            <a:r>
-              <a:rPr lang="en-US" sz="3200" dirty="0"/>
-              <a:t>R </a:t>
-            </a:r>
-          </a:p>
-          <a:p>
-            <a:endParaRPr lang="en-US" sz="3200" dirty="0"/>
+            <p:ph type="body" idx="1"/>
+          </p:nvPr>
+        </p:nvSpPr>
+        <p:spPr>
+          <a:xfrm>
+            <a:off x="1664746" y="3586935"/>
+            <a:ext cx="8686801" cy="860400"/>
+          </a:xfrm>
+        </p:spPr>
+        <p:txBody>
+          <a:bodyPr/>
+          <a:lstStyle/>
+          <a:p>
+            <a:endParaRPr lang="en-US" dirty="0"/>
           </a:p>
         </p:txBody>
       </p:sp>
     </p:spTree>
     <p:extLst>
       <p:ext uri="{BB962C8B-B14F-4D97-AF65-F5344CB8AC3E}">
-        <p14:creationId xmlns:p14="http://schemas.microsoft.com/office/powerpoint/2010/main" val="2702327115"/>
+        <p14:creationId xmlns:p14="http://schemas.microsoft.com/office/powerpoint/2010/main" val="3191634475"/>
       </p:ext>
     </p:extLst>
   </p:cSld>
@@ -10430,7 +11312,7 @@
           <p:cNvPr id="2" name="Title 1">
             <a:extLst>
               <a:ext uri="{FF2B5EF4-FFF2-40B4-BE49-F238E27FC236}">
-                <a16:creationId xmlns:a16="http://schemas.microsoft.com/office/drawing/2014/main" id="{B68E1984-BB47-4321-85AE-5E006DAC08C7}"/>
+                <a16:creationId xmlns:a16="http://schemas.microsoft.com/office/drawing/2014/main" id="{2A7AD131-CE6C-4C82-A516-74178D0E2634}"/>
               </a:ext>
             </a:extLst>
           </p:cNvPr>
@@ -10443,8 +11325,41 @@
         </p:nvSpPr>
         <p:spPr>
           <a:xfrm>
-            <a:off x="312789" y="-286109"/>
-            <a:ext cx="4500751" cy="1371600"/>
+            <a:off x="1141412" y="212785"/>
+            <a:ext cx="9905998" cy="1905000"/>
+          </a:xfrm>
+        </p:spPr>
+        <p:txBody>
+          <a:bodyPr/>
+          <a:lstStyle/>
+          <a:p>
+            <a:r>
+              <a:rPr lang="en-US" dirty="0"/>
+              <a:t>What data did we use?</a:t>
+            </a:r>
+          </a:p>
+        </p:txBody>
+      </p:sp>
+      <p:sp>
+        <p:nvSpPr>
+          <p:cNvPr id="3" name="Content Placeholder 2">
+            <a:extLst>
+              <a:ext uri="{FF2B5EF4-FFF2-40B4-BE49-F238E27FC236}">
+                <a16:creationId xmlns:a16="http://schemas.microsoft.com/office/drawing/2014/main" id="{C676BED0-96FB-4966-A62C-62541BA4CD18}"/>
+              </a:ext>
+            </a:extLst>
+          </p:cNvPr>
+          <p:cNvSpPr>
+            <a:spLocks noGrp="1"/>
+          </p:cNvSpPr>
+          <p:nvPr>
+            <p:ph idx="1"/>
+          </p:nvPr>
+        </p:nvSpPr>
+        <p:spPr>
+          <a:xfrm>
+            <a:off x="1141412" y="1781354"/>
+            <a:ext cx="9905998" cy="3124201"/>
           </a:xfrm>
         </p:spPr>
         <p:txBody>
@@ -10453,148 +11368,23 @@
           </a:bodyPr>
           <a:lstStyle/>
           <a:p>
-            <a:pPr algn="ctr"/>
-            <a:r>
-              <a:rPr lang="en-US" sz="4000" dirty="0"/>
-              <a:t>A quick look</a:t>
-            </a:r>
-          </a:p>
-        </p:txBody>
-      </p:sp>
-      <p:pic>
-        <p:nvPicPr>
-          <p:cNvPr id="6" name="Content Placeholder 5">
-            <a:extLst>
-              <a:ext uri="{FF2B5EF4-FFF2-40B4-BE49-F238E27FC236}">
-                <a16:creationId xmlns:a16="http://schemas.microsoft.com/office/drawing/2014/main" id="{187EFDDC-BD76-4FCB-904D-0C7EDD713C8E}"/>
-              </a:ext>
-            </a:extLst>
-          </p:cNvPr>
-          <p:cNvPicPr>
-            <a:picLocks noGrp="1" noChangeAspect="1"/>
-          </p:cNvPicPr>
-          <p:nvPr>
-            <p:ph idx="1"/>
-          </p:nvPr>
-        </p:nvPicPr>
-        <p:blipFill>
-          <a:blip r:embed="rId2"/>
-          <a:stretch>
-            <a:fillRect/>
-          </a:stretch>
-        </p:blipFill>
-        <p:spPr>
-          <a:xfrm>
-            <a:off x="5027573" y="506083"/>
-            <a:ext cx="6635340" cy="5865314"/>
-          </a:xfrm>
-        </p:spPr>
-      </p:pic>
-      <p:sp>
-        <p:nvSpPr>
-          <p:cNvPr id="4" name="Text Placeholder 3">
-            <a:extLst>
-              <a:ext uri="{FF2B5EF4-FFF2-40B4-BE49-F238E27FC236}">
-                <a16:creationId xmlns:a16="http://schemas.microsoft.com/office/drawing/2014/main" id="{EA3EA2A4-1B71-424D-BD92-4028EF6548D5}"/>
-              </a:ext>
-            </a:extLst>
-          </p:cNvPr>
-          <p:cNvSpPr>
-            <a:spLocks noGrp="1"/>
-          </p:cNvSpPr>
-          <p:nvPr>
-            <p:ph type="body" sz="half" idx="2"/>
-          </p:nvPr>
-        </p:nvSpPr>
-        <p:spPr>
-          <a:xfrm>
-            <a:off x="189781" y="1570009"/>
-            <a:ext cx="4623759" cy="4801388"/>
-          </a:xfrm>
-        </p:spPr>
-        <p:txBody>
-          <a:bodyPr>
-            <a:normAutofit fontScale="92500"/>
-          </a:bodyPr>
-          <a:lstStyle/>
-          <a:p>
-            <a:pPr marL="457200" indent="-457200">
-              <a:buFont typeface="Arial" panose="020B0604020202020204" pitchFamily="34" charset="0"/>
-              <a:buChar char="•"/>
-            </a:pPr>
-            <a:r>
-              <a:rPr lang="en-US" sz="3200" dirty="0">
-                <a:effectLst>
-                  <a:glow rad="38100">
-                    <a:schemeClr val="bg1">
-                      <a:lumMod val="50000"/>
-                      <a:lumOff val="50000"/>
-                      <a:alpha val="20000"/>
-                    </a:schemeClr>
-                  </a:glow>
-                </a:effectLst>
-              </a:rPr>
-              <a:t>Twelve factors to judge quality of red and white wines </a:t>
-            </a:r>
-          </a:p>
-          <a:p>
-            <a:pPr marL="457200" indent="-457200">
-              <a:buFont typeface="Arial" panose="020B0604020202020204" pitchFamily="34" charset="0"/>
-              <a:buChar char="•"/>
-            </a:pPr>
-            <a:r>
-              <a:rPr lang="en-US" sz="3200" dirty="0">
-                <a:effectLst>
-                  <a:glow rad="38100">
-                    <a:schemeClr val="bg1">
-                      <a:lumMod val="50000"/>
-                      <a:lumOff val="50000"/>
-                      <a:alpha val="20000"/>
-                    </a:schemeClr>
-                  </a:glow>
-                </a:effectLst>
-              </a:rPr>
-              <a:t>Data irregularities</a:t>
-            </a:r>
-          </a:p>
-          <a:p>
-            <a:pPr marL="914400" lvl="1" indent="-457200">
-              <a:buFont typeface="Arial" panose="020B0604020202020204" pitchFamily="34" charset="0"/>
-              <a:buChar char="•"/>
-            </a:pPr>
-            <a:r>
-              <a:rPr lang="en-US" sz="2800" dirty="0">
-                <a:effectLst>
-                  <a:glow rad="38100">
-                    <a:schemeClr val="bg1">
-                      <a:lumMod val="50000"/>
-                      <a:lumOff val="50000"/>
-                      <a:alpha val="20000"/>
-                    </a:schemeClr>
-                  </a:glow>
-                </a:effectLst>
-              </a:rPr>
-              <a:t>significantly more red wines than white wines</a:t>
-            </a:r>
-          </a:p>
-          <a:p>
-            <a:pPr marL="914400" lvl="1" indent="-457200">
-              <a:buFont typeface="Arial" panose="020B0604020202020204" pitchFamily="34" charset="0"/>
-              <a:buChar char="•"/>
-            </a:pPr>
-            <a:r>
-              <a:rPr lang="en-US" sz="2800" dirty="0">
-                <a:effectLst>
-                  <a:glow rad="38100">
-                    <a:schemeClr val="bg1">
-                      <a:lumMod val="50000"/>
-                      <a:lumOff val="50000"/>
-                      <a:alpha val="20000"/>
-                    </a:schemeClr>
-                  </a:glow>
-                </a:effectLst>
-              </a:rPr>
-              <a:t>Quality score ranges from 1 – 10 yet we have significantly more mid-tier wines</a:t>
+            <a:r>
+              <a:rPr lang="en-US" sz="2800" dirty="0"/>
+              <a:t>Publicly accessible wine data intended for research</a:t>
+            </a:r>
+          </a:p>
+          <a:p>
+            <a:r>
+              <a:rPr lang="en-US" sz="2800" dirty="0"/>
+              <a:t>P. Cortez, A. </a:t>
+            </a:r>
+            <a:r>
+              <a:rPr lang="en-US" sz="2800" dirty="0" err="1"/>
+              <a:t>Cerdeira</a:t>
+            </a:r>
+            <a:r>
+              <a:rPr lang="en-US" sz="2800" dirty="0"/>
+              <a:t>, F. Almeida, T. Matos and J. Reis. Modeling wine preferences by data mining from physicochemical properties. In Decision Support Systems, Elsevier, 47(4):547-553, 2009.</a:t>
             </a:r>
           </a:p>
         </p:txBody>
@@ -10602,7 +11392,7 @@
     </p:spTree>
     <p:extLst>
       <p:ext uri="{BB962C8B-B14F-4D97-AF65-F5344CB8AC3E}">
-        <p14:creationId xmlns:p14="http://schemas.microsoft.com/office/powerpoint/2010/main" val="4020346353"/>
+        <p14:creationId xmlns:p14="http://schemas.microsoft.com/office/powerpoint/2010/main" val="3767602593"/>
       </p:ext>
     </p:extLst>
   </p:cSld>
@@ -10647,7 +11437,7 @@
         </p:nvSpPr>
         <p:spPr>
           <a:xfrm>
-            <a:off x="312789" y="156713"/>
+            <a:off x="312789" y="-286109"/>
             <a:ext cx="4500751" cy="1371600"/>
           </a:xfrm>
         </p:spPr>
@@ -10660,7 +11450,7 @@
             <a:pPr algn="ctr"/>
             <a:r>
               <a:rPr lang="en-US" sz="4000" dirty="0"/>
-              <a:t>Correlations</a:t>
+              <a:t>A quick look</a:t>
             </a:r>
           </a:p>
         </p:txBody>
@@ -10690,7 +11480,7 @@
         <p:spPr>
           <a:xfrm>
             <a:off x="5027573" y="506083"/>
-            <a:ext cx="6635340" cy="5865313"/>
+            <a:ext cx="6635340" cy="5865314"/>
           </a:xfrm>
         </p:spPr>
       </p:pic>
@@ -10718,7 +11508,7 @@
         </p:spPr>
         <p:txBody>
           <a:bodyPr>
-            <a:normAutofit fontScale="77500" lnSpcReduction="20000"/>
+            <a:normAutofit fontScale="92500"/>
           </a:bodyPr>
           <a:lstStyle/>
           <a:p>
@@ -10738,7 +11528,7 @@
                   </a:glow>
                 </a:effectLst>
               </a:rPr>
-              <a:t>Strong positive correlation between wine type and sulfur dioxide</a:t>
+              <a:t>Twelve factors used to judge quality of red and white wines </a:t>
             </a:r>
           </a:p>
           <a:p>
@@ -10758,16 +11548,16 @@
                   </a:glow>
                 </a:effectLst>
               </a:rPr>
-              <a:t>Semi-strong positive  correlation between alcohol level and quality</a:t>
-            </a:r>
-          </a:p>
-          <a:p>
-            <a:pPr marL="457200" indent="-457200">
+              <a:t>Data irregularities</a:t>
+            </a:r>
+          </a:p>
+          <a:p>
+            <a:pPr marL="914400" lvl="1" indent="-457200">
               <a:buFont typeface="Arial" panose="020B0604020202020204" pitchFamily="34" charset="0"/>
               <a:buChar char="•"/>
             </a:pPr>
             <a:r>
-              <a:rPr lang="en-US" sz="3200" dirty="0">
+              <a:rPr lang="en-US" sz="2800" dirty="0">
                 <a:effectLst>
                   <a:glow rad="38100">
                     <a:schemeClr val="bg1">
@@ -10778,16 +11568,16 @@
                   </a:glow>
                 </a:effectLst>
               </a:rPr>
-              <a:t>Strong negative correlation between wine type and fixe acidity </a:t>
-            </a:r>
-          </a:p>
-          <a:p>
-            <a:pPr marL="457200" indent="-457200">
+              <a:t>significantly more red wines than white wines</a:t>
+            </a:r>
+          </a:p>
+          <a:p>
+            <a:pPr marL="914400" lvl="1" indent="-457200">
               <a:buFont typeface="Arial" panose="020B0604020202020204" pitchFamily="34" charset="0"/>
               <a:buChar char="•"/>
             </a:pPr>
             <a:r>
-              <a:rPr lang="en-US" sz="3200" dirty="0">
+              <a:rPr lang="en-US" sz="2800" dirty="0">
                 <a:effectLst>
                   <a:glow rad="38100">
                     <a:schemeClr val="bg1">
@@ -10798,7 +11588,7 @@
                   </a:glow>
                 </a:effectLst>
               </a:rPr>
-              <a:t>Strong negative correlation between density and sulphates</a:t>
+              <a:t>Quality score ranges from 1 – 10 yet we have significantly more mid-tier wines</a:t>
             </a:r>
           </a:p>
         </p:txBody>
@@ -10806,7 +11596,7 @@
     </p:spTree>
     <p:extLst>
       <p:ext uri="{BB962C8B-B14F-4D97-AF65-F5344CB8AC3E}">
-        <p14:creationId xmlns:p14="http://schemas.microsoft.com/office/powerpoint/2010/main" val="3902724975"/>
+        <p14:creationId xmlns:p14="http://schemas.microsoft.com/office/powerpoint/2010/main" val="4020346353"/>
       </p:ext>
     </p:extLst>
   </p:cSld>
@@ -10838,7 +11628,7 @@
           <p:cNvPr id="2" name="Title 1">
             <a:extLst>
               <a:ext uri="{FF2B5EF4-FFF2-40B4-BE49-F238E27FC236}">
-                <a16:creationId xmlns:a16="http://schemas.microsoft.com/office/drawing/2014/main" id="{5B28B745-9FD2-447F-A173-E5829BC7AA23}"/>
+                <a16:creationId xmlns:a16="http://schemas.microsoft.com/office/drawing/2014/main" id="{B68E1984-BB47-4321-85AE-5E006DAC08C7}"/>
               </a:ext>
             </a:extLst>
           </p:cNvPr>
@@ -10851,8 +11641,8 @@
         </p:nvSpPr>
         <p:spPr>
           <a:xfrm>
-            <a:off x="1083905" y="208471"/>
-            <a:ext cx="9905998" cy="786442"/>
+            <a:off x="312789" y="156713"/>
+            <a:ext cx="4500751" cy="1371600"/>
           </a:xfrm>
         </p:spPr>
         <p:txBody>
@@ -10863,18 +11653,18 @@
           <a:p>
             <a:pPr algn="ctr"/>
             <a:r>
-              <a:rPr lang="en-US" sz="3600" dirty="0"/>
-              <a:t>A Pairwise correlation chart for ants</a:t>
+              <a:rPr lang="en-US" sz="4000" dirty="0"/>
+              <a:t>Correlations</a:t>
             </a:r>
           </a:p>
         </p:txBody>
       </p:sp>
       <p:pic>
         <p:nvPicPr>
-          <p:cNvPr id="5" name="Content Placeholder 4">
+          <p:cNvPr id="6" name="Content Placeholder 5">
             <a:extLst>
               <a:ext uri="{FF2B5EF4-FFF2-40B4-BE49-F238E27FC236}">
-                <a16:creationId xmlns:a16="http://schemas.microsoft.com/office/drawing/2014/main" id="{5C1FDCCB-35FD-4F8E-BC61-7D4A4EE27432}"/>
+                <a16:creationId xmlns:a16="http://schemas.microsoft.com/office/drawing/2014/main" id="{187EFDDC-BD76-4FCB-904D-0C7EDD713C8E}"/>
               </a:ext>
             </a:extLst>
           </p:cNvPr>
@@ -10893,15 +11683,124 @@
         </p:blipFill>
         <p:spPr>
           <a:xfrm>
-            <a:off x="3031319" y="1178943"/>
-            <a:ext cx="5163778" cy="5163778"/>
+            <a:off x="5027573" y="506083"/>
+            <a:ext cx="6635340" cy="5865313"/>
           </a:xfrm>
         </p:spPr>
       </p:pic>
+      <p:sp>
+        <p:nvSpPr>
+          <p:cNvPr id="4" name="Text Placeholder 3">
+            <a:extLst>
+              <a:ext uri="{FF2B5EF4-FFF2-40B4-BE49-F238E27FC236}">
+                <a16:creationId xmlns:a16="http://schemas.microsoft.com/office/drawing/2014/main" id="{EA3EA2A4-1B71-424D-BD92-4028EF6548D5}"/>
+              </a:ext>
+            </a:extLst>
+          </p:cNvPr>
+          <p:cNvSpPr>
+            <a:spLocks noGrp="1"/>
+          </p:cNvSpPr>
+          <p:nvPr>
+            <p:ph type="body" sz="half" idx="2"/>
+          </p:nvPr>
+        </p:nvSpPr>
+        <p:spPr>
+          <a:xfrm>
+            <a:off x="189781" y="1570009"/>
+            <a:ext cx="4623759" cy="4801388"/>
+          </a:xfrm>
+        </p:spPr>
+        <p:txBody>
+          <a:bodyPr>
+            <a:normAutofit fontScale="77500" lnSpcReduction="20000"/>
+          </a:bodyPr>
+          <a:lstStyle/>
+          <a:p>
+            <a:pPr marL="457200" indent="-457200">
+              <a:buFont typeface="Arial" panose="020B0604020202020204" pitchFamily="34" charset="0"/>
+              <a:buChar char="•"/>
+            </a:pPr>
+            <a:r>
+              <a:rPr lang="en-US" sz="3200" dirty="0">
+                <a:effectLst>
+                  <a:glow rad="38100">
+                    <a:schemeClr val="bg1">
+                      <a:lumMod val="50000"/>
+                      <a:lumOff val="50000"/>
+                      <a:alpha val="20000"/>
+                    </a:schemeClr>
+                  </a:glow>
+                </a:effectLst>
+              </a:rPr>
+              <a:t>Strong positive correlation between wine type and sulfur dioxide</a:t>
+            </a:r>
+          </a:p>
+          <a:p>
+            <a:pPr marL="457200" indent="-457200">
+              <a:buFont typeface="Arial" panose="020B0604020202020204" pitchFamily="34" charset="0"/>
+              <a:buChar char="•"/>
+            </a:pPr>
+            <a:r>
+              <a:rPr lang="en-US" sz="3200" dirty="0">
+                <a:effectLst>
+                  <a:glow rad="38100">
+                    <a:schemeClr val="bg1">
+                      <a:lumMod val="50000"/>
+                      <a:lumOff val="50000"/>
+                      <a:alpha val="20000"/>
+                    </a:schemeClr>
+                  </a:glow>
+                </a:effectLst>
+              </a:rPr>
+              <a:t>Semi-strong positive  correlation between alcohol level and quality</a:t>
+            </a:r>
+          </a:p>
+          <a:p>
+            <a:pPr marL="457200" indent="-457200">
+              <a:buFont typeface="Arial" panose="020B0604020202020204" pitchFamily="34" charset="0"/>
+              <a:buChar char="•"/>
+            </a:pPr>
+            <a:r>
+              <a:rPr lang="en-US" sz="3200" dirty="0">
+                <a:effectLst>
+                  <a:glow rad="38100">
+                    <a:schemeClr val="bg1">
+                      <a:lumMod val="50000"/>
+                      <a:lumOff val="50000"/>
+                      <a:alpha val="20000"/>
+                    </a:schemeClr>
+                  </a:glow>
+                </a:effectLst>
+              </a:rPr>
+              <a:t>Strong negative correlation between wine type and fixe acidity </a:t>
+            </a:r>
+          </a:p>
+          <a:p>
+            <a:pPr marL="457200" indent="-457200">
+              <a:buFont typeface="Arial" panose="020B0604020202020204" pitchFamily="34" charset="0"/>
+              <a:buChar char="•"/>
+            </a:pPr>
+            <a:r>
+              <a:rPr lang="en-US" sz="3200" dirty="0">
+                <a:effectLst>
+                  <a:glow rad="38100">
+                    <a:schemeClr val="bg1">
+                      <a:lumMod val="50000"/>
+                      <a:lumOff val="50000"/>
+                      <a:alpha val="20000"/>
+                    </a:schemeClr>
+                  </a:glow>
+                </a:effectLst>
+              </a:rPr>
+              <a:t>Strong negative correlation between density and sulphates</a:t>
+            </a:r>
+          </a:p>
+        </p:txBody>
+      </p:sp>
     </p:spTree>
     <p:extLst>
       <p:ext uri="{BB962C8B-B14F-4D97-AF65-F5344CB8AC3E}">
-        <p14:creationId xmlns:p14="http://schemas.microsoft.com/office/powerpoint/2010/main" val="2744849853"/>
+        <p14:creationId xmlns:p14="http://schemas.microsoft.com/office/powerpoint/2010/main" val="3902724975"/>
       </p:ext>
     </p:extLst>
   </p:cSld>
@@ -10959,49 +11858,26 @@
             <a:pPr algn="ctr"/>
             <a:r>
               <a:rPr lang="en-US" sz="3600" dirty="0"/>
-              <a:t>A better look</a:t>
-            </a:r>
-          </a:p>
-        </p:txBody>
-      </p:sp>
-      <p:sp>
-        <p:nvSpPr>
-          <p:cNvPr id="4" name="Content Placeholder 3">
+              <a:t>A Pairwise correlation chart for ants</a:t>
+            </a:r>
+          </a:p>
+        </p:txBody>
+      </p:sp>
+      <p:pic>
+        <p:nvPicPr>
+          <p:cNvPr id="5" name="Content Placeholder 4">
             <a:extLst>
               <a:ext uri="{FF2B5EF4-FFF2-40B4-BE49-F238E27FC236}">
-                <a16:creationId xmlns:a16="http://schemas.microsoft.com/office/drawing/2014/main" id="{B5C8770E-BF81-4C3D-A801-021280665CE1}"/>
-              </a:ext>
-            </a:extLst>
-          </p:cNvPr>
-          <p:cNvSpPr>
-            <a:spLocks noGrp="1"/>
-          </p:cNvSpPr>
-          <p:nvPr>
-            <p:ph idx="1"/>
-          </p:nvPr>
-        </p:nvSpPr>
-        <p:spPr/>
-        <p:txBody>
-          <a:bodyPr/>
-          <a:lstStyle/>
-          <a:p>
-            <a:endParaRPr lang="en-US"/>
-          </a:p>
-        </p:txBody>
-      </p:sp>
-      <p:pic>
-        <p:nvPicPr>
-          <p:cNvPr id="6" name="Picture 5">
-            <a:extLst>
-              <a:ext uri="{FF2B5EF4-FFF2-40B4-BE49-F238E27FC236}">
-                <a16:creationId xmlns:a16="http://schemas.microsoft.com/office/drawing/2014/main" id="{141A21AC-4DFA-4AFF-8168-B35897EBF06F}"/>
+                <a16:creationId xmlns:a16="http://schemas.microsoft.com/office/drawing/2014/main" id="{5C1FDCCB-35FD-4F8E-BC61-7D4A4EE27432}"/>
               </a:ext>
             </a:extLst>
           </p:cNvPr>
           <p:cNvPicPr>
-            <a:picLocks noChangeAspect="1"/>
+            <a:picLocks noGrp="1" noChangeAspect="1"/>
           </p:cNvPicPr>
-          <p:nvPr/>
+          <p:nvPr>
+            <p:ph idx="1"/>
+          </p:nvPr>
         </p:nvPicPr>
         <p:blipFill>
           <a:blip r:embed="rId2"/>
@@ -11011,18 +11887,15 @@
         </p:blipFill>
         <p:spPr>
           <a:xfrm>
-            <a:off x="382524" y="1066800"/>
-            <a:ext cx="11308759" cy="5303808"/>
-          </a:xfrm>
-          <a:prstGeom prst="rect">
-            <a:avLst/>
-          </a:prstGeom>
+            <a:off x="3031319" y="1178943"/>
+            <a:ext cx="5163778" cy="5163778"/>
+          </a:xfrm>
         </p:spPr>
       </p:pic>
     </p:spTree>
     <p:extLst>
       <p:ext uri="{BB962C8B-B14F-4D97-AF65-F5344CB8AC3E}">
-        <p14:creationId xmlns:p14="http://schemas.microsoft.com/office/powerpoint/2010/main" val="2009694962"/>
+        <p14:creationId xmlns:p14="http://schemas.microsoft.com/office/powerpoint/2010/main" val="2744849853"/>
       </p:ext>
     </p:extLst>
   </p:cSld>
@@ -11054,7 +11927,7 @@
           <p:cNvPr id="2" name="Title 1">
             <a:extLst>
               <a:ext uri="{FF2B5EF4-FFF2-40B4-BE49-F238E27FC236}">
-                <a16:creationId xmlns:a16="http://schemas.microsoft.com/office/drawing/2014/main" id="{48794AAE-D738-4DE7-84FD-EFF817FFB8CA}"/>
+                <a16:creationId xmlns:a16="http://schemas.microsoft.com/office/drawing/2014/main" id="{5B28B745-9FD2-447F-A173-E5829BC7AA23}"/>
               </a:ext>
             </a:extLst>
           </p:cNvPr>
@@ -11067,28 +11940,30 @@
         </p:nvSpPr>
         <p:spPr>
           <a:xfrm>
-            <a:off x="1618741" y="1836339"/>
-            <a:ext cx="8686800" cy="1468800"/>
-          </a:xfrm>
-        </p:spPr>
-        <p:txBody>
-          <a:bodyPr/>
+            <a:off x="1083905" y="208471"/>
+            <a:ext cx="9905998" cy="786442"/>
+          </a:xfrm>
+        </p:spPr>
+        <p:txBody>
+          <a:bodyPr>
+            <a:normAutofit/>
+          </a:bodyPr>
           <a:lstStyle/>
           <a:p>
             <a:pPr algn="ctr"/>
             <a:r>
-              <a:rPr lang="en-US" dirty="0"/>
-              <a:t>Machine learning modules</a:t>
-            </a:r>
-          </a:p>
-        </p:txBody>
-      </p:sp>
-      <p:sp>
-        <p:nvSpPr>
-          <p:cNvPr id="3" name="Text Placeholder 2">
+              <a:rPr lang="en-US" sz="3600" dirty="0"/>
+              <a:t>A better look</a:t>
+            </a:r>
+          </a:p>
+        </p:txBody>
+      </p:sp>
+      <p:sp>
+        <p:nvSpPr>
+          <p:cNvPr id="4" name="Content Placeholder 3">
             <a:extLst>
               <a:ext uri="{FF2B5EF4-FFF2-40B4-BE49-F238E27FC236}">
-                <a16:creationId xmlns:a16="http://schemas.microsoft.com/office/drawing/2014/main" id="{07284521-E2A4-4D0F-A279-8AE1889490B9}"/>
+                <a16:creationId xmlns:a16="http://schemas.microsoft.com/office/drawing/2014/main" id="{B5C8770E-BF81-4C3D-A801-021280665CE1}"/>
               </a:ext>
             </a:extLst>
           </p:cNvPr>
@@ -11096,29 +11971,52 @@
             <a:spLocks noGrp="1"/>
           </p:cNvSpPr>
           <p:nvPr>
-            <p:ph type="body" idx="1"/>
-          </p:nvPr>
-        </p:nvSpPr>
-        <p:spPr>
-          <a:xfrm>
-            <a:off x="1371449" y="3305139"/>
-            <a:ext cx="8686801" cy="860400"/>
-          </a:xfrm>
-        </p:spPr>
-        <p:txBody>
-          <a:bodyPr>
-            <a:normAutofit/>
-          </a:bodyPr>
-          <a:lstStyle/>
-          <a:p>
-            <a:endParaRPr lang="en-US" dirty="0"/>
-          </a:p>
-        </p:txBody>
-      </p:sp>
+            <p:ph idx="1"/>
+          </p:nvPr>
+        </p:nvSpPr>
+        <p:spPr/>
+        <p:txBody>
+          <a:bodyPr/>
+          <a:lstStyle/>
+          <a:p>
+            <a:endParaRPr lang="en-US"/>
+          </a:p>
+        </p:txBody>
+      </p:sp>
+      <p:pic>
+        <p:nvPicPr>
+          <p:cNvPr id="6" name="Picture 5">
+            <a:extLst>
+              <a:ext uri="{FF2B5EF4-FFF2-40B4-BE49-F238E27FC236}">
+                <a16:creationId xmlns:a16="http://schemas.microsoft.com/office/drawing/2014/main" id="{141A21AC-4DFA-4AFF-8168-B35897EBF06F}"/>
+              </a:ext>
+            </a:extLst>
+          </p:cNvPr>
+          <p:cNvPicPr>
+            <a:picLocks noChangeAspect="1"/>
+          </p:cNvPicPr>
+          <p:nvPr/>
+        </p:nvPicPr>
+        <p:blipFill>
+          <a:blip r:embed="rId2"/>
+          <a:stretch>
+            <a:fillRect/>
+          </a:stretch>
+        </p:blipFill>
+        <p:spPr>
+          <a:xfrm>
+            <a:off x="382524" y="1066800"/>
+            <a:ext cx="11308759" cy="5303808"/>
+          </a:xfrm>
+          <a:prstGeom prst="rect">
+            <a:avLst/>
+          </a:prstGeom>
+        </p:spPr>
+      </p:pic>
     </p:spTree>
     <p:extLst>
       <p:ext uri="{BB962C8B-B14F-4D97-AF65-F5344CB8AC3E}">
-        <p14:creationId xmlns:p14="http://schemas.microsoft.com/office/powerpoint/2010/main" val="1782971691"/>
+        <p14:creationId xmlns:p14="http://schemas.microsoft.com/office/powerpoint/2010/main" val="2009694962"/>
       </p:ext>
     </p:extLst>
   </p:cSld>
